--- a/KV3 - Fullflax.pptx
+++ b/KV3 - Fullflax.pptx
@@ -4649,8 +4649,8 @@
         </p:nvSpPr>
         <p:spPr>
           <a:xfrm>
-            <a:off x="5485919" y="2875243"/>
-            <a:ext cx="1499635" cy="1058996"/>
+            <a:off x="5605185" y="2402900"/>
+            <a:ext cx="1295405" cy="821045"/>
           </a:xfrm>
           <a:prstGeom prst="rightArrow">
             <a:avLst/>
@@ -5687,6 +5687,101 @@
             <a:r>
               <a:rPr lang="en-US" sz="2800" b="1" dirty="0"/>
               <a:t>Explanation for each node</a:t>
+            </a:r>
+          </a:p>
+        </p:txBody>
+      </p:sp>
+      <p:sp>
+        <p:nvSpPr>
+          <p:cNvPr id="4" name="Arrow: Down 3">
+            <a:extLst>
+              <a:ext uri="{FF2B5EF4-FFF2-40B4-BE49-F238E27FC236}">
+                <a16:creationId xmlns:a16="http://schemas.microsoft.com/office/drawing/2014/main" id="{BA699E77-165B-4BB6-BD68-A77F1B4644A5}"/>
+              </a:ext>
+            </a:extLst>
+          </p:cNvPr>
+          <p:cNvSpPr/>
+          <p:nvPr/>
+        </p:nvSpPr>
+        <p:spPr>
+          <a:xfrm rot="2244109">
+            <a:off x="6928751" y="3618207"/>
+            <a:ext cx="366184" cy="1029202"/>
+          </a:xfrm>
+          <a:prstGeom prst="downArrow">
+            <a:avLst/>
+          </a:prstGeom>
+        </p:spPr>
+        <p:style>
+          <a:lnRef idx="2">
+            <a:schemeClr val="accent1">
+              <a:shade val="50000"/>
+            </a:schemeClr>
+          </a:lnRef>
+          <a:fillRef idx="1">
+            <a:schemeClr val="accent1"/>
+          </a:fillRef>
+          <a:effectRef idx="0">
+            <a:schemeClr val="accent1"/>
+          </a:effectRef>
+          <a:fontRef idx="minor">
+            <a:schemeClr val="lt1"/>
+          </a:fontRef>
+        </p:style>
+        <p:txBody>
+          <a:bodyPr rtlCol="0" anchor="ctr"/>
+          <a:lstStyle/>
+          <a:p>
+            <a:pPr algn="ctr"/>
+            <a:endParaRPr lang="en-US"/>
+          </a:p>
+        </p:txBody>
+      </p:sp>
+      <p:sp>
+        <p:nvSpPr>
+          <p:cNvPr id="16" name="Rectangle: Rounded Corners 15">
+            <a:extLst>
+              <a:ext uri="{FF2B5EF4-FFF2-40B4-BE49-F238E27FC236}">
+                <a16:creationId xmlns:a16="http://schemas.microsoft.com/office/drawing/2014/main" id="{72D1B982-9720-4C59-A722-5CC4D397C960}"/>
+              </a:ext>
+            </a:extLst>
+          </p:cNvPr>
+          <p:cNvSpPr/>
+          <p:nvPr/>
+        </p:nvSpPr>
+        <p:spPr>
+          <a:xfrm>
+            <a:off x="5830957" y="4625009"/>
+            <a:ext cx="986225" cy="605159"/>
+          </a:xfrm>
+          <a:prstGeom prst="roundRect">
+            <a:avLst/>
+          </a:prstGeom>
+        </p:spPr>
+        <p:style>
+          <a:lnRef idx="2">
+            <a:schemeClr val="accent1">
+              <a:shade val="50000"/>
+            </a:schemeClr>
+          </a:lnRef>
+          <a:fillRef idx="1">
+            <a:schemeClr val="accent1"/>
+          </a:fillRef>
+          <a:effectRef idx="0">
+            <a:schemeClr val="accent1"/>
+          </a:effectRef>
+          <a:fontRef idx="minor">
+            <a:schemeClr val="lt1"/>
+          </a:fontRef>
+        </p:style>
+        <p:txBody>
+          <a:bodyPr rtlCol="0" anchor="ctr"/>
+          <a:lstStyle/>
+          <a:p>
+            <a:pPr algn="ctr"/>
+            <a:r>
+              <a:rPr lang="en-US" b="1" dirty="0"/>
+              <a:t>WHY ?</a:t>
             </a:r>
           </a:p>
         </p:txBody>
@@ -8244,6 +8339,186 @@
                                         </p:tgtEl>
                                       </p:cBhvr>
                                     </p:animEffect>
+                                  </p:childTnLst>
+                                </p:cTn>
+                              </p:par>
+                            </p:childTnLst>
+                          </p:cTn>
+                        </p:par>
+                      </p:childTnLst>
+                    </p:cTn>
+                  </p:par>
+                  <p:par>
+                    <p:cTn id="178" fill="hold">
+                      <p:stCondLst>
+                        <p:cond delay="indefinite"/>
+                      </p:stCondLst>
+                      <p:childTnLst>
+                        <p:par>
+                          <p:cTn id="179" fill="hold">
+                            <p:stCondLst>
+                              <p:cond delay="0"/>
+                            </p:stCondLst>
+                            <p:childTnLst>
+                              <p:par>
+                                <p:cTn id="180" presetID="42" presetClass="entr" presetSubtype="0" fill="hold" grpId="0" nodeType="clickEffect">
+                                  <p:stCondLst>
+                                    <p:cond delay="0"/>
+                                  </p:stCondLst>
+                                  <p:childTnLst>
+                                    <p:set>
+                                      <p:cBhvr>
+                                        <p:cTn id="181" dur="1" fill="hold">
+                                          <p:stCondLst>
+                                            <p:cond delay="0"/>
+                                          </p:stCondLst>
+                                        </p:cTn>
+                                        <p:tgtEl>
+                                          <p:spTgt spid="4"/>
+                                        </p:tgtEl>
+                                        <p:attrNameLst>
+                                          <p:attrName>style.visibility</p:attrName>
+                                        </p:attrNameLst>
+                                      </p:cBhvr>
+                                      <p:to>
+                                        <p:strVal val="visible"/>
+                                      </p:to>
+                                    </p:set>
+                                    <p:animEffect transition="in" filter="fade">
+                                      <p:cBhvr>
+                                        <p:cTn id="182" dur="1000"/>
+                                        <p:tgtEl>
+                                          <p:spTgt spid="4"/>
+                                        </p:tgtEl>
+                                      </p:cBhvr>
+                                    </p:animEffect>
+                                    <p:anim calcmode="lin" valueType="num">
+                                      <p:cBhvr>
+                                        <p:cTn id="183" dur="1000" fill="hold"/>
+                                        <p:tgtEl>
+                                          <p:spTgt spid="4"/>
+                                        </p:tgtEl>
+                                        <p:attrNameLst>
+                                          <p:attrName>ppt_x</p:attrName>
+                                        </p:attrNameLst>
+                                      </p:cBhvr>
+                                      <p:tavLst>
+                                        <p:tav tm="0">
+                                          <p:val>
+                                            <p:strVal val="#ppt_x"/>
+                                          </p:val>
+                                        </p:tav>
+                                        <p:tav tm="100000">
+                                          <p:val>
+                                            <p:strVal val="#ppt_x"/>
+                                          </p:val>
+                                        </p:tav>
+                                      </p:tavLst>
+                                    </p:anim>
+                                    <p:anim calcmode="lin" valueType="num">
+                                      <p:cBhvr>
+                                        <p:cTn id="184" dur="1000" fill="hold"/>
+                                        <p:tgtEl>
+                                          <p:spTgt spid="4"/>
+                                        </p:tgtEl>
+                                        <p:attrNameLst>
+                                          <p:attrName>ppt_y</p:attrName>
+                                        </p:attrNameLst>
+                                      </p:cBhvr>
+                                      <p:tavLst>
+                                        <p:tav tm="0">
+                                          <p:val>
+                                            <p:strVal val="#ppt_y+.1"/>
+                                          </p:val>
+                                        </p:tav>
+                                        <p:tav tm="100000">
+                                          <p:val>
+                                            <p:strVal val="#ppt_y"/>
+                                          </p:val>
+                                        </p:tav>
+                                      </p:tavLst>
+                                    </p:anim>
+                                  </p:childTnLst>
+                                </p:cTn>
+                              </p:par>
+                              <p:par>
+                                <p:cTn id="185" presetID="42" presetClass="entr" presetSubtype="0" fill="hold" grpId="0" nodeType="withEffect">
+                                  <p:stCondLst>
+                                    <p:cond delay="0"/>
+                                  </p:stCondLst>
+                                  <p:childTnLst>
+                                    <p:set>
+                                      <p:cBhvr>
+                                        <p:cTn id="186" dur="1" fill="hold">
+                                          <p:stCondLst>
+                                            <p:cond delay="0"/>
+                                          </p:stCondLst>
+                                        </p:cTn>
+                                        <p:tgtEl>
+                                          <p:spTgt spid="16"/>
+                                        </p:tgtEl>
+                                        <p:attrNameLst>
+                                          <p:attrName>style.visibility</p:attrName>
+                                        </p:attrNameLst>
+                                      </p:cBhvr>
+                                      <p:to>
+                                        <p:strVal val="visible"/>
+                                      </p:to>
+                                    </p:set>
+                                    <p:animEffect transition="in" filter="fade">
+                                      <p:cBhvr>
+                                        <p:cTn id="187" dur="1000"/>
+                                        <p:tgtEl>
+                                          <p:spTgt spid="16"/>
+                                        </p:tgtEl>
+                                      </p:cBhvr>
+                                    </p:animEffect>
+                                    <p:anim calcmode="lin" valueType="num">
+                                      <p:cBhvr>
+                                        <p:cTn id="188" dur="1000" fill="hold"/>
+                                        <p:tgtEl>
+                                          <p:spTgt spid="16"/>
+                                        </p:tgtEl>
+                                        <p:attrNameLst>
+                                          <p:attrName>ppt_x</p:attrName>
+                                        </p:attrNameLst>
+                                      </p:cBhvr>
+                                      <p:tavLst>
+                                        <p:tav tm="0">
+                                          <p:val>
+                                            <p:strVal val="#ppt_x"/>
+                                          </p:val>
+                                        </p:tav>
+                                        <p:tav tm="100000">
+                                          <p:val>
+                                            <p:strVal val="#ppt_x"/>
+                                          </p:val>
+                                        </p:tav>
+                                      </p:tavLst>
+                                    </p:anim>
+                                    <p:anim calcmode="lin" valueType="num">
+                                      <p:cBhvr>
+                                        <p:cTn id="189" dur="1000" fill="hold"/>
+                                        <p:tgtEl>
+                                          <p:spTgt spid="16"/>
+                                        </p:tgtEl>
+                                        <p:attrNameLst>
+                                          <p:attrName>ppt_y</p:attrName>
+                                        </p:attrNameLst>
+                                      </p:cBhvr>
+                                      <p:tavLst>
+                                        <p:tav tm="0">
+                                          <p:val>
+                                            <p:strVal val="#ppt_y+.1"/>
+                                          </p:val>
+                                        </p:tav>
+                                        <p:tav tm="100000">
+                                          <p:val>
+                                            <p:strVal val="#ppt_y"/>
+                                          </p:val>
+                                        </p:tav>
+                                      </p:tavLst>
+                                    </p:anim>
                                   </p:childTnLst>
                                 </p:cTn>
                               </p:par>
@@ -8299,6 +8574,8 @@
       <p:bldP spid="55" grpId="0" animBg="1"/>
       <p:bldP spid="56" grpId="0" animBg="1"/>
       <p:bldP spid="57" grpId="0"/>
+      <p:bldP spid="4" grpId="0" animBg="1"/>
+      <p:bldP spid="16" grpId="0" animBg="1"/>
     </p:bldLst>
   </p:timing>
 </p:sld>
@@ -9065,24 +9342,26 @@
         </p:nvSpPr>
         <p:spPr>
           <a:xfrm>
-            <a:off x="838199" y="1825625"/>
-            <a:ext cx="8373241" cy="481979"/>
+            <a:off x="838199" y="1307800"/>
+            <a:ext cx="10333384" cy="993952"/>
           </a:xfrm>
         </p:spPr>
         <p:txBody>
-          <a:bodyPr/>
+          <a:bodyPr>
+            <a:noAutofit/>
+          </a:bodyPr>
           <a:lstStyle/>
           <a:p>
             <a:pPr marL="0" indent="0">
               <a:buNone/>
             </a:pPr>
             <a:r>
-              <a:rPr lang="en-US" b="1" dirty="0"/>
+              <a:rPr lang="en-US" sz="3200" b="1" dirty="0"/>
               <a:t>KEY IDEA</a:t>
             </a:r>
             <a:r>
-              <a:rPr lang="en-US" dirty="0"/>
-              <a:t>: Find a subgraph can “act” as the original one.</a:t>
+              <a:rPr lang="en-US" sz="3200" dirty="0"/>
+              <a:t>: What part of the graph contributes the most in the classification of “X”?</a:t>
             </a:r>
           </a:p>
         </p:txBody>
@@ -10090,41 +10369,6 @@
           </a:p>
         </p:txBody>
       </p:sp>
-      <p:sp>
-        <p:nvSpPr>
-          <p:cNvPr id="65" name="TextBox 64">
-            <a:extLst>
-              <a:ext uri="{FF2B5EF4-FFF2-40B4-BE49-F238E27FC236}">
-                <a16:creationId xmlns:a16="http://schemas.microsoft.com/office/drawing/2014/main" id="{F9923241-CC9C-4BD6-8A37-191A0FD8758F}"/>
-              </a:ext>
-            </a:extLst>
-          </p:cNvPr>
-          <p:cNvSpPr txBox="1"/>
-          <p:nvPr/>
-        </p:nvSpPr>
-        <p:spPr>
-          <a:xfrm>
-            <a:off x="4813300" y="5797827"/>
-            <a:ext cx="4507581" cy="369332"/>
-          </a:xfrm>
-          <a:prstGeom prst="rect">
-            <a:avLst/>
-          </a:prstGeom>
-          <a:noFill/>
-        </p:spPr>
-        <p:txBody>
-          <a:bodyPr wrap="none" rtlCol="0">
-            <a:spAutoFit/>
-          </a:bodyPr>
-          <a:lstStyle/>
-          <a:p>
-            <a:r>
-              <a:rPr lang="en-US" dirty="0"/>
-              <a:t>Add animation to drop some edges and nodes</a:t>
-            </a:r>
-          </a:p>
-        </p:txBody>
-      </p:sp>
     </p:spTree>
     <p:extLst>
       <p:ext uri="{BB962C8B-B14F-4D97-AF65-F5344CB8AC3E}">
@@ -10156,7 +10400,7 @@
                             </p:stCondLst>
                             <p:childTnLst>
                               <p:par>
-                                <p:cTn id="5" presetID="16" presetClass="entr" presetSubtype="21" fill="hold" grpId="0" nodeType="clickEffect">
+                                <p:cTn id="5" presetID="14" presetClass="entr" presetSubtype="10" fill="hold" grpId="0" nodeType="clickEffect">
                                   <p:stCondLst>
                                     <p:cond delay="0"/>
                                   </p:stCondLst>
@@ -10169,11 +10413,7 @@
                                           </p:stCondLst>
                                         </p:cTn>
                                         <p:tgtEl>
-                                          <p:spTgt spid="3">
-                                            <p:txEl>
-                                              <p:pRg st="0" end="0"/>
-                                            </p:txEl>
-                                          </p:spTgt>
+                                          <p:spTgt spid="62"/>
                                         </p:tgtEl>
                                         <p:attrNameLst>
                                           <p:attrName>style.visibility</p:attrName>
@@ -10183,15 +10423,81 @@
                                         <p:strVal val="visible"/>
                                       </p:to>
                                     </p:set>
-                                    <p:animEffect transition="in" filter="barn(inVertical)">
+                                    <p:animEffect transition="in" filter="randombar(horizontal)">
                                       <p:cBhvr>
                                         <p:cTn id="7" dur="500"/>
                                         <p:tgtEl>
-                                          <p:spTgt spid="3">
-                                            <p:txEl>
-                                              <p:pRg st="0" end="0"/>
-                                            </p:txEl>
-                                          </p:spTgt>
+                                          <p:spTgt spid="62"/>
+                                        </p:tgtEl>
+                                      </p:cBhvr>
+                                    </p:animEffect>
+                                  </p:childTnLst>
+                                </p:cTn>
+                              </p:par>
+                              <p:par>
+                                <p:cTn id="8" presetID="14" presetClass="entr" presetSubtype="10" fill="hold" grpId="0" nodeType="withEffect">
+                                  <p:stCondLst>
+                                    <p:cond delay="0"/>
+                                  </p:stCondLst>
+                                  <p:childTnLst>
+                                    <p:set>
+                                      <p:cBhvr>
+                                        <p:cTn id="9" dur="1" fill="hold">
+                                          <p:stCondLst>
+                                            <p:cond delay="0"/>
+                                          </p:stCondLst>
+                                        </p:cTn>
+                                        <p:tgtEl>
+                                          <p:spTgt spid="61"/>
+                                        </p:tgtEl>
+                                        <p:attrNameLst>
+                                          <p:attrName>style.visibility</p:attrName>
+                                        </p:attrNameLst>
+                                      </p:cBhvr>
+                                      <p:to>
+                                        <p:strVal val="visible"/>
+                                      </p:to>
+                                    </p:set>
+                                    <p:animEffect transition="in" filter="randombar(horizontal)">
+                                      <p:cBhvr>
+                                        <p:cTn id="10" dur="500"/>
+                                        <p:tgtEl>
+                                          <p:spTgt spid="61"/>
+                                        </p:tgtEl>
+                                      </p:cBhvr>
+                                    </p:animEffect>
+                                  </p:childTnLst>
+                                </p:cTn>
+                              </p:par>
+                              <p:par>
+                                <p:cTn id="11" presetID="14" presetClass="entr" presetSubtype="10" fill="hold" grpId="0" nodeType="withEffect">
+                                  <p:stCondLst>
+                                    <p:cond delay="0"/>
+                                  </p:stCondLst>
+                                  <p:childTnLst>
+                                    <p:set>
+                                      <p:cBhvr>
+                                        <p:cTn id="12" dur="1" fill="hold">
+                                          <p:stCondLst>
+                                            <p:cond delay="0"/>
+                                          </p:stCondLst>
+                                        </p:cTn>
+                                        <p:tgtEl>
+                                          <p:spTgt spid="63"/>
+                                        </p:tgtEl>
+                                        <p:attrNameLst>
+                                          <p:attrName>style.visibility</p:attrName>
+                                        </p:attrNameLst>
+                                      </p:cBhvr>
+                                      <p:to>
+                                        <p:strVal val="visible"/>
+                                      </p:to>
+                                    </p:set>
+                                    <p:animEffect transition="in" filter="randombar(horizontal)">
+                                      <p:cBhvr>
+                                        <p:cTn id="13" dur="500"/>
+                                        <p:tgtEl>
+                                          <p:spTgt spid="63"/>
                                         </p:tgtEl>
                                       </p:cBhvr>
                                     </p:animEffect>
@@ -10205,102 +10511,32 @@
                     </p:cTn>
                   </p:par>
                   <p:par>
-                    <p:cTn id="8" fill="hold">
+                    <p:cTn id="14" fill="hold">
                       <p:stCondLst>
                         <p:cond delay="indefinite"/>
                       </p:stCondLst>
                       <p:childTnLst>
                         <p:par>
-                          <p:cTn id="9" fill="hold">
+                          <p:cTn id="15" fill="hold">
                             <p:stCondLst>
                               <p:cond delay="0"/>
                             </p:stCondLst>
                             <p:childTnLst>
                               <p:par>
-                                <p:cTn id="10" presetID="14" presetClass="entr" presetSubtype="10" fill="hold" grpId="0" nodeType="clickEffect">
+                                <p:cTn id="16" presetID="26" presetClass="entr" presetSubtype="0" fill="hold" grpId="0" nodeType="clickEffect">
                                   <p:stCondLst>
                                     <p:cond delay="0"/>
                                   </p:stCondLst>
                                   <p:childTnLst>
                                     <p:set>
                                       <p:cBhvr>
-                                        <p:cTn id="11" dur="1" fill="hold">
-                                          <p:stCondLst>
-                                            <p:cond delay="0"/>
-                                          </p:stCondLst>
-                                        </p:cTn>
-                                        <p:tgtEl>
-                                          <p:spTgt spid="62"/>
-                                        </p:tgtEl>
-                                        <p:attrNameLst>
-                                          <p:attrName>style.visibility</p:attrName>
-                                        </p:attrNameLst>
-                                      </p:cBhvr>
-                                      <p:to>
-                                        <p:strVal val="visible"/>
-                                      </p:to>
-                                    </p:set>
-                                    <p:animEffect transition="in" filter="randombar(horizontal)">
-                                      <p:cBhvr>
-                                        <p:cTn id="12" dur="500"/>
-                                        <p:tgtEl>
-                                          <p:spTgt spid="62"/>
-                                        </p:tgtEl>
-                                      </p:cBhvr>
-                                    </p:animEffect>
-                                  </p:childTnLst>
-                                </p:cTn>
-                              </p:par>
-                              <p:par>
-                                <p:cTn id="13" presetID="14" presetClass="entr" presetSubtype="10" fill="hold" grpId="0" nodeType="withEffect">
-                                  <p:stCondLst>
-                                    <p:cond delay="0"/>
-                                  </p:stCondLst>
-                                  <p:childTnLst>
-                                    <p:set>
-                                      <p:cBhvr>
-                                        <p:cTn id="14" dur="1" fill="hold">
-                                          <p:stCondLst>
-                                            <p:cond delay="0"/>
-                                          </p:stCondLst>
-                                        </p:cTn>
-                                        <p:tgtEl>
-                                          <p:spTgt spid="61"/>
-                                        </p:tgtEl>
-                                        <p:attrNameLst>
-                                          <p:attrName>style.visibility</p:attrName>
-                                        </p:attrNameLst>
-                                      </p:cBhvr>
-                                      <p:to>
-                                        <p:strVal val="visible"/>
-                                      </p:to>
-                                    </p:set>
-                                    <p:animEffect transition="in" filter="randombar(horizontal)">
-                                      <p:cBhvr>
-                                        <p:cTn id="15" dur="500"/>
-                                        <p:tgtEl>
-                                          <p:spTgt spid="61"/>
-                                        </p:tgtEl>
-                                      </p:cBhvr>
-                                    </p:animEffect>
-                                  </p:childTnLst>
-                                </p:cTn>
-                              </p:par>
-                              <p:par>
-                                <p:cTn id="16" presetID="14" presetClass="entr" presetSubtype="10" fill="hold" grpId="0" nodeType="withEffect">
-                                  <p:stCondLst>
-                                    <p:cond delay="0"/>
-                                  </p:stCondLst>
-                                  <p:childTnLst>
-                                    <p:set>
-                                      <p:cBhvr>
                                         <p:cTn id="17" dur="1" fill="hold">
                                           <p:stCondLst>
                                             <p:cond delay="0"/>
                                           </p:stCondLst>
                                         </p:cTn>
                                         <p:tgtEl>
-                                          <p:spTgt spid="63"/>
+                                          <p:spTgt spid="64"/>
                                         </p:tgtEl>
                                         <p:attrNameLst>
                                           <p:attrName>style.visibility</p:attrName>
@@ -10310,14 +10546,257 @@
                                         <p:strVal val="visible"/>
                                       </p:to>
                                     </p:set>
-                                    <p:animEffect transition="in" filter="randombar(horizontal)">
-                                      <p:cBhvr>
-                                        <p:cTn id="18" dur="500"/>
-                                        <p:tgtEl>
-                                          <p:spTgt spid="63"/>
+                                    <p:animEffect transition="in" filter="wipe(down)">
+                                      <p:cBhvr>
+                                        <p:cTn id="18" dur="580">
+                                          <p:stCondLst>
+                                            <p:cond delay="0"/>
+                                          </p:stCondLst>
+                                        </p:cTn>
+                                        <p:tgtEl>
+                                          <p:spTgt spid="64"/>
                                         </p:tgtEl>
                                       </p:cBhvr>
                                     </p:animEffect>
+                                    <p:anim calcmode="lin" valueType="num">
+                                      <p:cBhvr>
+                                        <p:cTn id="19" dur="1822" tmFilter="0,0; 0.14,0.36; 0.43,0.73; 0.71,0.91; 1.0,1.0">
+                                          <p:stCondLst>
+                                            <p:cond delay="0"/>
+                                          </p:stCondLst>
+                                        </p:cTn>
+                                        <p:tgtEl>
+                                          <p:spTgt spid="64"/>
+                                        </p:tgtEl>
+                                        <p:attrNameLst>
+                                          <p:attrName>ppt_x</p:attrName>
+                                        </p:attrNameLst>
+                                      </p:cBhvr>
+                                      <p:tavLst>
+                                        <p:tav tm="0">
+                                          <p:val>
+                                            <p:strVal val="#ppt_x-0.25"/>
+                                          </p:val>
+                                        </p:tav>
+                                        <p:tav tm="100000">
+                                          <p:val>
+                                            <p:strVal val="#ppt_x"/>
+                                          </p:val>
+                                        </p:tav>
+                                      </p:tavLst>
+                                    </p:anim>
+                                    <p:anim calcmode="lin" valueType="num">
+                                      <p:cBhvr>
+                                        <p:cTn id="20" dur="664" tmFilter="0.0,0.0; 0.25,0.07; 0.50,0.2; 0.75,0.467; 1.0,1.0">
+                                          <p:stCondLst>
+                                            <p:cond delay="0"/>
+                                          </p:stCondLst>
+                                        </p:cTn>
+                                        <p:tgtEl>
+                                          <p:spTgt spid="64"/>
+                                        </p:tgtEl>
+                                        <p:attrNameLst>
+                                          <p:attrName>ppt_y</p:attrName>
+                                        </p:attrNameLst>
+                                      </p:cBhvr>
+                                      <p:tavLst>
+                                        <p:tav tm="0" fmla="#ppt_y-sin(pi*$)/3">
+                                          <p:val>
+                                            <p:fltVal val="0.5"/>
+                                          </p:val>
+                                        </p:tav>
+                                        <p:tav tm="100000">
+                                          <p:val>
+                                            <p:fltVal val="1"/>
+                                          </p:val>
+                                        </p:tav>
+                                      </p:tavLst>
+                                    </p:anim>
+                                    <p:anim calcmode="lin" valueType="num">
+                                      <p:cBhvr>
+                                        <p:cTn id="21" dur="664" tmFilter="0, 0; 0.125,0.2665; 0.25,0.4; 0.375,0.465; 0.5,0.5;  0.625,0.535; 0.75,0.6; 0.875,0.7335; 1,1">
+                                          <p:stCondLst>
+                                            <p:cond delay="664"/>
+                                          </p:stCondLst>
+                                        </p:cTn>
+                                        <p:tgtEl>
+                                          <p:spTgt spid="64"/>
+                                        </p:tgtEl>
+                                        <p:attrNameLst>
+                                          <p:attrName>ppt_y</p:attrName>
+                                        </p:attrNameLst>
+                                      </p:cBhvr>
+                                      <p:tavLst>
+                                        <p:tav tm="0" fmla="#ppt_y-sin(pi*$)/9">
+                                          <p:val>
+                                            <p:fltVal val="0"/>
+                                          </p:val>
+                                        </p:tav>
+                                        <p:tav tm="100000">
+                                          <p:val>
+                                            <p:fltVal val="1"/>
+                                          </p:val>
+                                        </p:tav>
+                                      </p:tavLst>
+                                    </p:anim>
+                                    <p:anim calcmode="lin" valueType="num">
+                                      <p:cBhvr>
+                                        <p:cTn id="22" dur="332" tmFilter="0, 0; 0.125,0.2665; 0.25,0.4; 0.375,0.465; 0.5,0.5;  0.625,0.535; 0.75,0.6; 0.875,0.7335; 1,1">
+                                          <p:stCondLst>
+                                            <p:cond delay="1324"/>
+                                          </p:stCondLst>
+                                        </p:cTn>
+                                        <p:tgtEl>
+                                          <p:spTgt spid="64"/>
+                                        </p:tgtEl>
+                                        <p:attrNameLst>
+                                          <p:attrName>ppt_y</p:attrName>
+                                        </p:attrNameLst>
+                                      </p:cBhvr>
+                                      <p:tavLst>
+                                        <p:tav tm="0" fmla="#ppt_y-sin(pi*$)/27">
+                                          <p:val>
+                                            <p:fltVal val="0"/>
+                                          </p:val>
+                                        </p:tav>
+                                        <p:tav tm="100000">
+                                          <p:val>
+                                            <p:fltVal val="1"/>
+                                          </p:val>
+                                        </p:tav>
+                                      </p:tavLst>
+                                    </p:anim>
+                                    <p:anim calcmode="lin" valueType="num">
+                                      <p:cBhvr>
+                                        <p:cTn id="23" dur="164" tmFilter="0, 0; 0.125,0.2665; 0.25,0.4; 0.375,0.465; 0.5,0.5;  0.625,0.535; 0.75,0.6; 0.875,0.7335; 1,1">
+                                          <p:stCondLst>
+                                            <p:cond delay="1656"/>
+                                          </p:stCondLst>
+                                        </p:cTn>
+                                        <p:tgtEl>
+                                          <p:spTgt spid="64"/>
+                                        </p:tgtEl>
+                                        <p:attrNameLst>
+                                          <p:attrName>ppt_y</p:attrName>
+                                        </p:attrNameLst>
+                                      </p:cBhvr>
+                                      <p:tavLst>
+                                        <p:tav tm="0" fmla="#ppt_y-sin(pi*$)/81">
+                                          <p:val>
+                                            <p:fltVal val="0"/>
+                                          </p:val>
+                                        </p:tav>
+                                        <p:tav tm="100000">
+                                          <p:val>
+                                            <p:fltVal val="1"/>
+                                          </p:val>
+                                        </p:tav>
+                                      </p:tavLst>
+                                    </p:anim>
+                                    <p:animScale>
+                                      <p:cBhvr>
+                                        <p:cTn id="24" dur="26">
+                                          <p:stCondLst>
+                                            <p:cond delay="650"/>
+                                          </p:stCondLst>
+                                        </p:cTn>
+                                        <p:tgtEl>
+                                          <p:spTgt spid="64"/>
+                                        </p:tgtEl>
+                                      </p:cBhvr>
+                                      <p:to x="100000" y="60000"/>
+                                    </p:animScale>
+                                    <p:animScale>
+                                      <p:cBhvr>
+                                        <p:cTn id="25" dur="166" decel="50000">
+                                          <p:stCondLst>
+                                            <p:cond delay="676"/>
+                                          </p:stCondLst>
+                                        </p:cTn>
+                                        <p:tgtEl>
+                                          <p:spTgt spid="64"/>
+                                        </p:tgtEl>
+                                      </p:cBhvr>
+                                      <p:to x="100000" y="100000"/>
+                                    </p:animScale>
+                                    <p:animScale>
+                                      <p:cBhvr>
+                                        <p:cTn id="26" dur="26">
+                                          <p:stCondLst>
+                                            <p:cond delay="1312"/>
+                                          </p:stCondLst>
+                                        </p:cTn>
+                                        <p:tgtEl>
+                                          <p:spTgt spid="64"/>
+                                        </p:tgtEl>
+                                      </p:cBhvr>
+                                      <p:to x="100000" y="80000"/>
+                                    </p:animScale>
+                                    <p:animScale>
+                                      <p:cBhvr>
+                                        <p:cTn id="27" dur="166" decel="50000">
+                                          <p:stCondLst>
+                                            <p:cond delay="1338"/>
+                                          </p:stCondLst>
+                                        </p:cTn>
+                                        <p:tgtEl>
+                                          <p:spTgt spid="64"/>
+                                        </p:tgtEl>
+                                      </p:cBhvr>
+                                      <p:to x="100000" y="100000"/>
+                                    </p:animScale>
+                                    <p:animScale>
+                                      <p:cBhvr>
+                                        <p:cTn id="28" dur="26">
+                                          <p:stCondLst>
+                                            <p:cond delay="1642"/>
+                                          </p:stCondLst>
+                                        </p:cTn>
+                                        <p:tgtEl>
+                                          <p:spTgt spid="64"/>
+                                        </p:tgtEl>
+                                      </p:cBhvr>
+                                      <p:to x="100000" y="90000"/>
+                                    </p:animScale>
+                                    <p:animScale>
+                                      <p:cBhvr>
+                                        <p:cTn id="29" dur="166" decel="50000">
+                                          <p:stCondLst>
+                                            <p:cond delay="1668"/>
+                                          </p:stCondLst>
+                                        </p:cTn>
+                                        <p:tgtEl>
+                                          <p:spTgt spid="64"/>
+                                        </p:tgtEl>
+                                      </p:cBhvr>
+                                      <p:to x="100000" y="100000"/>
+                                    </p:animScale>
+                                    <p:animScale>
+                                      <p:cBhvr>
+                                        <p:cTn id="30" dur="26">
+                                          <p:stCondLst>
+                                            <p:cond delay="1808"/>
+                                          </p:stCondLst>
+                                        </p:cTn>
+                                        <p:tgtEl>
+                                          <p:spTgt spid="64"/>
+                                        </p:tgtEl>
+                                      </p:cBhvr>
+                                      <p:to x="100000" y="95000"/>
+                                    </p:animScale>
+                                    <p:animScale>
+                                      <p:cBhvr>
+                                        <p:cTn id="31" dur="166" decel="50000">
+                                          <p:stCondLst>
+                                            <p:cond delay="1834"/>
+                                          </p:stCondLst>
+                                        </p:cTn>
+                                        <p:tgtEl>
+                                          <p:spTgt spid="64"/>
+                                        </p:tgtEl>
+                                      </p:cBhvr>
+                                      <p:to x="100000" y="100000"/>
+                                    </p:animScale>
                                   </p:childTnLst>
                                 </p:cTn>
                               </p:par>
@@ -10328,32 +10807,36 @@
                     </p:cTn>
                   </p:par>
                   <p:par>
-                    <p:cTn id="19" fill="hold">
+                    <p:cTn id="32" fill="hold">
                       <p:stCondLst>
                         <p:cond delay="indefinite"/>
                       </p:stCondLst>
                       <p:childTnLst>
                         <p:par>
-                          <p:cTn id="20" fill="hold">
+                          <p:cTn id="33" fill="hold">
                             <p:stCondLst>
                               <p:cond delay="0"/>
                             </p:stCondLst>
                             <p:childTnLst>
                               <p:par>
-                                <p:cTn id="21" presetID="26" presetClass="entr" presetSubtype="0" fill="hold" grpId="0" nodeType="clickEffect">
+                                <p:cTn id="34" presetID="16" presetClass="entr" presetSubtype="21" fill="hold" grpId="0" nodeType="clickEffect">
                                   <p:stCondLst>
                                     <p:cond delay="0"/>
                                   </p:stCondLst>
                                   <p:childTnLst>
                                     <p:set>
                                       <p:cBhvr>
-                                        <p:cTn id="22" dur="1" fill="hold">
+                                        <p:cTn id="35" dur="1" fill="hold">
                                           <p:stCondLst>
                                             <p:cond delay="0"/>
                                           </p:stCondLst>
                                         </p:cTn>
                                         <p:tgtEl>
-                                          <p:spTgt spid="64"/>
+                                          <p:spTgt spid="3">
+                                            <p:txEl>
+                                              <p:pRg st="0" end="0"/>
+                                            </p:txEl>
+                                          </p:spTgt>
                                         </p:tgtEl>
                                         <p:attrNameLst>
                                           <p:attrName>style.visibility</p:attrName>
@@ -10363,257 +10846,18 @@
                                         <p:strVal val="visible"/>
                                       </p:to>
                                     </p:set>
-                                    <p:animEffect transition="in" filter="wipe(down)">
-                                      <p:cBhvr>
-                                        <p:cTn id="23" dur="580">
-                                          <p:stCondLst>
-                                            <p:cond delay="0"/>
-                                          </p:stCondLst>
-                                        </p:cTn>
-                                        <p:tgtEl>
-                                          <p:spTgt spid="64"/>
+                                    <p:animEffect transition="in" filter="barn(inVertical)">
+                                      <p:cBhvr>
+                                        <p:cTn id="36" dur="500"/>
+                                        <p:tgtEl>
+                                          <p:spTgt spid="3">
+                                            <p:txEl>
+                                              <p:pRg st="0" end="0"/>
+                                            </p:txEl>
+                                          </p:spTgt>
                                         </p:tgtEl>
                                       </p:cBhvr>
                                     </p:animEffect>
-                                    <p:anim calcmode="lin" valueType="num">
-                                      <p:cBhvr>
-                                        <p:cTn id="24" dur="1822" tmFilter="0,0; 0.14,0.36; 0.43,0.73; 0.71,0.91; 1.0,1.0">
-                                          <p:stCondLst>
-                                            <p:cond delay="0"/>
-                                          </p:stCondLst>
-                                        </p:cTn>
-                                        <p:tgtEl>
-                                          <p:spTgt spid="64"/>
-                                        </p:tgtEl>
-                                        <p:attrNameLst>
-                                          <p:attrName>ppt_x</p:attrName>
-                                        </p:attrNameLst>
-                                      </p:cBhvr>
-                                      <p:tavLst>
-                                        <p:tav tm="0">
-                                          <p:val>
-                                            <p:strVal val="#ppt_x-0.25"/>
-                                          </p:val>
-                                        </p:tav>
-                                        <p:tav tm="100000">
-                                          <p:val>
-                                            <p:strVal val="#ppt_x"/>
-                                          </p:val>
-                                        </p:tav>
-                                      </p:tavLst>
-                                    </p:anim>
-                                    <p:anim calcmode="lin" valueType="num">
-                                      <p:cBhvr>
-                                        <p:cTn id="25" dur="664" tmFilter="0.0,0.0; 0.25,0.07; 0.50,0.2; 0.75,0.467; 1.0,1.0">
-                                          <p:stCondLst>
-                                            <p:cond delay="0"/>
-                                          </p:stCondLst>
-                                        </p:cTn>
-                                        <p:tgtEl>
-                                          <p:spTgt spid="64"/>
-                                        </p:tgtEl>
-                                        <p:attrNameLst>
-                                          <p:attrName>ppt_y</p:attrName>
-                                        </p:attrNameLst>
-                                      </p:cBhvr>
-                                      <p:tavLst>
-                                        <p:tav tm="0" fmla="#ppt_y-sin(pi*$)/3">
-                                          <p:val>
-                                            <p:fltVal val="0.5"/>
-                                          </p:val>
-                                        </p:tav>
-                                        <p:tav tm="100000">
-                                          <p:val>
-                                            <p:fltVal val="1"/>
-                                          </p:val>
-                                        </p:tav>
-                                      </p:tavLst>
-                                    </p:anim>
-                                    <p:anim calcmode="lin" valueType="num">
-                                      <p:cBhvr>
-                                        <p:cTn id="26" dur="664" tmFilter="0, 0; 0.125,0.2665; 0.25,0.4; 0.375,0.465; 0.5,0.5;  0.625,0.535; 0.75,0.6; 0.875,0.7335; 1,1">
-                                          <p:stCondLst>
-                                            <p:cond delay="664"/>
-                                          </p:stCondLst>
-                                        </p:cTn>
-                                        <p:tgtEl>
-                                          <p:spTgt spid="64"/>
-                                        </p:tgtEl>
-                                        <p:attrNameLst>
-                                          <p:attrName>ppt_y</p:attrName>
-                                        </p:attrNameLst>
-                                      </p:cBhvr>
-                                      <p:tavLst>
-                                        <p:tav tm="0" fmla="#ppt_y-sin(pi*$)/9">
-                                          <p:val>
-                                            <p:fltVal val="0"/>
-                                          </p:val>
-                                        </p:tav>
-                                        <p:tav tm="100000">
-                                          <p:val>
-                                            <p:fltVal val="1"/>
-                                          </p:val>
-                                        </p:tav>
-                                      </p:tavLst>
-                                    </p:anim>
-                                    <p:anim calcmode="lin" valueType="num">
-                                      <p:cBhvr>
-                                        <p:cTn id="27" dur="332" tmFilter="0, 0; 0.125,0.2665; 0.25,0.4; 0.375,0.465; 0.5,0.5;  0.625,0.535; 0.75,0.6; 0.875,0.7335; 1,1">
-                                          <p:stCondLst>
-                                            <p:cond delay="1324"/>
-                                          </p:stCondLst>
-                                        </p:cTn>
-                                        <p:tgtEl>
-                                          <p:spTgt spid="64"/>
-                                        </p:tgtEl>
-                                        <p:attrNameLst>
-                                          <p:attrName>ppt_y</p:attrName>
-                                        </p:attrNameLst>
-                                      </p:cBhvr>
-                                      <p:tavLst>
-                                        <p:tav tm="0" fmla="#ppt_y-sin(pi*$)/27">
-                                          <p:val>
-                                            <p:fltVal val="0"/>
-                                          </p:val>
-                                        </p:tav>
-                                        <p:tav tm="100000">
-                                          <p:val>
-                                            <p:fltVal val="1"/>
-                                          </p:val>
-                                        </p:tav>
-                                      </p:tavLst>
-                                    </p:anim>
-                                    <p:anim calcmode="lin" valueType="num">
-                                      <p:cBhvr>
-                                        <p:cTn id="28" dur="164" tmFilter="0, 0; 0.125,0.2665; 0.25,0.4; 0.375,0.465; 0.5,0.5;  0.625,0.535; 0.75,0.6; 0.875,0.7335; 1,1">
-                                          <p:stCondLst>
-                                            <p:cond delay="1656"/>
-                                          </p:stCondLst>
-                                        </p:cTn>
-                                        <p:tgtEl>
-                                          <p:spTgt spid="64"/>
-                                        </p:tgtEl>
-                                        <p:attrNameLst>
-                                          <p:attrName>ppt_y</p:attrName>
-                                        </p:attrNameLst>
-                                      </p:cBhvr>
-                                      <p:tavLst>
-                                        <p:tav tm="0" fmla="#ppt_y-sin(pi*$)/81">
-                                          <p:val>
-                                            <p:fltVal val="0"/>
-                                          </p:val>
-                                        </p:tav>
-                                        <p:tav tm="100000">
-                                          <p:val>
-                                            <p:fltVal val="1"/>
-                                          </p:val>
-                                        </p:tav>
-                                      </p:tavLst>
-                                    </p:anim>
-                                    <p:animScale>
-                                      <p:cBhvr>
-                                        <p:cTn id="29" dur="26">
-                                          <p:stCondLst>
-                                            <p:cond delay="650"/>
-                                          </p:stCondLst>
-                                        </p:cTn>
-                                        <p:tgtEl>
-                                          <p:spTgt spid="64"/>
-                                        </p:tgtEl>
-                                      </p:cBhvr>
-                                      <p:to x="100000" y="60000"/>
-                                    </p:animScale>
-                                    <p:animScale>
-                                      <p:cBhvr>
-                                        <p:cTn id="30" dur="166" decel="50000">
-                                          <p:stCondLst>
-                                            <p:cond delay="676"/>
-                                          </p:stCondLst>
-                                        </p:cTn>
-                                        <p:tgtEl>
-                                          <p:spTgt spid="64"/>
-                                        </p:tgtEl>
-                                      </p:cBhvr>
-                                      <p:to x="100000" y="100000"/>
-                                    </p:animScale>
-                                    <p:animScale>
-                                      <p:cBhvr>
-                                        <p:cTn id="31" dur="26">
-                                          <p:stCondLst>
-                                            <p:cond delay="1312"/>
-                                          </p:stCondLst>
-                                        </p:cTn>
-                                        <p:tgtEl>
-                                          <p:spTgt spid="64"/>
-                                        </p:tgtEl>
-                                      </p:cBhvr>
-                                      <p:to x="100000" y="80000"/>
-                                    </p:animScale>
-                                    <p:animScale>
-                                      <p:cBhvr>
-                                        <p:cTn id="32" dur="166" decel="50000">
-                                          <p:stCondLst>
-                                            <p:cond delay="1338"/>
-                                          </p:stCondLst>
-                                        </p:cTn>
-                                        <p:tgtEl>
-                                          <p:spTgt spid="64"/>
-                                        </p:tgtEl>
-                                      </p:cBhvr>
-                                      <p:to x="100000" y="100000"/>
-                                    </p:animScale>
-                                    <p:animScale>
-                                      <p:cBhvr>
-                                        <p:cTn id="33" dur="26">
-                                          <p:stCondLst>
-                                            <p:cond delay="1642"/>
-                                          </p:stCondLst>
-                                        </p:cTn>
-                                        <p:tgtEl>
-                                          <p:spTgt spid="64"/>
-                                        </p:tgtEl>
-                                      </p:cBhvr>
-                                      <p:to x="100000" y="90000"/>
-                                    </p:animScale>
-                                    <p:animScale>
-                                      <p:cBhvr>
-                                        <p:cTn id="34" dur="166" decel="50000">
-                                          <p:stCondLst>
-                                            <p:cond delay="1668"/>
-                                          </p:stCondLst>
-                                        </p:cTn>
-                                        <p:tgtEl>
-                                          <p:spTgt spid="64"/>
-                                        </p:tgtEl>
-                                      </p:cBhvr>
-                                      <p:to x="100000" y="100000"/>
-                                    </p:animScale>
-                                    <p:animScale>
-                                      <p:cBhvr>
-                                        <p:cTn id="35" dur="26">
-                                          <p:stCondLst>
-                                            <p:cond delay="1808"/>
-                                          </p:stCondLst>
-                                        </p:cTn>
-                                        <p:tgtEl>
-                                          <p:spTgt spid="64"/>
-                                        </p:tgtEl>
-                                      </p:cBhvr>
-                                      <p:to x="100000" y="95000"/>
-                                    </p:animScale>
-                                    <p:animScale>
-                                      <p:cBhvr>
-                                        <p:cTn id="36" dur="166" decel="50000">
-                                          <p:stCondLst>
-                                            <p:cond delay="1834"/>
-                                          </p:stCondLst>
-                                        </p:cTn>
-                                        <p:tgtEl>
-                                          <p:spTgt spid="64"/>
-                                        </p:tgtEl>
-                                      </p:cBhvr>
-                                      <p:to x="100000" y="100000"/>
-                                    </p:animScale>
                                   </p:childTnLst>
                                 </p:cTn>
                               </p:par>
@@ -14695,6 +14939,238 @@
           </a:p>
         </p:txBody>
       </p:sp>
+      <p:sp>
+        <p:nvSpPr>
+          <p:cNvPr id="81" name="Cube 80">
+            <a:extLst>
+              <a:ext uri="{FF2B5EF4-FFF2-40B4-BE49-F238E27FC236}">
+                <a16:creationId xmlns:a16="http://schemas.microsoft.com/office/drawing/2014/main" id="{D3780C52-1D03-435E-B6DA-01ECCD5D29F3}"/>
+              </a:ext>
+            </a:extLst>
+          </p:cNvPr>
+          <p:cNvSpPr/>
+          <p:nvPr/>
+        </p:nvSpPr>
+        <p:spPr>
+          <a:xfrm>
+            <a:off x="3112372" y="745012"/>
+            <a:ext cx="1147198" cy="661470"/>
+          </a:xfrm>
+          <a:prstGeom prst="cube">
+            <a:avLst/>
+          </a:prstGeom>
+          <a:solidFill>
+            <a:schemeClr val="bg1"/>
+          </a:solidFill>
+          <a:ln w="28575"/>
+        </p:spPr>
+        <p:style>
+          <a:lnRef idx="2">
+            <a:schemeClr val="accent1">
+              <a:shade val="50000"/>
+            </a:schemeClr>
+          </a:lnRef>
+          <a:fillRef idx="1">
+            <a:schemeClr val="accent1"/>
+          </a:fillRef>
+          <a:effectRef idx="0">
+            <a:schemeClr val="accent1"/>
+          </a:effectRef>
+          <a:fontRef idx="minor">
+            <a:schemeClr val="lt1"/>
+          </a:fontRef>
+        </p:style>
+        <p:txBody>
+          <a:bodyPr rtlCol="0" anchor="ctr"/>
+          <a:lstStyle/>
+          <a:p>
+            <a:pPr algn="ctr"/>
+            <a:r>
+              <a:rPr lang="en-US" dirty="0">
+                <a:ln>
+                  <a:solidFill>
+                    <a:srgbClr val="0070C0"/>
+                  </a:solidFill>
+                </a:ln>
+                <a:solidFill>
+                  <a:schemeClr val="tx1"/>
+                </a:solidFill>
+              </a:rPr>
+              <a:t>L x N x N</a:t>
+            </a:r>
+          </a:p>
+        </p:txBody>
+      </p:sp>
+      <p:sp>
+        <p:nvSpPr>
+          <p:cNvPr id="82" name="Rectangle: Rounded Corners 81">
+            <a:extLst>
+              <a:ext uri="{FF2B5EF4-FFF2-40B4-BE49-F238E27FC236}">
+                <a16:creationId xmlns:a16="http://schemas.microsoft.com/office/drawing/2014/main" id="{08FED51F-82A2-444B-9195-D8439F33CDC7}"/>
+              </a:ext>
+            </a:extLst>
+          </p:cNvPr>
+          <p:cNvSpPr/>
+          <p:nvPr/>
+        </p:nvSpPr>
+        <p:spPr>
+          <a:xfrm>
+            <a:off x="1761791" y="829119"/>
+            <a:ext cx="1002216" cy="575861"/>
+          </a:xfrm>
+          <a:prstGeom prst="roundRect">
+            <a:avLst/>
+          </a:prstGeom>
+          <a:solidFill>
+            <a:schemeClr val="bg1"/>
+          </a:solidFill>
+          <a:ln w="28575"/>
+        </p:spPr>
+        <p:style>
+          <a:lnRef idx="2">
+            <a:schemeClr val="accent1">
+              <a:shade val="50000"/>
+            </a:schemeClr>
+          </a:lnRef>
+          <a:fillRef idx="1">
+            <a:schemeClr val="accent1"/>
+          </a:fillRef>
+          <a:effectRef idx="0">
+            <a:schemeClr val="accent1"/>
+          </a:effectRef>
+          <a:fontRef idx="minor">
+            <a:schemeClr val="lt1"/>
+          </a:fontRef>
+        </p:style>
+        <p:txBody>
+          <a:bodyPr rtlCol="0" anchor="ctr"/>
+          <a:lstStyle/>
+          <a:p>
+            <a:pPr algn="ctr"/>
+            <a:r>
+              <a:rPr lang="en-US" dirty="0">
+                <a:ln>
+                  <a:solidFill>
+                    <a:srgbClr val="0070C0"/>
+                  </a:solidFill>
+                </a:ln>
+                <a:solidFill>
+                  <a:schemeClr val="tx1"/>
+                </a:solidFill>
+              </a:rPr>
+              <a:t>N x F</a:t>
+            </a:r>
+          </a:p>
+        </p:txBody>
+      </p:sp>
+      <p:sp>
+        <p:nvSpPr>
+          <p:cNvPr id="21" name="Arrow: Right 20">
+            <a:extLst>
+              <a:ext uri="{FF2B5EF4-FFF2-40B4-BE49-F238E27FC236}">
+                <a16:creationId xmlns:a16="http://schemas.microsoft.com/office/drawing/2014/main" id="{D09321D3-F33D-427A-947B-BEE92AC0D63A}"/>
+              </a:ext>
+            </a:extLst>
+          </p:cNvPr>
+          <p:cNvSpPr/>
+          <p:nvPr/>
+        </p:nvSpPr>
+        <p:spPr>
+          <a:xfrm rot="10800000">
+            <a:off x="1245795" y="4721740"/>
+            <a:ext cx="1017104" cy="225287"/>
+          </a:xfrm>
+          <a:prstGeom prst="rightArrow">
+            <a:avLst/>
+          </a:prstGeom>
+        </p:spPr>
+        <p:style>
+          <a:lnRef idx="2">
+            <a:schemeClr val="accent1">
+              <a:shade val="50000"/>
+            </a:schemeClr>
+          </a:lnRef>
+          <a:fillRef idx="1">
+            <a:schemeClr val="accent1"/>
+          </a:fillRef>
+          <a:effectRef idx="0">
+            <a:schemeClr val="accent1"/>
+          </a:effectRef>
+          <a:fontRef idx="minor">
+            <a:schemeClr val="lt1"/>
+          </a:fontRef>
+        </p:style>
+        <p:txBody>
+          <a:bodyPr rtlCol="0" anchor="ctr"/>
+          <a:lstStyle/>
+          <a:p>
+            <a:pPr algn="ctr"/>
+            <a:endParaRPr lang="en-US"/>
+          </a:p>
+        </p:txBody>
+      </p:sp>
+      <p:sp>
+        <p:nvSpPr>
+          <p:cNvPr id="84" name="Rectangle: Rounded Corners 83">
+            <a:extLst>
+              <a:ext uri="{FF2B5EF4-FFF2-40B4-BE49-F238E27FC236}">
+                <a16:creationId xmlns:a16="http://schemas.microsoft.com/office/drawing/2014/main" id="{9F2C1A64-BD04-45BD-9FBF-3CF1C2FF018B}"/>
+              </a:ext>
+            </a:extLst>
+          </p:cNvPr>
+          <p:cNvSpPr/>
+          <p:nvPr/>
+        </p:nvSpPr>
+        <p:spPr>
+          <a:xfrm>
+            <a:off x="231258" y="4546452"/>
+            <a:ext cx="1002216" cy="575861"/>
+          </a:xfrm>
+          <a:prstGeom prst="roundRect">
+            <a:avLst/>
+          </a:prstGeom>
+          <a:solidFill>
+            <a:schemeClr val="bg1"/>
+          </a:solidFill>
+          <a:ln w="28575"/>
+        </p:spPr>
+        <p:style>
+          <a:lnRef idx="2">
+            <a:schemeClr val="accent1">
+              <a:shade val="50000"/>
+            </a:schemeClr>
+          </a:lnRef>
+          <a:fillRef idx="1">
+            <a:schemeClr val="accent1"/>
+          </a:fillRef>
+          <a:effectRef idx="0">
+            <a:schemeClr val="accent1"/>
+          </a:effectRef>
+          <a:fontRef idx="minor">
+            <a:schemeClr val="lt1"/>
+          </a:fontRef>
+        </p:style>
+        <p:txBody>
+          <a:bodyPr rtlCol="0" anchor="ctr"/>
+          <a:lstStyle/>
+          <a:p>
+            <a:pPr algn="ctr"/>
+            <a:r>
+              <a:rPr lang="en-US" dirty="0">
+                <a:ln>
+                  <a:solidFill>
+                    <a:srgbClr val="0070C0"/>
+                  </a:solidFill>
+                </a:ln>
+                <a:solidFill>
+                  <a:schemeClr val="tx1"/>
+                </a:solidFill>
+              </a:rPr>
+              <a:t>MASK</a:t>
+            </a:r>
+          </a:p>
+        </p:txBody>
+      </p:sp>
     </p:spTree>
     <p:extLst>
       <p:ext uri="{BB962C8B-B14F-4D97-AF65-F5344CB8AC3E}">
@@ -14768,21 +15244,39 @@
                                   </p:childTnLst>
                                 </p:cTn>
                               </p:par>
+                            </p:childTnLst>
+                          </p:cTn>
+                        </p:par>
+                      </p:childTnLst>
+                    </p:cTn>
+                  </p:par>
+                  <p:par>
+                    <p:cTn id="8" fill="hold">
+                      <p:stCondLst>
+                        <p:cond delay="indefinite"/>
+                      </p:stCondLst>
+                      <p:childTnLst>
+                        <p:par>
+                          <p:cTn id="9" fill="hold">
+                            <p:stCondLst>
+                              <p:cond delay="0"/>
+                            </p:stCondLst>
+                            <p:childTnLst>
                               <p:par>
-                                <p:cTn id="8" presetID="22" presetClass="entr" presetSubtype="4" fill="hold" grpId="0" nodeType="withEffect">
+                                <p:cTn id="10" presetID="22" presetClass="entr" presetSubtype="4" fill="hold" grpId="0" nodeType="clickEffect">
                                   <p:stCondLst>
                                     <p:cond delay="0"/>
                                   </p:stCondLst>
                                   <p:childTnLst>
                                     <p:set>
                                       <p:cBhvr>
-                                        <p:cTn id="9" dur="1" fill="hold">
+                                        <p:cTn id="11" dur="1" fill="hold">
                                           <p:stCondLst>
                                             <p:cond delay="0"/>
                                           </p:stCondLst>
                                         </p:cTn>
                                         <p:tgtEl>
-                                          <p:spTgt spid="4"/>
+                                          <p:spTgt spid="7"/>
                                         </p:tgtEl>
                                         <p:attrNameLst>
                                           <p:attrName>style.visibility</p:attrName>
@@ -14794,9 +15288,9 @@
                                     </p:set>
                                     <p:animEffect transition="in" filter="wipe(down)">
                                       <p:cBhvr>
-                                        <p:cTn id="10" dur="500"/>
-                                        <p:tgtEl>
-                                          <p:spTgt spid="4"/>
+                                        <p:cTn id="12" dur="500"/>
+                                        <p:tgtEl>
+                                          <p:spTgt spid="7"/>
                                         </p:tgtEl>
                                       </p:cBhvr>
                                     </p:animEffect>
@@ -14804,20 +15298,90 @@
                                 </p:cTn>
                               </p:par>
                               <p:par>
-                                <p:cTn id="11" presetID="22" presetClass="entr" presetSubtype="4" fill="hold" grpId="0" nodeType="withEffect">
+                                <p:cTn id="13" presetID="16" presetClass="entr" presetSubtype="21" fill="hold" grpId="0" nodeType="withEffect">
                                   <p:stCondLst>
                                     <p:cond delay="0"/>
                                   </p:stCondLst>
                                   <p:childTnLst>
                                     <p:set>
                                       <p:cBhvr>
-                                        <p:cTn id="12" dur="1" fill="hold">
+                                        <p:cTn id="14" dur="1" fill="hold">
                                           <p:stCondLst>
                                             <p:cond delay="0"/>
                                           </p:stCondLst>
                                         </p:cTn>
                                         <p:tgtEl>
-                                          <p:spTgt spid="5"/>
+                                          <p:spTgt spid="81"/>
+                                        </p:tgtEl>
+                                        <p:attrNameLst>
+                                          <p:attrName>style.visibility</p:attrName>
+                                        </p:attrNameLst>
+                                      </p:cBhvr>
+                                      <p:to>
+                                        <p:strVal val="visible"/>
+                                      </p:to>
+                                    </p:set>
+                                    <p:animEffect transition="in" filter="barn(inVertical)">
+                                      <p:cBhvr>
+                                        <p:cTn id="15" dur="500"/>
+                                        <p:tgtEl>
+                                          <p:spTgt spid="81"/>
+                                        </p:tgtEl>
+                                      </p:cBhvr>
+                                    </p:animEffect>
+                                  </p:childTnLst>
+                                </p:cTn>
+                              </p:par>
+                              <p:par>
+                                <p:cTn id="16" presetID="16" presetClass="entr" presetSubtype="21" fill="hold" grpId="0" nodeType="withEffect">
+                                  <p:stCondLst>
+                                    <p:cond delay="0"/>
+                                  </p:stCondLst>
+                                  <p:childTnLst>
+                                    <p:set>
+                                      <p:cBhvr>
+                                        <p:cTn id="17" dur="1" fill="hold">
+                                          <p:stCondLst>
+                                            <p:cond delay="0"/>
+                                          </p:stCondLst>
+                                        </p:cTn>
+                                        <p:tgtEl>
+                                          <p:spTgt spid="82"/>
+                                        </p:tgtEl>
+                                        <p:attrNameLst>
+                                          <p:attrName>style.visibility</p:attrName>
+                                        </p:attrNameLst>
+                                      </p:cBhvr>
+                                      <p:to>
+                                        <p:strVal val="visible"/>
+                                      </p:to>
+                                    </p:set>
+                                    <p:animEffect transition="in" filter="barn(inVertical)">
+                                      <p:cBhvr>
+                                        <p:cTn id="18" dur="500"/>
+                                        <p:tgtEl>
+                                          <p:spTgt spid="82"/>
+                                        </p:tgtEl>
+                                      </p:cBhvr>
+                                    </p:animEffect>
+                                  </p:childTnLst>
+                                </p:cTn>
+                              </p:par>
+                              <p:par>
+                                <p:cTn id="19" presetID="22" presetClass="entr" presetSubtype="4" fill="hold" grpId="0" nodeType="withEffect">
+                                  <p:stCondLst>
+                                    <p:cond delay="0"/>
+                                  </p:stCondLst>
+                                  <p:childTnLst>
+                                    <p:set>
+                                      <p:cBhvr>
+                                        <p:cTn id="20" dur="1" fill="hold">
+                                          <p:stCondLst>
+                                            <p:cond delay="0"/>
+                                          </p:stCondLst>
+                                        </p:cTn>
+                                        <p:tgtEl>
+                                          <p:spTgt spid="4"/>
                                         </p:tgtEl>
                                         <p:attrNameLst>
                                           <p:attrName>style.visibility</p:attrName>
@@ -14829,9 +15393,9 @@
                                     </p:set>
                                     <p:animEffect transition="in" filter="wipe(down)">
                                       <p:cBhvr>
-                                        <p:cTn id="13" dur="500"/>
-                                        <p:tgtEl>
-                                          <p:spTgt spid="5"/>
+                                        <p:cTn id="21" dur="500"/>
+                                        <p:tgtEl>
+                                          <p:spTgt spid="4"/>
                                         </p:tgtEl>
                                       </p:cBhvr>
                                     </p:animEffect>
@@ -14839,20 +15403,20 @@
                                 </p:cTn>
                               </p:par>
                               <p:par>
-                                <p:cTn id="14" presetID="22" presetClass="entr" presetSubtype="4" fill="hold" grpId="0" nodeType="withEffect">
+                                <p:cTn id="22" presetID="22" presetClass="entr" presetSubtype="4" fill="hold" grpId="0" nodeType="withEffect">
                                   <p:stCondLst>
                                     <p:cond delay="0"/>
                                   </p:stCondLst>
                                   <p:childTnLst>
                                     <p:set>
                                       <p:cBhvr>
-                                        <p:cTn id="15" dur="1" fill="hold">
+                                        <p:cTn id="23" dur="1" fill="hold">
                                           <p:stCondLst>
                                             <p:cond delay="0"/>
                                           </p:stCondLst>
                                         </p:cTn>
                                         <p:tgtEl>
-                                          <p:spTgt spid="6"/>
+                                          <p:spTgt spid="5"/>
                                         </p:tgtEl>
                                         <p:attrNameLst>
                                           <p:attrName>style.visibility</p:attrName>
@@ -14864,9 +15428,9 @@
                                     </p:set>
                                     <p:animEffect transition="in" filter="wipe(down)">
                                       <p:cBhvr>
-                                        <p:cTn id="16" dur="500"/>
-                                        <p:tgtEl>
-                                          <p:spTgt spid="6"/>
+                                        <p:cTn id="24" dur="500"/>
+                                        <p:tgtEl>
+                                          <p:spTgt spid="5"/>
                                         </p:tgtEl>
                                       </p:cBhvr>
                                     </p:animEffect>
@@ -14874,20 +15438,20 @@
                                 </p:cTn>
                               </p:par>
                               <p:par>
-                                <p:cTn id="17" presetID="22" presetClass="entr" presetSubtype="4" fill="hold" grpId="0" nodeType="withEffect">
+                                <p:cTn id="25" presetID="22" presetClass="entr" presetSubtype="4" fill="hold" grpId="0" nodeType="withEffect">
                                   <p:stCondLst>
                                     <p:cond delay="0"/>
                                   </p:stCondLst>
                                   <p:childTnLst>
                                     <p:set>
                                       <p:cBhvr>
-                                        <p:cTn id="18" dur="1" fill="hold">
+                                        <p:cTn id="26" dur="1" fill="hold">
                                           <p:stCondLst>
                                             <p:cond delay="0"/>
                                           </p:stCondLst>
                                         </p:cTn>
                                         <p:tgtEl>
-                                          <p:spTgt spid="8"/>
+                                          <p:spTgt spid="6"/>
                                         </p:tgtEl>
                                         <p:attrNameLst>
                                           <p:attrName>style.visibility</p:attrName>
@@ -14899,9 +15463,9 @@
                                     </p:set>
                                     <p:animEffect transition="in" filter="wipe(down)">
                                       <p:cBhvr>
-                                        <p:cTn id="19" dur="500"/>
-                                        <p:tgtEl>
-                                          <p:spTgt spid="8"/>
+                                        <p:cTn id="27" dur="500"/>
+                                        <p:tgtEl>
+                                          <p:spTgt spid="6"/>
                                         </p:tgtEl>
                                       </p:cBhvr>
                                     </p:animEffect>
@@ -14909,20 +15473,20 @@
                                 </p:cTn>
                               </p:par>
                               <p:par>
-                                <p:cTn id="20" presetID="22" presetClass="entr" presetSubtype="4" fill="hold" grpId="0" nodeType="withEffect">
+                                <p:cTn id="28" presetID="22" presetClass="entr" presetSubtype="4" fill="hold" grpId="0" nodeType="withEffect">
                                   <p:stCondLst>
                                     <p:cond delay="0"/>
                                   </p:stCondLst>
                                   <p:childTnLst>
                                     <p:set>
                                       <p:cBhvr>
-                                        <p:cTn id="21" dur="1" fill="hold">
+                                        <p:cTn id="29" dur="1" fill="hold">
                                           <p:stCondLst>
                                             <p:cond delay="0"/>
                                           </p:stCondLst>
                                         </p:cTn>
                                         <p:tgtEl>
-                                          <p:spTgt spid="9"/>
+                                          <p:spTgt spid="8"/>
                                         </p:tgtEl>
                                         <p:attrNameLst>
                                           <p:attrName>style.visibility</p:attrName>
@@ -14934,9 +15498,9 @@
                                     </p:set>
                                     <p:animEffect transition="in" filter="wipe(down)">
                                       <p:cBhvr>
-                                        <p:cTn id="22" dur="500"/>
-                                        <p:tgtEl>
-                                          <p:spTgt spid="9"/>
+                                        <p:cTn id="30" dur="500"/>
+                                        <p:tgtEl>
+                                          <p:spTgt spid="8"/>
                                         </p:tgtEl>
                                       </p:cBhvr>
                                     </p:animEffect>
@@ -14944,20 +15508,20 @@
                                 </p:cTn>
                               </p:par>
                               <p:par>
-                                <p:cTn id="23" presetID="22" presetClass="entr" presetSubtype="4" fill="hold" grpId="0" nodeType="withEffect">
+                                <p:cTn id="31" presetID="22" presetClass="entr" presetSubtype="4" fill="hold" grpId="0" nodeType="withEffect">
                                   <p:stCondLst>
                                     <p:cond delay="0"/>
                                   </p:stCondLst>
                                   <p:childTnLst>
                                     <p:set>
                                       <p:cBhvr>
-                                        <p:cTn id="24" dur="1" fill="hold">
+                                        <p:cTn id="32" dur="1" fill="hold">
                                           <p:stCondLst>
                                             <p:cond delay="0"/>
                                           </p:stCondLst>
                                         </p:cTn>
                                         <p:tgtEl>
-                                          <p:spTgt spid="10"/>
+                                          <p:spTgt spid="9"/>
                                         </p:tgtEl>
                                         <p:attrNameLst>
                                           <p:attrName>style.visibility</p:attrName>
@@ -14969,9 +15533,9 @@
                                     </p:set>
                                     <p:animEffect transition="in" filter="wipe(down)">
                                       <p:cBhvr>
-                                        <p:cTn id="25" dur="500"/>
-                                        <p:tgtEl>
-                                          <p:spTgt spid="10"/>
+                                        <p:cTn id="33" dur="500"/>
+                                        <p:tgtEl>
+                                          <p:spTgt spid="9"/>
                                         </p:tgtEl>
                                       </p:cBhvr>
                                     </p:animEffect>
@@ -14979,20 +15543,20 @@
                                 </p:cTn>
                               </p:par>
                               <p:par>
-                                <p:cTn id="26" presetID="22" presetClass="entr" presetSubtype="4" fill="hold" grpId="0" nodeType="withEffect">
+                                <p:cTn id="34" presetID="22" presetClass="entr" presetSubtype="4" fill="hold" grpId="0" nodeType="withEffect">
                                   <p:stCondLst>
                                     <p:cond delay="0"/>
                                   </p:stCondLst>
                                   <p:childTnLst>
                                     <p:set>
                                       <p:cBhvr>
-                                        <p:cTn id="27" dur="1" fill="hold">
+                                        <p:cTn id="35" dur="1" fill="hold">
                                           <p:stCondLst>
                                             <p:cond delay="0"/>
                                           </p:stCondLst>
                                         </p:cTn>
                                         <p:tgtEl>
-                                          <p:spTgt spid="11"/>
+                                          <p:spTgt spid="10"/>
                                         </p:tgtEl>
                                         <p:attrNameLst>
                                           <p:attrName>style.visibility</p:attrName>
@@ -15004,9 +15568,9 @@
                                     </p:set>
                                     <p:animEffect transition="in" filter="wipe(down)">
                                       <p:cBhvr>
-                                        <p:cTn id="28" dur="500"/>
-                                        <p:tgtEl>
-                                          <p:spTgt spid="11"/>
+                                        <p:cTn id="36" dur="500"/>
+                                        <p:tgtEl>
+                                          <p:spTgt spid="10"/>
                                         </p:tgtEl>
                                       </p:cBhvr>
                                     </p:animEffect>
@@ -15014,20 +15578,20 @@
                                 </p:cTn>
                               </p:par>
                               <p:par>
-                                <p:cTn id="29" presetID="22" presetClass="entr" presetSubtype="4" fill="hold" nodeType="withEffect">
+                                <p:cTn id="37" presetID="22" presetClass="entr" presetSubtype="4" fill="hold" grpId="0" nodeType="withEffect">
                                   <p:stCondLst>
                                     <p:cond delay="0"/>
                                   </p:stCondLst>
                                   <p:childTnLst>
                                     <p:set>
                                       <p:cBhvr>
-                                        <p:cTn id="30" dur="1" fill="hold">
+                                        <p:cTn id="38" dur="1" fill="hold">
                                           <p:stCondLst>
                                             <p:cond delay="0"/>
                                           </p:stCondLst>
                                         </p:cTn>
                                         <p:tgtEl>
-                                          <p:spTgt spid="12"/>
+                                          <p:spTgt spid="11"/>
                                         </p:tgtEl>
                                         <p:attrNameLst>
                                           <p:attrName>style.visibility</p:attrName>
@@ -15039,9 +15603,9 @@
                                     </p:set>
                                     <p:animEffect transition="in" filter="wipe(down)">
                                       <p:cBhvr>
-                                        <p:cTn id="31" dur="500"/>
-                                        <p:tgtEl>
-                                          <p:spTgt spid="12"/>
+                                        <p:cTn id="39" dur="500"/>
+                                        <p:tgtEl>
+                                          <p:spTgt spid="11"/>
                                         </p:tgtEl>
                                       </p:cBhvr>
                                     </p:animEffect>
@@ -15049,20 +15613,20 @@
                                 </p:cTn>
                               </p:par>
                               <p:par>
-                                <p:cTn id="32" presetID="22" presetClass="entr" presetSubtype="4" fill="hold" nodeType="withEffect">
+                                <p:cTn id="40" presetID="22" presetClass="entr" presetSubtype="4" fill="hold" nodeType="withEffect">
                                   <p:stCondLst>
                                     <p:cond delay="0"/>
                                   </p:stCondLst>
                                   <p:childTnLst>
                                     <p:set>
                                       <p:cBhvr>
-                                        <p:cTn id="33" dur="1" fill="hold">
+                                        <p:cTn id="41" dur="1" fill="hold">
                                           <p:stCondLst>
                                             <p:cond delay="0"/>
                                           </p:stCondLst>
                                         </p:cTn>
                                         <p:tgtEl>
-                                          <p:spTgt spid="13"/>
+                                          <p:spTgt spid="12"/>
                                         </p:tgtEl>
                                         <p:attrNameLst>
                                           <p:attrName>style.visibility</p:attrName>
@@ -15074,9 +15638,9 @@
                                     </p:set>
                                     <p:animEffect transition="in" filter="wipe(down)">
                                       <p:cBhvr>
-                                        <p:cTn id="34" dur="500"/>
-                                        <p:tgtEl>
-                                          <p:spTgt spid="13"/>
+                                        <p:cTn id="42" dur="500"/>
+                                        <p:tgtEl>
+                                          <p:spTgt spid="12"/>
                                         </p:tgtEl>
                                       </p:cBhvr>
                                     </p:animEffect>
@@ -15084,20 +15648,20 @@
                                 </p:cTn>
                               </p:par>
                               <p:par>
-                                <p:cTn id="35" presetID="22" presetClass="entr" presetSubtype="4" fill="hold" nodeType="withEffect">
+                                <p:cTn id="43" presetID="22" presetClass="entr" presetSubtype="4" fill="hold" nodeType="withEffect">
                                   <p:stCondLst>
                                     <p:cond delay="0"/>
                                   </p:stCondLst>
                                   <p:childTnLst>
                                     <p:set>
                                       <p:cBhvr>
-                                        <p:cTn id="36" dur="1" fill="hold">
+                                        <p:cTn id="44" dur="1" fill="hold">
                                           <p:stCondLst>
                                             <p:cond delay="0"/>
                                           </p:stCondLst>
                                         </p:cTn>
                                         <p:tgtEl>
-                                          <p:spTgt spid="14"/>
+                                          <p:spTgt spid="13"/>
                                         </p:tgtEl>
                                         <p:attrNameLst>
                                           <p:attrName>style.visibility</p:attrName>
@@ -15109,9 +15673,9 @@
                                     </p:set>
                                     <p:animEffect transition="in" filter="wipe(down)">
                                       <p:cBhvr>
-                                        <p:cTn id="37" dur="500"/>
-                                        <p:tgtEl>
-                                          <p:spTgt spid="14"/>
+                                        <p:cTn id="45" dur="500"/>
+                                        <p:tgtEl>
+                                          <p:spTgt spid="13"/>
                                         </p:tgtEl>
                                       </p:cBhvr>
                                     </p:animEffect>
@@ -15119,20 +15683,20 @@
                                 </p:cTn>
                               </p:par>
                               <p:par>
-                                <p:cTn id="38" presetID="22" presetClass="entr" presetSubtype="4" fill="hold" nodeType="withEffect">
+                                <p:cTn id="46" presetID="22" presetClass="entr" presetSubtype="4" fill="hold" nodeType="withEffect">
                                   <p:stCondLst>
                                     <p:cond delay="0"/>
                                   </p:stCondLst>
                                   <p:childTnLst>
                                     <p:set>
                                       <p:cBhvr>
-                                        <p:cTn id="39" dur="1" fill="hold">
+                                        <p:cTn id="47" dur="1" fill="hold">
                                           <p:stCondLst>
                                             <p:cond delay="0"/>
                                           </p:stCondLst>
                                         </p:cTn>
                                         <p:tgtEl>
-                                          <p:spTgt spid="15"/>
+                                          <p:spTgt spid="14"/>
                                         </p:tgtEl>
                                         <p:attrNameLst>
                                           <p:attrName>style.visibility</p:attrName>
@@ -15144,9 +15708,9 @@
                                     </p:set>
                                     <p:animEffect transition="in" filter="wipe(down)">
                                       <p:cBhvr>
-                                        <p:cTn id="40" dur="500"/>
-                                        <p:tgtEl>
-                                          <p:spTgt spid="15"/>
+                                        <p:cTn id="48" dur="500"/>
+                                        <p:tgtEl>
+                                          <p:spTgt spid="14"/>
                                         </p:tgtEl>
                                       </p:cBhvr>
                                     </p:animEffect>
@@ -15154,20 +15718,20 @@
                                 </p:cTn>
                               </p:par>
                               <p:par>
-                                <p:cTn id="41" presetID="22" presetClass="entr" presetSubtype="4" fill="hold" nodeType="withEffect">
+                                <p:cTn id="49" presetID="22" presetClass="entr" presetSubtype="4" fill="hold" nodeType="withEffect">
                                   <p:stCondLst>
                                     <p:cond delay="0"/>
                                   </p:stCondLst>
                                   <p:childTnLst>
                                     <p:set>
                                       <p:cBhvr>
-                                        <p:cTn id="42" dur="1" fill="hold">
+                                        <p:cTn id="50" dur="1" fill="hold">
                                           <p:stCondLst>
                                             <p:cond delay="0"/>
                                           </p:stCondLst>
                                         </p:cTn>
                                         <p:tgtEl>
-                                          <p:spTgt spid="16"/>
+                                          <p:spTgt spid="15"/>
                                         </p:tgtEl>
                                         <p:attrNameLst>
                                           <p:attrName>style.visibility</p:attrName>
@@ -15179,9 +15743,9 @@
                                     </p:set>
                                     <p:animEffect transition="in" filter="wipe(down)">
                                       <p:cBhvr>
-                                        <p:cTn id="43" dur="500"/>
-                                        <p:tgtEl>
-                                          <p:spTgt spid="16"/>
+                                        <p:cTn id="51" dur="500"/>
+                                        <p:tgtEl>
+                                          <p:spTgt spid="15"/>
                                         </p:tgtEl>
                                       </p:cBhvr>
                                     </p:animEffect>
@@ -15189,20 +15753,20 @@
                                 </p:cTn>
                               </p:par>
                               <p:par>
-                                <p:cTn id="44" presetID="22" presetClass="entr" presetSubtype="4" fill="hold" nodeType="withEffect">
+                                <p:cTn id="52" presetID="22" presetClass="entr" presetSubtype="4" fill="hold" nodeType="withEffect">
                                   <p:stCondLst>
                                     <p:cond delay="0"/>
                                   </p:stCondLst>
                                   <p:childTnLst>
                                     <p:set>
                                       <p:cBhvr>
-                                        <p:cTn id="45" dur="1" fill="hold">
+                                        <p:cTn id="53" dur="1" fill="hold">
                                           <p:stCondLst>
                                             <p:cond delay="0"/>
                                           </p:stCondLst>
                                         </p:cTn>
                                         <p:tgtEl>
-                                          <p:spTgt spid="17"/>
+                                          <p:spTgt spid="16"/>
                                         </p:tgtEl>
                                         <p:attrNameLst>
                                           <p:attrName>style.visibility</p:attrName>
@@ -15214,9 +15778,9 @@
                                     </p:set>
                                     <p:animEffect transition="in" filter="wipe(down)">
                                       <p:cBhvr>
-                                        <p:cTn id="46" dur="500"/>
-                                        <p:tgtEl>
-                                          <p:spTgt spid="17"/>
+                                        <p:cTn id="54" dur="500"/>
+                                        <p:tgtEl>
+                                          <p:spTgt spid="16"/>
                                         </p:tgtEl>
                                       </p:cBhvr>
                                     </p:animEffect>
@@ -15224,20 +15788,20 @@
                                 </p:cTn>
                               </p:par>
                               <p:par>
-                                <p:cTn id="47" presetID="22" presetClass="entr" presetSubtype="4" fill="hold" nodeType="withEffect">
+                                <p:cTn id="55" presetID="22" presetClass="entr" presetSubtype="4" fill="hold" nodeType="withEffect">
                                   <p:stCondLst>
                                     <p:cond delay="0"/>
                                   </p:stCondLst>
                                   <p:childTnLst>
                                     <p:set>
                                       <p:cBhvr>
-                                        <p:cTn id="48" dur="1" fill="hold">
+                                        <p:cTn id="56" dur="1" fill="hold">
                                           <p:stCondLst>
                                             <p:cond delay="0"/>
                                           </p:stCondLst>
                                         </p:cTn>
                                         <p:tgtEl>
-                                          <p:spTgt spid="18"/>
+                                          <p:spTgt spid="17"/>
                                         </p:tgtEl>
                                         <p:attrNameLst>
                                           <p:attrName>style.visibility</p:attrName>
@@ -15249,9 +15813,9 @@
                                     </p:set>
                                     <p:animEffect transition="in" filter="wipe(down)">
                                       <p:cBhvr>
-                                        <p:cTn id="49" dur="500"/>
-                                        <p:tgtEl>
-                                          <p:spTgt spid="18"/>
+                                        <p:cTn id="57" dur="500"/>
+                                        <p:tgtEl>
+                                          <p:spTgt spid="17"/>
                                         </p:tgtEl>
                                       </p:cBhvr>
                                     </p:animEffect>
@@ -15259,20 +15823,20 @@
                                 </p:cTn>
                               </p:par>
                               <p:par>
-                                <p:cTn id="50" presetID="22" presetClass="entr" presetSubtype="4" fill="hold" nodeType="withEffect">
+                                <p:cTn id="58" presetID="22" presetClass="entr" presetSubtype="4" fill="hold" nodeType="withEffect">
                                   <p:stCondLst>
                                     <p:cond delay="0"/>
                                   </p:stCondLst>
                                   <p:childTnLst>
                                     <p:set>
                                       <p:cBhvr>
-                                        <p:cTn id="51" dur="1" fill="hold">
+                                        <p:cTn id="59" dur="1" fill="hold">
                                           <p:stCondLst>
                                             <p:cond delay="0"/>
                                           </p:stCondLst>
                                         </p:cTn>
                                         <p:tgtEl>
-                                          <p:spTgt spid="19"/>
+                                          <p:spTgt spid="18"/>
                                         </p:tgtEl>
                                         <p:attrNameLst>
                                           <p:attrName>style.visibility</p:attrName>
@@ -15284,9 +15848,9 @@
                                     </p:set>
                                     <p:animEffect transition="in" filter="wipe(down)">
                                       <p:cBhvr>
-                                        <p:cTn id="52" dur="500"/>
-                                        <p:tgtEl>
-                                          <p:spTgt spid="19"/>
+                                        <p:cTn id="60" dur="500"/>
+                                        <p:tgtEl>
+                                          <p:spTgt spid="18"/>
                                         </p:tgtEl>
                                       </p:cBhvr>
                                     </p:animEffect>
@@ -15294,20 +15858,20 @@
                                 </p:cTn>
                               </p:par>
                               <p:par>
-                                <p:cTn id="53" presetID="22" presetClass="entr" presetSubtype="4" fill="hold" nodeType="withEffect">
+                                <p:cTn id="61" presetID="22" presetClass="entr" presetSubtype="4" fill="hold" nodeType="withEffect">
                                   <p:stCondLst>
                                     <p:cond delay="0"/>
                                   </p:stCondLst>
                                   <p:childTnLst>
                                     <p:set>
                                       <p:cBhvr>
-                                        <p:cTn id="54" dur="1" fill="hold">
+                                        <p:cTn id="62" dur="1" fill="hold">
                                           <p:stCondLst>
                                             <p:cond delay="0"/>
                                           </p:stCondLst>
                                         </p:cTn>
                                         <p:tgtEl>
-                                          <p:spTgt spid="20"/>
+                                          <p:spTgt spid="19"/>
                                         </p:tgtEl>
                                         <p:attrNameLst>
                                           <p:attrName>style.visibility</p:attrName>
@@ -15319,9 +15883,9 @@
                                     </p:set>
                                     <p:animEffect transition="in" filter="wipe(down)">
                                       <p:cBhvr>
-                                        <p:cTn id="55" dur="500"/>
-                                        <p:tgtEl>
-                                          <p:spTgt spid="20"/>
+                                        <p:cTn id="63" dur="500"/>
+                                        <p:tgtEl>
+                                          <p:spTgt spid="19"/>
                                         </p:tgtEl>
                                       </p:cBhvr>
                                     </p:animEffect>
@@ -15329,20 +15893,20 @@
                                 </p:cTn>
                               </p:par>
                               <p:par>
-                                <p:cTn id="56" presetID="22" presetClass="entr" presetSubtype="4" fill="hold" grpId="0" nodeType="withEffect">
+                                <p:cTn id="64" presetID="22" presetClass="entr" presetSubtype="4" fill="hold" nodeType="withEffect">
                                   <p:stCondLst>
                                     <p:cond delay="0"/>
                                   </p:stCondLst>
                                   <p:childTnLst>
                                     <p:set>
                                       <p:cBhvr>
-                                        <p:cTn id="57" dur="1" fill="hold">
+                                        <p:cTn id="65" dur="1" fill="hold">
                                           <p:stCondLst>
                                             <p:cond delay="0"/>
                                           </p:stCondLst>
                                         </p:cTn>
                                         <p:tgtEl>
-                                          <p:spTgt spid="42"/>
+                                          <p:spTgt spid="20"/>
                                         </p:tgtEl>
                                         <p:attrNameLst>
                                           <p:attrName>style.visibility</p:attrName>
@@ -15354,9 +15918,9 @@
                                     </p:set>
                                     <p:animEffect transition="in" filter="wipe(down)">
                                       <p:cBhvr>
-                                        <p:cTn id="58" dur="500"/>
-                                        <p:tgtEl>
-                                          <p:spTgt spid="42"/>
+                                        <p:cTn id="66" dur="500"/>
+                                        <p:tgtEl>
+                                          <p:spTgt spid="20"/>
                                         </p:tgtEl>
                                       </p:cBhvr>
                                     </p:animEffect>
@@ -15364,20 +15928,20 @@
                                 </p:cTn>
                               </p:par>
                               <p:par>
-                                <p:cTn id="59" presetID="22" presetClass="entr" presetSubtype="4" fill="hold" grpId="0" nodeType="withEffect">
+                                <p:cTn id="67" presetID="22" presetClass="entr" presetSubtype="4" fill="hold" grpId="0" nodeType="withEffect">
                                   <p:stCondLst>
                                     <p:cond delay="0"/>
                                   </p:stCondLst>
                                   <p:childTnLst>
                                     <p:set>
                                       <p:cBhvr>
-                                        <p:cTn id="60" dur="1" fill="hold">
+                                        <p:cTn id="68" dur="1" fill="hold">
                                           <p:stCondLst>
                                             <p:cond delay="0"/>
                                           </p:stCondLst>
                                         </p:cTn>
                                         <p:tgtEl>
-                                          <p:spTgt spid="43"/>
+                                          <p:spTgt spid="42"/>
                                         </p:tgtEl>
                                         <p:attrNameLst>
                                           <p:attrName>style.visibility</p:attrName>
@@ -15389,7 +15953,42 @@
                                     </p:set>
                                     <p:animEffect transition="in" filter="wipe(down)">
                                       <p:cBhvr>
-                                        <p:cTn id="61" dur="500"/>
+                                        <p:cTn id="69" dur="500"/>
+                                        <p:tgtEl>
+                                          <p:spTgt spid="42"/>
+                                        </p:tgtEl>
+                                      </p:cBhvr>
+                                    </p:animEffect>
+                                  </p:childTnLst>
+                                </p:cTn>
+                              </p:par>
+                              <p:par>
+                                <p:cTn id="70" presetID="22" presetClass="entr" presetSubtype="4" fill="hold" grpId="0" nodeType="withEffect">
+                                  <p:stCondLst>
+                                    <p:cond delay="0"/>
+                                  </p:stCondLst>
+                                  <p:childTnLst>
+                                    <p:set>
+                                      <p:cBhvr>
+                                        <p:cTn id="71" dur="1" fill="hold">
+                                          <p:stCondLst>
+                                            <p:cond delay="0"/>
+                                          </p:stCondLst>
+                                        </p:cTn>
+                                        <p:tgtEl>
+                                          <p:spTgt spid="43"/>
+                                        </p:tgtEl>
+                                        <p:attrNameLst>
+                                          <p:attrName>style.visibility</p:attrName>
+                                        </p:attrNameLst>
+                                      </p:cBhvr>
+                                      <p:to>
+                                        <p:strVal val="visible"/>
+                                      </p:to>
+                                    </p:set>
+                                    <p:animEffect transition="in" filter="wipe(down)">
+                                      <p:cBhvr>
+                                        <p:cTn id="72" dur="500"/>
                                         <p:tgtEl>
                                           <p:spTgt spid="43"/>
                                         </p:tgtEl>
@@ -15405,26 +16004,26 @@
                     </p:cTn>
                   </p:par>
                   <p:par>
-                    <p:cTn id="62" fill="hold">
+                    <p:cTn id="73" fill="hold">
                       <p:stCondLst>
                         <p:cond delay="indefinite"/>
                       </p:stCondLst>
                       <p:childTnLst>
                         <p:par>
-                          <p:cTn id="63" fill="hold">
+                          <p:cTn id="74" fill="hold">
                             <p:stCondLst>
                               <p:cond delay="0"/>
                             </p:stCondLst>
                             <p:childTnLst>
                               <p:par>
-                                <p:cTn id="64" presetID="16" presetClass="entr" presetSubtype="21" fill="hold" grpId="0" nodeType="clickEffect">
+                                <p:cTn id="75" presetID="16" presetClass="entr" presetSubtype="21" fill="hold" grpId="0" nodeType="clickEffect">
                                   <p:stCondLst>
                                     <p:cond delay="0"/>
                                   </p:stCondLst>
                                   <p:childTnLst>
                                     <p:set>
                                       <p:cBhvr>
-                                        <p:cTn id="65" dur="1" fill="hold">
+                                        <p:cTn id="76" dur="1" fill="hold">
                                           <p:stCondLst>
                                             <p:cond delay="0"/>
                                           </p:stCondLst>
@@ -15442,7 +16041,7 @@
                                     </p:set>
                                     <p:animEffect transition="in" filter="barn(inVertical)">
                                       <p:cBhvr>
-                                        <p:cTn id="66" dur="500"/>
+                                        <p:cTn id="77" dur="500"/>
                                         <p:tgtEl>
                                           <p:spTgt spid="46"/>
                                         </p:tgtEl>
@@ -15458,26 +16057,26 @@
                     </p:cTn>
                   </p:par>
                   <p:par>
-                    <p:cTn id="67" fill="hold">
+                    <p:cTn id="78" fill="hold">
                       <p:stCondLst>
                         <p:cond delay="indefinite"/>
                       </p:stCondLst>
                       <p:childTnLst>
                         <p:par>
-                          <p:cTn id="68" fill="hold">
+                          <p:cTn id="79" fill="hold">
                             <p:stCondLst>
                               <p:cond delay="0"/>
                             </p:stCondLst>
                             <p:childTnLst>
                               <p:par>
-                                <p:cTn id="69" presetID="42" presetClass="entr" presetSubtype="0" fill="hold" nodeType="clickEffect">
+                                <p:cTn id="80" presetID="42" presetClass="entr" presetSubtype="0" fill="hold" nodeType="clickEffect">
                                   <p:stCondLst>
                                     <p:cond delay="0"/>
                                   </p:stCondLst>
                                   <p:childTnLst>
                                     <p:set>
                                       <p:cBhvr>
-                                        <p:cTn id="70" dur="1" fill="hold">
+                                        <p:cTn id="81" dur="1" fill="hold">
                                           <p:stCondLst>
                                             <p:cond delay="0"/>
                                           </p:stCondLst>
@@ -15495,7 +16094,7 @@
                                     </p:set>
                                     <p:animEffect transition="in" filter="fade">
                                       <p:cBhvr>
-                                        <p:cTn id="71" dur="1000"/>
+                                        <p:cTn id="82" dur="1000"/>
                                         <p:tgtEl>
                                           <p:spTgt spid="51"/>
                                         </p:tgtEl>
@@ -15503,7 +16102,7 @@
                                     </p:animEffect>
                                     <p:anim calcmode="lin" valueType="num">
                                       <p:cBhvr>
-                                        <p:cTn id="72" dur="1000" fill="hold"/>
+                                        <p:cTn id="83" dur="1000" fill="hold"/>
                                         <p:tgtEl>
                                           <p:spTgt spid="51"/>
                                         </p:tgtEl>
@@ -15526,7 +16125,7 @@
                                     </p:anim>
                                     <p:anim calcmode="lin" valueType="num">
                                       <p:cBhvr>
-                                        <p:cTn id="73" dur="1000" fill="hold"/>
+                                        <p:cTn id="84" dur="1000" fill="hold"/>
                                         <p:tgtEl>
                                           <p:spTgt spid="51"/>
                                         </p:tgtEl>
@@ -15557,26 +16156,26 @@
                     </p:cTn>
                   </p:par>
                   <p:par>
-                    <p:cTn id="74" fill="hold">
+                    <p:cTn id="85" fill="hold">
                       <p:stCondLst>
                         <p:cond delay="indefinite"/>
                       </p:stCondLst>
                       <p:childTnLst>
                         <p:par>
-                          <p:cTn id="75" fill="hold">
+                          <p:cTn id="86" fill="hold">
                             <p:stCondLst>
                               <p:cond delay="0"/>
                             </p:stCondLst>
                             <p:childTnLst>
                               <p:par>
-                                <p:cTn id="76" presetID="16" presetClass="entr" presetSubtype="21" fill="hold" grpId="0" nodeType="clickEffect">
+                                <p:cTn id="87" presetID="16" presetClass="entr" presetSubtype="21" fill="hold" grpId="0" nodeType="clickEffect">
                                   <p:stCondLst>
                                     <p:cond delay="0"/>
                                   </p:stCondLst>
                                   <p:childTnLst>
                                     <p:set>
                                       <p:cBhvr>
-                                        <p:cTn id="77" dur="1" fill="hold">
+                                        <p:cTn id="88" dur="1" fill="hold">
                                           <p:stCondLst>
                                             <p:cond delay="0"/>
                                           </p:stCondLst>
@@ -15594,7 +16193,7 @@
                                     </p:set>
                                     <p:animEffect transition="in" filter="barn(inVertical)">
                                       <p:cBhvr>
-                                        <p:cTn id="78" dur="500"/>
+                                        <p:cTn id="89" dur="500"/>
                                         <p:tgtEl>
                                           <p:spTgt spid="88"/>
                                         </p:tgtEl>
@@ -15604,14 +16203,14 @@
                                 </p:cTn>
                               </p:par>
                               <p:par>
-                                <p:cTn id="79" presetID="16" presetClass="entr" presetSubtype="21" fill="hold" nodeType="withEffect">
+                                <p:cTn id="90" presetID="16" presetClass="entr" presetSubtype="21" fill="hold" nodeType="withEffect">
                                   <p:stCondLst>
                                     <p:cond delay="0"/>
                                   </p:stCondLst>
                                   <p:childTnLst>
                                     <p:set>
                                       <p:cBhvr>
-                                        <p:cTn id="80" dur="1" fill="hold">
+                                        <p:cTn id="91" dur="1" fill="hold">
                                           <p:stCondLst>
                                             <p:cond delay="0"/>
                                           </p:stCondLst>
@@ -15629,7 +16228,7 @@
                                     </p:set>
                                     <p:animEffect transition="in" filter="barn(inVertical)">
                                       <p:cBhvr>
-                                        <p:cTn id="81" dur="500"/>
+                                        <p:cTn id="92" dur="500"/>
                                         <p:tgtEl>
                                           <p:spTgt spid="49"/>
                                         </p:tgtEl>
@@ -15645,32 +16244,32 @@
                     </p:cTn>
                   </p:par>
                   <p:par>
-                    <p:cTn id="82" fill="hold">
+                    <p:cTn id="93" fill="hold">
                       <p:stCondLst>
                         <p:cond delay="indefinite"/>
                       </p:stCondLst>
                       <p:childTnLst>
                         <p:par>
-                          <p:cTn id="83" fill="hold">
+                          <p:cTn id="94" fill="hold">
                             <p:stCondLst>
                               <p:cond delay="0"/>
                             </p:stCondLst>
                             <p:childTnLst>
                               <p:par>
-                                <p:cTn id="84" presetID="16" presetClass="entr" presetSubtype="21" fill="hold" grpId="0" nodeType="clickEffect">
+                                <p:cTn id="95" presetID="16" presetClass="entr" presetSubtype="21" fill="hold" grpId="0" nodeType="clickEffect">
                                   <p:stCondLst>
                                     <p:cond delay="0"/>
                                   </p:stCondLst>
                                   <p:childTnLst>
                                     <p:set>
                                       <p:cBhvr>
-                                        <p:cTn id="85" dur="1" fill="hold">
+                                        <p:cTn id="96" dur="1" fill="hold">
                                           <p:stCondLst>
                                             <p:cond delay="0"/>
                                           </p:stCondLst>
                                         </p:cTn>
                                         <p:tgtEl>
-                                          <p:spTgt spid="89"/>
+                                          <p:spTgt spid="84"/>
                                         </p:tgtEl>
                                         <p:attrNameLst>
                                           <p:attrName>style.visibility</p:attrName>
@@ -15682,9 +16281,9 @@
                                     </p:set>
                                     <p:animEffect transition="in" filter="barn(inVertical)">
                                       <p:cBhvr>
-                                        <p:cTn id="86" dur="500"/>
-                                        <p:tgtEl>
-                                          <p:spTgt spid="89"/>
+                                        <p:cTn id="97" dur="500"/>
+                                        <p:tgtEl>
+                                          <p:spTgt spid="84"/>
                                         </p:tgtEl>
                                       </p:cBhvr>
                                     </p:animEffect>
@@ -15692,20 +16291,20 @@
                                 </p:cTn>
                               </p:par>
                               <p:par>
-                                <p:cTn id="87" presetID="16" presetClass="entr" presetSubtype="21" fill="hold" nodeType="withEffect">
+                                <p:cTn id="98" presetID="16" presetClass="entr" presetSubtype="21" fill="hold" grpId="0" nodeType="withEffect">
                                   <p:stCondLst>
                                     <p:cond delay="0"/>
                                   </p:stCondLst>
                                   <p:childTnLst>
                                     <p:set>
                                       <p:cBhvr>
-                                        <p:cTn id="88" dur="1" fill="hold">
+                                        <p:cTn id="99" dur="1" fill="hold">
                                           <p:stCondLst>
                                             <p:cond delay="0"/>
                                           </p:stCondLst>
                                         </p:cTn>
                                         <p:tgtEl>
-                                          <p:spTgt spid="91"/>
+                                          <p:spTgt spid="21"/>
                                         </p:tgtEl>
                                         <p:attrNameLst>
                                           <p:attrName>style.visibility</p:attrName>
@@ -15717,9 +16316,9 @@
                                     </p:set>
                                     <p:animEffect transition="in" filter="barn(inVertical)">
                                       <p:cBhvr>
-                                        <p:cTn id="89" dur="500"/>
-                                        <p:tgtEl>
-                                          <p:spTgt spid="91"/>
+                                        <p:cTn id="100" dur="500"/>
+                                        <p:tgtEl>
+                                          <p:spTgt spid="21"/>
                                         </p:tgtEl>
                                       </p:cBhvr>
                                     </p:animEffect>
@@ -15733,26 +16332,114 @@
                     </p:cTn>
                   </p:par>
                   <p:par>
-                    <p:cTn id="90" fill="hold">
+                    <p:cTn id="101" fill="hold">
                       <p:stCondLst>
                         <p:cond delay="indefinite"/>
                       </p:stCondLst>
                       <p:childTnLst>
                         <p:par>
-                          <p:cTn id="91" fill="hold">
+                          <p:cTn id="102" fill="hold">
                             <p:stCondLst>
                               <p:cond delay="0"/>
                             </p:stCondLst>
                             <p:childTnLst>
                               <p:par>
-                                <p:cTn id="92" presetID="42" presetClass="entr" presetSubtype="0" fill="hold" grpId="0" nodeType="clickEffect">
+                                <p:cTn id="103" presetID="16" presetClass="entr" presetSubtype="21" fill="hold" grpId="0" nodeType="clickEffect">
                                   <p:stCondLst>
                                     <p:cond delay="0"/>
                                   </p:stCondLst>
                                   <p:childTnLst>
                                     <p:set>
                                       <p:cBhvr>
-                                        <p:cTn id="93" dur="1" fill="hold">
+                                        <p:cTn id="104" dur="1" fill="hold">
+                                          <p:stCondLst>
+                                            <p:cond delay="0"/>
+                                          </p:stCondLst>
+                                        </p:cTn>
+                                        <p:tgtEl>
+                                          <p:spTgt spid="89"/>
+                                        </p:tgtEl>
+                                        <p:attrNameLst>
+                                          <p:attrName>style.visibility</p:attrName>
+                                        </p:attrNameLst>
+                                      </p:cBhvr>
+                                      <p:to>
+                                        <p:strVal val="visible"/>
+                                      </p:to>
+                                    </p:set>
+                                    <p:animEffect transition="in" filter="barn(inVertical)">
+                                      <p:cBhvr>
+                                        <p:cTn id="105" dur="500"/>
+                                        <p:tgtEl>
+                                          <p:spTgt spid="89"/>
+                                        </p:tgtEl>
+                                      </p:cBhvr>
+                                    </p:animEffect>
+                                  </p:childTnLst>
+                                </p:cTn>
+                              </p:par>
+                              <p:par>
+                                <p:cTn id="106" presetID="16" presetClass="entr" presetSubtype="21" fill="hold" nodeType="withEffect">
+                                  <p:stCondLst>
+                                    <p:cond delay="0"/>
+                                  </p:stCondLst>
+                                  <p:childTnLst>
+                                    <p:set>
+                                      <p:cBhvr>
+                                        <p:cTn id="107" dur="1" fill="hold">
+                                          <p:stCondLst>
+                                            <p:cond delay="0"/>
+                                          </p:stCondLst>
+                                        </p:cTn>
+                                        <p:tgtEl>
+                                          <p:spTgt spid="91"/>
+                                        </p:tgtEl>
+                                        <p:attrNameLst>
+                                          <p:attrName>style.visibility</p:attrName>
+                                        </p:attrNameLst>
+                                      </p:cBhvr>
+                                      <p:to>
+                                        <p:strVal val="visible"/>
+                                      </p:to>
+                                    </p:set>
+                                    <p:animEffect transition="in" filter="barn(inVertical)">
+                                      <p:cBhvr>
+                                        <p:cTn id="108" dur="500"/>
+                                        <p:tgtEl>
+                                          <p:spTgt spid="91"/>
+                                        </p:tgtEl>
+                                      </p:cBhvr>
+                                    </p:animEffect>
+                                  </p:childTnLst>
+                                </p:cTn>
+                              </p:par>
+                            </p:childTnLst>
+                          </p:cTn>
+                        </p:par>
+                      </p:childTnLst>
+                    </p:cTn>
+                  </p:par>
+                  <p:par>
+                    <p:cTn id="109" fill="hold">
+                      <p:stCondLst>
+                        <p:cond delay="indefinite"/>
+                      </p:stCondLst>
+                      <p:childTnLst>
+                        <p:par>
+                          <p:cTn id="110" fill="hold">
+                            <p:stCondLst>
+                              <p:cond delay="0"/>
+                            </p:stCondLst>
+                            <p:childTnLst>
+                              <p:par>
+                                <p:cTn id="111" presetID="42" presetClass="entr" presetSubtype="0" fill="hold" grpId="0" nodeType="clickEffect">
+                                  <p:stCondLst>
+                                    <p:cond delay="0"/>
+                                  </p:stCondLst>
+                                  <p:childTnLst>
+                                    <p:set>
+                                      <p:cBhvr>
+                                        <p:cTn id="112" dur="1" fill="hold">
                                           <p:stCondLst>
                                             <p:cond delay="0"/>
                                           </p:stCondLst>
@@ -15770,7 +16457,7 @@
                                     </p:set>
                                     <p:animEffect transition="in" filter="fade">
                                       <p:cBhvr>
-                                        <p:cTn id="94" dur="1000"/>
+                                        <p:cTn id="113" dur="1000"/>
                                         <p:tgtEl>
                                           <p:spTgt spid="92"/>
                                         </p:tgtEl>
@@ -15778,7 +16465,7 @@
                                     </p:animEffect>
                                     <p:anim calcmode="lin" valueType="num">
                                       <p:cBhvr>
-                                        <p:cTn id="95" dur="1000" fill="hold"/>
+                                        <p:cTn id="114" dur="1000" fill="hold"/>
                                         <p:tgtEl>
                                           <p:spTgt spid="92"/>
                                         </p:tgtEl>
@@ -15801,7 +16488,7 @@
                                     </p:anim>
                                     <p:anim calcmode="lin" valueType="num">
                                       <p:cBhvr>
-                                        <p:cTn id="96" dur="1000" fill="hold"/>
+                                        <p:cTn id="115" dur="1000" fill="hold"/>
                                         <p:tgtEl>
                                           <p:spTgt spid="92"/>
                                         </p:tgtEl>
@@ -15826,14 +16513,14 @@
                                 </p:cTn>
                               </p:par>
                               <p:par>
-                                <p:cTn id="97" presetID="42" presetClass="entr" presetSubtype="0" fill="hold" grpId="0" nodeType="withEffect">
+                                <p:cTn id="116" presetID="42" presetClass="entr" presetSubtype="0" fill="hold" grpId="0" nodeType="withEffect">
                                   <p:stCondLst>
                                     <p:cond delay="0"/>
                                   </p:stCondLst>
                                   <p:childTnLst>
                                     <p:set>
                                       <p:cBhvr>
-                                        <p:cTn id="98" dur="1" fill="hold">
+                                        <p:cTn id="117" dur="1" fill="hold">
                                           <p:stCondLst>
                                             <p:cond delay="0"/>
                                           </p:stCondLst>
@@ -15851,7 +16538,7 @@
                                     </p:set>
                                     <p:animEffect transition="in" filter="fade">
                                       <p:cBhvr>
-                                        <p:cTn id="99" dur="1000"/>
+                                        <p:cTn id="118" dur="1000"/>
                                         <p:tgtEl>
                                           <p:spTgt spid="93"/>
                                         </p:tgtEl>
@@ -15859,7 +16546,7 @@
                                     </p:animEffect>
                                     <p:anim calcmode="lin" valueType="num">
                                       <p:cBhvr>
-                                        <p:cTn id="100" dur="1000" fill="hold"/>
+                                        <p:cTn id="119" dur="1000" fill="hold"/>
                                         <p:tgtEl>
                                           <p:spTgt spid="93"/>
                                         </p:tgtEl>
@@ -15882,7 +16569,7 @@
                                     </p:anim>
                                     <p:anim calcmode="lin" valueType="num">
                                       <p:cBhvr>
-                                        <p:cTn id="101" dur="1000" fill="hold"/>
+                                        <p:cTn id="120" dur="1000" fill="hold"/>
                                         <p:tgtEl>
                                           <p:spTgt spid="93"/>
                                         </p:tgtEl>
@@ -15907,14 +16594,14 @@
                                 </p:cTn>
                               </p:par>
                               <p:par>
-                                <p:cTn id="102" presetID="42" presetClass="entr" presetSubtype="0" fill="hold" grpId="0" nodeType="withEffect">
+                                <p:cTn id="121" presetID="42" presetClass="entr" presetSubtype="0" fill="hold" grpId="0" nodeType="withEffect">
                                   <p:stCondLst>
                                     <p:cond delay="0"/>
                                   </p:stCondLst>
                                   <p:childTnLst>
                                     <p:set>
                                       <p:cBhvr>
-                                        <p:cTn id="103" dur="1" fill="hold">
+                                        <p:cTn id="122" dur="1" fill="hold">
                                           <p:stCondLst>
                                             <p:cond delay="0"/>
                                           </p:stCondLst>
@@ -15932,7 +16619,7 @@
                                     </p:set>
                                     <p:animEffect transition="in" filter="fade">
                                       <p:cBhvr>
-                                        <p:cTn id="104" dur="1000"/>
+                                        <p:cTn id="123" dur="1000"/>
                                         <p:tgtEl>
                                           <p:spTgt spid="94"/>
                                         </p:tgtEl>
@@ -15940,7 +16627,7 @@
                                     </p:animEffect>
                                     <p:anim calcmode="lin" valueType="num">
                                       <p:cBhvr>
-                                        <p:cTn id="105" dur="1000" fill="hold"/>
+                                        <p:cTn id="124" dur="1000" fill="hold"/>
                                         <p:tgtEl>
                                           <p:spTgt spid="94"/>
                                         </p:tgtEl>
@@ -15963,7 +16650,7 @@
                                     </p:anim>
                                     <p:anim calcmode="lin" valueType="num">
                                       <p:cBhvr>
-                                        <p:cTn id="106" dur="1000" fill="hold"/>
+                                        <p:cTn id="125" dur="1000" fill="hold"/>
                                         <p:tgtEl>
                                           <p:spTgt spid="94"/>
                                         </p:tgtEl>
@@ -15988,14 +16675,14 @@
                                 </p:cTn>
                               </p:par>
                               <p:par>
-                                <p:cTn id="107" presetID="42" presetClass="entr" presetSubtype="0" fill="hold" grpId="0" nodeType="withEffect">
+                                <p:cTn id="126" presetID="42" presetClass="entr" presetSubtype="0" fill="hold" grpId="0" nodeType="withEffect">
                                   <p:stCondLst>
                                     <p:cond delay="0"/>
                                   </p:stCondLst>
                                   <p:childTnLst>
                                     <p:set>
                                       <p:cBhvr>
-                                        <p:cTn id="108" dur="1" fill="hold">
+                                        <p:cTn id="127" dur="1" fill="hold">
                                           <p:stCondLst>
                                             <p:cond delay="0"/>
                                           </p:stCondLst>
@@ -16013,7 +16700,7 @@
                                     </p:set>
                                     <p:animEffect transition="in" filter="fade">
                                       <p:cBhvr>
-                                        <p:cTn id="109" dur="1000"/>
+                                        <p:cTn id="128" dur="1000"/>
                                         <p:tgtEl>
                                           <p:spTgt spid="95"/>
                                         </p:tgtEl>
@@ -16021,7 +16708,7 @@
                                     </p:animEffect>
                                     <p:anim calcmode="lin" valueType="num">
                                       <p:cBhvr>
-                                        <p:cTn id="110" dur="1000" fill="hold"/>
+                                        <p:cTn id="129" dur="1000" fill="hold"/>
                                         <p:tgtEl>
                                           <p:spTgt spid="95"/>
                                         </p:tgtEl>
@@ -16044,7 +16731,7 @@
                                     </p:anim>
                                     <p:anim calcmode="lin" valueType="num">
                                       <p:cBhvr>
-                                        <p:cTn id="111" dur="1000" fill="hold"/>
+                                        <p:cTn id="130" dur="1000" fill="hold"/>
                                         <p:tgtEl>
                                           <p:spTgt spid="95"/>
                                         </p:tgtEl>
@@ -16069,14 +16756,14 @@
                                 </p:cTn>
                               </p:par>
                               <p:par>
-                                <p:cTn id="112" presetID="42" presetClass="entr" presetSubtype="0" fill="hold" grpId="0" nodeType="withEffect">
+                                <p:cTn id="131" presetID="42" presetClass="entr" presetSubtype="0" fill="hold" grpId="0" nodeType="withEffect">
                                   <p:stCondLst>
                                     <p:cond delay="0"/>
                                   </p:stCondLst>
                                   <p:childTnLst>
                                     <p:set>
                                       <p:cBhvr>
-                                        <p:cTn id="113" dur="1" fill="hold">
+                                        <p:cTn id="132" dur="1" fill="hold">
                                           <p:stCondLst>
                                             <p:cond delay="0"/>
                                           </p:stCondLst>
@@ -16094,7 +16781,7 @@
                                     </p:set>
                                     <p:animEffect transition="in" filter="fade">
                                       <p:cBhvr>
-                                        <p:cTn id="114" dur="1000"/>
+                                        <p:cTn id="133" dur="1000"/>
                                         <p:tgtEl>
                                           <p:spTgt spid="96"/>
                                         </p:tgtEl>
@@ -16102,7 +16789,7 @@
                                     </p:animEffect>
                                     <p:anim calcmode="lin" valueType="num">
                                       <p:cBhvr>
-                                        <p:cTn id="115" dur="1000" fill="hold"/>
+                                        <p:cTn id="134" dur="1000" fill="hold"/>
                                         <p:tgtEl>
                                           <p:spTgt spid="96"/>
                                         </p:tgtEl>
@@ -16125,7 +16812,7 @@
                                     </p:anim>
                                     <p:anim calcmode="lin" valueType="num">
                                       <p:cBhvr>
-                                        <p:cTn id="116" dur="1000" fill="hold"/>
+                                        <p:cTn id="135" dur="1000" fill="hold"/>
                                         <p:tgtEl>
                                           <p:spTgt spid="96"/>
                                         </p:tgtEl>
@@ -16150,14 +16837,14 @@
                                 </p:cTn>
                               </p:par>
                               <p:par>
-                                <p:cTn id="117" presetID="42" presetClass="entr" presetSubtype="0" fill="hold" grpId="0" nodeType="withEffect">
+                                <p:cTn id="136" presetID="42" presetClass="entr" presetSubtype="0" fill="hold" grpId="0" nodeType="withEffect">
                                   <p:stCondLst>
                                     <p:cond delay="0"/>
                                   </p:stCondLst>
                                   <p:childTnLst>
                                     <p:set>
                                       <p:cBhvr>
-                                        <p:cTn id="118" dur="1" fill="hold">
+                                        <p:cTn id="137" dur="1" fill="hold">
                                           <p:stCondLst>
                                             <p:cond delay="0"/>
                                           </p:stCondLst>
@@ -16175,7 +16862,7 @@
                                     </p:set>
                                     <p:animEffect transition="in" filter="fade">
                                       <p:cBhvr>
-                                        <p:cTn id="119" dur="1000"/>
+                                        <p:cTn id="138" dur="1000"/>
                                         <p:tgtEl>
                                           <p:spTgt spid="97"/>
                                         </p:tgtEl>
@@ -16183,7 +16870,7 @@
                                     </p:animEffect>
                                     <p:anim calcmode="lin" valueType="num">
                                       <p:cBhvr>
-                                        <p:cTn id="120" dur="1000" fill="hold"/>
+                                        <p:cTn id="139" dur="1000" fill="hold"/>
                                         <p:tgtEl>
                                           <p:spTgt spid="97"/>
                                         </p:tgtEl>
@@ -16206,7 +16893,7 @@
                                     </p:anim>
                                     <p:anim calcmode="lin" valueType="num">
                                       <p:cBhvr>
-                                        <p:cTn id="121" dur="1000" fill="hold"/>
+                                        <p:cTn id="140" dur="1000" fill="hold"/>
                                         <p:tgtEl>
                                           <p:spTgt spid="97"/>
                                         </p:tgtEl>
@@ -16231,14 +16918,14 @@
                                 </p:cTn>
                               </p:par>
                               <p:par>
-                                <p:cTn id="122" presetID="42" presetClass="entr" presetSubtype="0" fill="hold" grpId="0" nodeType="withEffect">
+                                <p:cTn id="141" presetID="42" presetClass="entr" presetSubtype="0" fill="hold" grpId="0" nodeType="withEffect">
                                   <p:stCondLst>
                                     <p:cond delay="0"/>
                                   </p:stCondLst>
                                   <p:childTnLst>
                                     <p:set>
                                       <p:cBhvr>
-                                        <p:cTn id="123" dur="1" fill="hold">
+                                        <p:cTn id="142" dur="1" fill="hold">
                                           <p:stCondLst>
                                             <p:cond delay="0"/>
                                           </p:stCondLst>
@@ -16256,7 +16943,7 @@
                                     </p:set>
                                     <p:animEffect transition="in" filter="fade">
                                       <p:cBhvr>
-                                        <p:cTn id="124" dur="1000"/>
+                                        <p:cTn id="143" dur="1000"/>
                                         <p:tgtEl>
                                           <p:spTgt spid="98"/>
                                         </p:tgtEl>
@@ -16264,7 +16951,7 @@
                                     </p:animEffect>
                                     <p:anim calcmode="lin" valueType="num">
                                       <p:cBhvr>
-                                        <p:cTn id="125" dur="1000" fill="hold"/>
+                                        <p:cTn id="144" dur="1000" fill="hold"/>
                                         <p:tgtEl>
                                           <p:spTgt spid="98"/>
                                         </p:tgtEl>
@@ -16287,7 +16974,7 @@
                                     </p:anim>
                                     <p:anim calcmode="lin" valueType="num">
                                       <p:cBhvr>
-                                        <p:cTn id="126" dur="1000" fill="hold"/>
+                                        <p:cTn id="145" dur="1000" fill="hold"/>
                                         <p:tgtEl>
                                           <p:spTgt spid="98"/>
                                         </p:tgtEl>
@@ -16312,14 +16999,14 @@
                                 </p:cTn>
                               </p:par>
                               <p:par>
-                                <p:cTn id="127" presetID="42" presetClass="entr" presetSubtype="0" fill="hold" grpId="0" nodeType="withEffect">
+                                <p:cTn id="146" presetID="42" presetClass="entr" presetSubtype="0" fill="hold" grpId="0" nodeType="withEffect">
                                   <p:stCondLst>
                                     <p:cond delay="0"/>
                                   </p:stCondLst>
                                   <p:childTnLst>
                                     <p:set>
                                       <p:cBhvr>
-                                        <p:cTn id="128" dur="1" fill="hold">
+                                        <p:cTn id="147" dur="1" fill="hold">
                                           <p:stCondLst>
                                             <p:cond delay="0"/>
                                           </p:stCondLst>
@@ -16337,7 +17024,7 @@
                                     </p:set>
                                     <p:animEffect transition="in" filter="fade">
                                       <p:cBhvr>
-                                        <p:cTn id="129" dur="1000"/>
+                                        <p:cTn id="148" dur="1000"/>
                                         <p:tgtEl>
                                           <p:spTgt spid="99"/>
                                         </p:tgtEl>
@@ -16345,7 +17032,7 @@
                                     </p:animEffect>
                                     <p:anim calcmode="lin" valueType="num">
                                       <p:cBhvr>
-                                        <p:cTn id="130" dur="1000" fill="hold"/>
+                                        <p:cTn id="149" dur="1000" fill="hold"/>
                                         <p:tgtEl>
                                           <p:spTgt spid="99"/>
                                         </p:tgtEl>
@@ -16368,7 +17055,7 @@
                                     </p:anim>
                                     <p:anim calcmode="lin" valueType="num">
                                       <p:cBhvr>
-                                        <p:cTn id="131" dur="1000" fill="hold"/>
+                                        <p:cTn id="150" dur="1000" fill="hold"/>
                                         <p:tgtEl>
                                           <p:spTgt spid="99"/>
                                         </p:tgtEl>
@@ -16393,14 +17080,14 @@
                                 </p:cTn>
                               </p:par>
                               <p:par>
-                                <p:cTn id="132" presetID="42" presetClass="entr" presetSubtype="0" fill="hold" nodeType="withEffect">
+                                <p:cTn id="151" presetID="42" presetClass="entr" presetSubtype="0" fill="hold" nodeType="withEffect">
                                   <p:stCondLst>
                                     <p:cond delay="0"/>
                                   </p:stCondLst>
                                   <p:childTnLst>
                                     <p:set>
                                       <p:cBhvr>
-                                        <p:cTn id="133" dur="1" fill="hold">
+                                        <p:cTn id="152" dur="1" fill="hold">
                                           <p:stCondLst>
                                             <p:cond delay="0"/>
                                           </p:stCondLst>
@@ -16418,7 +17105,7 @@
                                     </p:set>
                                     <p:animEffect transition="in" filter="fade">
                                       <p:cBhvr>
-                                        <p:cTn id="134" dur="1000"/>
+                                        <p:cTn id="153" dur="1000"/>
                                         <p:tgtEl>
                                           <p:spTgt spid="100"/>
                                         </p:tgtEl>
@@ -16426,7 +17113,7 @@
                                     </p:animEffect>
                                     <p:anim calcmode="lin" valueType="num">
                                       <p:cBhvr>
-                                        <p:cTn id="135" dur="1000" fill="hold"/>
+                                        <p:cTn id="154" dur="1000" fill="hold"/>
                                         <p:tgtEl>
                                           <p:spTgt spid="100"/>
                                         </p:tgtEl>
@@ -16449,7 +17136,7 @@
                                     </p:anim>
                                     <p:anim calcmode="lin" valueType="num">
                                       <p:cBhvr>
-                                        <p:cTn id="136" dur="1000" fill="hold"/>
+                                        <p:cTn id="155" dur="1000" fill="hold"/>
                                         <p:tgtEl>
                                           <p:spTgt spid="100"/>
                                         </p:tgtEl>
@@ -16474,14 +17161,14 @@
                                 </p:cTn>
                               </p:par>
                               <p:par>
-                                <p:cTn id="137" presetID="42" presetClass="entr" presetSubtype="0" fill="hold" nodeType="withEffect">
+                                <p:cTn id="156" presetID="42" presetClass="entr" presetSubtype="0" fill="hold" nodeType="withEffect">
                                   <p:stCondLst>
                                     <p:cond delay="0"/>
                                   </p:stCondLst>
                                   <p:childTnLst>
                                     <p:set>
                                       <p:cBhvr>
-                                        <p:cTn id="138" dur="1" fill="hold">
+                                        <p:cTn id="157" dur="1" fill="hold">
                                           <p:stCondLst>
                                             <p:cond delay="0"/>
                                           </p:stCondLst>
@@ -16499,7 +17186,7 @@
                                     </p:set>
                                     <p:animEffect transition="in" filter="fade">
                                       <p:cBhvr>
-                                        <p:cTn id="139" dur="1000"/>
+                                        <p:cTn id="158" dur="1000"/>
                                         <p:tgtEl>
                                           <p:spTgt spid="101"/>
                                         </p:tgtEl>
@@ -16507,7 +17194,7 @@
                                     </p:animEffect>
                                     <p:anim calcmode="lin" valueType="num">
                                       <p:cBhvr>
-                                        <p:cTn id="140" dur="1000" fill="hold"/>
+                                        <p:cTn id="159" dur="1000" fill="hold"/>
                                         <p:tgtEl>
                                           <p:spTgt spid="101"/>
                                         </p:tgtEl>
@@ -16530,7 +17217,7 @@
                                     </p:anim>
                                     <p:anim calcmode="lin" valueType="num">
                                       <p:cBhvr>
-                                        <p:cTn id="141" dur="1000" fill="hold"/>
+                                        <p:cTn id="160" dur="1000" fill="hold"/>
                                         <p:tgtEl>
                                           <p:spTgt spid="101"/>
                                         </p:tgtEl>
@@ -16555,14 +17242,14 @@
                                 </p:cTn>
                               </p:par>
                               <p:par>
-                                <p:cTn id="142" presetID="42" presetClass="entr" presetSubtype="0" fill="hold" nodeType="withEffect">
+                                <p:cTn id="161" presetID="42" presetClass="entr" presetSubtype="0" fill="hold" nodeType="withEffect">
                                   <p:stCondLst>
                                     <p:cond delay="0"/>
                                   </p:stCondLst>
                                   <p:childTnLst>
                                     <p:set>
                                       <p:cBhvr>
-                                        <p:cTn id="143" dur="1" fill="hold">
+                                        <p:cTn id="162" dur="1" fill="hold">
                                           <p:stCondLst>
                                             <p:cond delay="0"/>
                                           </p:stCondLst>
@@ -16580,7 +17267,7 @@
                                     </p:set>
                                     <p:animEffect transition="in" filter="fade">
                                       <p:cBhvr>
-                                        <p:cTn id="144" dur="1000"/>
+                                        <p:cTn id="163" dur="1000"/>
                                         <p:tgtEl>
                                           <p:spTgt spid="102"/>
                                         </p:tgtEl>
@@ -16588,7 +17275,7 @@
                                     </p:animEffect>
                                     <p:anim calcmode="lin" valueType="num">
                                       <p:cBhvr>
-                                        <p:cTn id="145" dur="1000" fill="hold"/>
+                                        <p:cTn id="164" dur="1000" fill="hold"/>
                                         <p:tgtEl>
                                           <p:spTgt spid="102"/>
                                         </p:tgtEl>
@@ -16611,7 +17298,7 @@
                                     </p:anim>
                                     <p:anim calcmode="lin" valueType="num">
                                       <p:cBhvr>
-                                        <p:cTn id="146" dur="1000" fill="hold"/>
+                                        <p:cTn id="165" dur="1000" fill="hold"/>
                                         <p:tgtEl>
                                           <p:spTgt spid="102"/>
                                         </p:tgtEl>
@@ -16636,14 +17323,14 @@
                                 </p:cTn>
                               </p:par>
                               <p:par>
-                                <p:cTn id="147" presetID="42" presetClass="entr" presetSubtype="0" fill="hold" nodeType="withEffect">
+                                <p:cTn id="166" presetID="42" presetClass="entr" presetSubtype="0" fill="hold" nodeType="withEffect">
                                   <p:stCondLst>
                                     <p:cond delay="0"/>
                                   </p:stCondLst>
                                   <p:childTnLst>
                                     <p:set>
                                       <p:cBhvr>
-                                        <p:cTn id="148" dur="1" fill="hold">
+                                        <p:cTn id="167" dur="1" fill="hold">
                                           <p:stCondLst>
                                             <p:cond delay="0"/>
                                           </p:stCondLst>
@@ -16661,7 +17348,7 @@
                                     </p:set>
                                     <p:animEffect transition="in" filter="fade">
                                       <p:cBhvr>
-                                        <p:cTn id="149" dur="1000"/>
+                                        <p:cTn id="168" dur="1000"/>
                                         <p:tgtEl>
                                           <p:spTgt spid="103"/>
                                         </p:tgtEl>
@@ -16669,7 +17356,7 @@
                                     </p:animEffect>
                                     <p:anim calcmode="lin" valueType="num">
                                       <p:cBhvr>
-                                        <p:cTn id="150" dur="1000" fill="hold"/>
+                                        <p:cTn id="169" dur="1000" fill="hold"/>
                                         <p:tgtEl>
                                           <p:spTgt spid="103"/>
                                         </p:tgtEl>
@@ -16692,7 +17379,7 @@
                                     </p:anim>
                                     <p:anim calcmode="lin" valueType="num">
                                       <p:cBhvr>
-                                        <p:cTn id="151" dur="1000" fill="hold"/>
+                                        <p:cTn id="170" dur="1000" fill="hold"/>
                                         <p:tgtEl>
                                           <p:spTgt spid="103"/>
                                         </p:tgtEl>
@@ -16717,14 +17404,14 @@
                                 </p:cTn>
                               </p:par>
                               <p:par>
-                                <p:cTn id="152" presetID="42" presetClass="entr" presetSubtype="0" fill="hold" nodeType="withEffect">
+                                <p:cTn id="171" presetID="42" presetClass="entr" presetSubtype="0" fill="hold" nodeType="withEffect">
                                   <p:stCondLst>
                                     <p:cond delay="0"/>
                                   </p:stCondLst>
                                   <p:childTnLst>
                                     <p:set>
                                       <p:cBhvr>
-                                        <p:cTn id="153" dur="1" fill="hold">
+                                        <p:cTn id="172" dur="1" fill="hold">
                                           <p:stCondLst>
                                             <p:cond delay="0"/>
                                           </p:stCondLst>
@@ -16742,7 +17429,7 @@
                                     </p:set>
                                     <p:animEffect transition="in" filter="fade">
                                       <p:cBhvr>
-                                        <p:cTn id="154" dur="1000"/>
+                                        <p:cTn id="173" dur="1000"/>
                                         <p:tgtEl>
                                           <p:spTgt spid="104"/>
                                         </p:tgtEl>
@@ -16750,7 +17437,7 @@
                                     </p:animEffect>
                                     <p:anim calcmode="lin" valueType="num">
                                       <p:cBhvr>
-                                        <p:cTn id="155" dur="1000" fill="hold"/>
+                                        <p:cTn id="174" dur="1000" fill="hold"/>
                                         <p:tgtEl>
                                           <p:spTgt spid="104"/>
                                         </p:tgtEl>
@@ -16773,7 +17460,7 @@
                                     </p:anim>
                                     <p:anim calcmode="lin" valueType="num">
                                       <p:cBhvr>
-                                        <p:cTn id="156" dur="1000" fill="hold"/>
+                                        <p:cTn id="175" dur="1000" fill="hold"/>
                                         <p:tgtEl>
                                           <p:spTgt spid="104"/>
                                         </p:tgtEl>
@@ -16798,14 +17485,14 @@
                                 </p:cTn>
                               </p:par>
                               <p:par>
-                                <p:cTn id="157" presetID="42" presetClass="entr" presetSubtype="0" fill="hold" nodeType="withEffect">
+                                <p:cTn id="176" presetID="42" presetClass="entr" presetSubtype="0" fill="hold" nodeType="withEffect">
                                   <p:stCondLst>
                                     <p:cond delay="0"/>
                                   </p:stCondLst>
                                   <p:childTnLst>
                                     <p:set>
                                       <p:cBhvr>
-                                        <p:cTn id="158" dur="1" fill="hold">
+                                        <p:cTn id="177" dur="1" fill="hold">
                                           <p:stCondLst>
                                             <p:cond delay="0"/>
                                           </p:stCondLst>
@@ -16823,7 +17510,7 @@
                                     </p:set>
                                     <p:animEffect transition="in" filter="fade">
                                       <p:cBhvr>
-                                        <p:cTn id="159" dur="1000"/>
+                                        <p:cTn id="178" dur="1000"/>
                                         <p:tgtEl>
                                           <p:spTgt spid="105"/>
                                         </p:tgtEl>
@@ -16831,7 +17518,7 @@
                                     </p:animEffect>
                                     <p:anim calcmode="lin" valueType="num">
                                       <p:cBhvr>
-                                        <p:cTn id="160" dur="1000" fill="hold"/>
+                                        <p:cTn id="179" dur="1000" fill="hold"/>
                                         <p:tgtEl>
                                           <p:spTgt spid="105"/>
                                         </p:tgtEl>
@@ -16854,7 +17541,7 @@
                                     </p:anim>
                                     <p:anim calcmode="lin" valueType="num">
                                       <p:cBhvr>
-                                        <p:cTn id="161" dur="1000" fill="hold"/>
+                                        <p:cTn id="180" dur="1000" fill="hold"/>
                                         <p:tgtEl>
                                           <p:spTgt spid="105"/>
                                         </p:tgtEl>
@@ -16879,14 +17566,14 @@
                                 </p:cTn>
                               </p:par>
                               <p:par>
-                                <p:cTn id="162" presetID="42" presetClass="entr" presetSubtype="0" fill="hold" nodeType="withEffect">
+                                <p:cTn id="181" presetID="42" presetClass="entr" presetSubtype="0" fill="hold" nodeType="withEffect">
                                   <p:stCondLst>
                                     <p:cond delay="0"/>
                                   </p:stCondLst>
                                   <p:childTnLst>
                                     <p:set>
                                       <p:cBhvr>
-                                        <p:cTn id="163" dur="1" fill="hold">
+                                        <p:cTn id="182" dur="1" fill="hold">
                                           <p:stCondLst>
                                             <p:cond delay="0"/>
                                           </p:stCondLst>
@@ -16904,7 +17591,7 @@
                                     </p:set>
                                     <p:animEffect transition="in" filter="fade">
                                       <p:cBhvr>
-                                        <p:cTn id="164" dur="1000"/>
+                                        <p:cTn id="183" dur="1000"/>
                                         <p:tgtEl>
                                           <p:spTgt spid="106"/>
                                         </p:tgtEl>
@@ -16912,7 +17599,7 @@
                                     </p:animEffect>
                                     <p:anim calcmode="lin" valueType="num">
                                       <p:cBhvr>
-                                        <p:cTn id="165" dur="1000" fill="hold"/>
+                                        <p:cTn id="184" dur="1000" fill="hold"/>
                                         <p:tgtEl>
                                           <p:spTgt spid="106"/>
                                         </p:tgtEl>
@@ -16935,7 +17622,7 @@
                                     </p:anim>
                                     <p:anim calcmode="lin" valueType="num">
                                       <p:cBhvr>
-                                        <p:cTn id="166" dur="1000" fill="hold"/>
+                                        <p:cTn id="185" dur="1000" fill="hold"/>
                                         <p:tgtEl>
                                           <p:spTgt spid="106"/>
                                         </p:tgtEl>
@@ -16960,14 +17647,14 @@
                                 </p:cTn>
                               </p:par>
                               <p:par>
-                                <p:cTn id="167" presetID="42" presetClass="entr" presetSubtype="0" fill="hold" nodeType="withEffect">
+                                <p:cTn id="186" presetID="42" presetClass="entr" presetSubtype="0" fill="hold" nodeType="withEffect">
                                   <p:stCondLst>
                                     <p:cond delay="0"/>
                                   </p:stCondLst>
                                   <p:childTnLst>
                                     <p:set>
                                       <p:cBhvr>
-                                        <p:cTn id="168" dur="1" fill="hold">
+                                        <p:cTn id="187" dur="1" fill="hold">
                                           <p:stCondLst>
                                             <p:cond delay="0"/>
                                           </p:stCondLst>
@@ -16985,7 +17672,7 @@
                                     </p:set>
                                     <p:animEffect transition="in" filter="fade">
                                       <p:cBhvr>
-                                        <p:cTn id="169" dur="1000"/>
+                                        <p:cTn id="188" dur="1000"/>
                                         <p:tgtEl>
                                           <p:spTgt spid="107"/>
                                         </p:tgtEl>
@@ -16993,7 +17680,7 @@
                                     </p:animEffect>
                                     <p:anim calcmode="lin" valueType="num">
                                       <p:cBhvr>
-                                        <p:cTn id="170" dur="1000" fill="hold"/>
+                                        <p:cTn id="189" dur="1000" fill="hold"/>
                                         <p:tgtEl>
                                           <p:spTgt spid="107"/>
                                         </p:tgtEl>
@@ -17016,7 +17703,7 @@
                                     </p:anim>
                                     <p:anim calcmode="lin" valueType="num">
                                       <p:cBhvr>
-                                        <p:cTn id="171" dur="1000" fill="hold"/>
+                                        <p:cTn id="190" dur="1000" fill="hold"/>
                                         <p:tgtEl>
                                           <p:spTgt spid="107"/>
                                         </p:tgtEl>
@@ -17041,14 +17728,14 @@
                                 </p:cTn>
                               </p:par>
                               <p:par>
-                                <p:cTn id="172" presetID="42" presetClass="entr" presetSubtype="0" fill="hold" nodeType="withEffect">
+                                <p:cTn id="191" presetID="42" presetClass="entr" presetSubtype="0" fill="hold" nodeType="withEffect">
                                   <p:stCondLst>
                                     <p:cond delay="0"/>
                                   </p:stCondLst>
                                   <p:childTnLst>
                                     <p:set>
                                       <p:cBhvr>
-                                        <p:cTn id="173" dur="1" fill="hold">
+                                        <p:cTn id="192" dur="1" fill="hold">
                                           <p:stCondLst>
                                             <p:cond delay="0"/>
                                           </p:stCondLst>
@@ -17066,7 +17753,7 @@
                                     </p:set>
                                     <p:animEffect transition="in" filter="fade">
                                       <p:cBhvr>
-                                        <p:cTn id="174" dur="1000"/>
+                                        <p:cTn id="193" dur="1000"/>
                                         <p:tgtEl>
                                           <p:spTgt spid="108"/>
                                         </p:tgtEl>
@@ -17074,7 +17761,7 @@
                                     </p:animEffect>
                                     <p:anim calcmode="lin" valueType="num">
                                       <p:cBhvr>
-                                        <p:cTn id="175" dur="1000" fill="hold"/>
+                                        <p:cTn id="194" dur="1000" fill="hold"/>
                                         <p:tgtEl>
                                           <p:spTgt spid="108"/>
                                         </p:tgtEl>
@@ -17097,7 +17784,7 @@
                                     </p:anim>
                                     <p:anim calcmode="lin" valueType="num">
                                       <p:cBhvr>
-                                        <p:cTn id="176" dur="1000" fill="hold"/>
+                                        <p:cTn id="195" dur="1000" fill="hold"/>
                                         <p:tgtEl>
                                           <p:spTgt spid="108"/>
                                         </p:tgtEl>
@@ -17128,26 +17815,26 @@
                     </p:cTn>
                   </p:par>
                   <p:par>
-                    <p:cTn id="177" fill="hold">
+                    <p:cTn id="196" fill="hold">
                       <p:stCondLst>
                         <p:cond delay="indefinite"/>
                       </p:stCondLst>
                       <p:childTnLst>
                         <p:par>
-                          <p:cTn id="178" fill="hold">
+                          <p:cTn id="197" fill="hold">
                             <p:stCondLst>
                               <p:cond delay="0"/>
                             </p:stCondLst>
                             <p:childTnLst>
                               <p:par>
-                                <p:cTn id="179" presetID="42" presetClass="entr" presetSubtype="0" fill="hold" grpId="0" nodeType="clickEffect">
+                                <p:cTn id="198" presetID="42" presetClass="entr" presetSubtype="0" fill="hold" grpId="0" nodeType="clickEffect">
                                   <p:stCondLst>
                                     <p:cond delay="0"/>
                                   </p:stCondLst>
                                   <p:childTnLst>
                                     <p:set>
                                       <p:cBhvr>
-                                        <p:cTn id="180" dur="1" fill="hold">
+                                        <p:cTn id="199" dur="1" fill="hold">
                                           <p:stCondLst>
                                             <p:cond delay="0"/>
                                           </p:stCondLst>
@@ -17165,7 +17852,7 @@
                                     </p:set>
                                     <p:animEffect transition="in" filter="fade">
                                       <p:cBhvr>
-                                        <p:cTn id="181" dur="1000"/>
+                                        <p:cTn id="200" dur="1000"/>
                                         <p:tgtEl>
                                           <p:spTgt spid="120"/>
                                         </p:tgtEl>
@@ -17173,7 +17860,7 @@
                                     </p:animEffect>
                                     <p:anim calcmode="lin" valueType="num">
                                       <p:cBhvr>
-                                        <p:cTn id="182" dur="1000" fill="hold"/>
+                                        <p:cTn id="201" dur="1000" fill="hold"/>
                                         <p:tgtEl>
                                           <p:spTgt spid="120"/>
                                         </p:tgtEl>
@@ -17196,7 +17883,7 @@
                                     </p:anim>
                                     <p:anim calcmode="lin" valueType="num">
                                       <p:cBhvr>
-                                        <p:cTn id="183" dur="1000" fill="hold"/>
+                                        <p:cTn id="202" dur="1000" fill="hold"/>
                                         <p:tgtEl>
                                           <p:spTgt spid="120"/>
                                         </p:tgtEl>
@@ -17221,14 +17908,14 @@
                                 </p:cTn>
                               </p:par>
                               <p:par>
-                                <p:cTn id="184" presetID="42" presetClass="entr" presetSubtype="0" fill="hold" nodeType="withEffect">
+                                <p:cTn id="203" presetID="42" presetClass="entr" presetSubtype="0" fill="hold" nodeType="withEffect">
                                   <p:stCondLst>
                                     <p:cond delay="0"/>
                                   </p:stCondLst>
                                   <p:childTnLst>
                                     <p:set>
                                       <p:cBhvr>
-                                        <p:cTn id="185" dur="1" fill="hold">
+                                        <p:cTn id="204" dur="1" fill="hold">
                                           <p:stCondLst>
                                             <p:cond delay="0"/>
                                           </p:stCondLst>
@@ -17246,7 +17933,7 @@
                                     </p:set>
                                     <p:animEffect transition="in" filter="fade">
                                       <p:cBhvr>
-                                        <p:cTn id="186" dur="1000"/>
+                                        <p:cTn id="205" dur="1000"/>
                                         <p:tgtEl>
                                           <p:spTgt spid="109"/>
                                         </p:tgtEl>
@@ -17254,7 +17941,7 @@
                                     </p:animEffect>
                                     <p:anim calcmode="lin" valueType="num">
                                       <p:cBhvr>
-                                        <p:cTn id="187" dur="1000" fill="hold"/>
+                                        <p:cTn id="206" dur="1000" fill="hold"/>
                                         <p:tgtEl>
                                           <p:spTgt spid="109"/>
                                         </p:tgtEl>
@@ -17277,7 +17964,7 @@
                                     </p:anim>
                                     <p:anim calcmode="lin" valueType="num">
                                       <p:cBhvr>
-                                        <p:cTn id="188" dur="1000" fill="hold"/>
+                                        <p:cTn id="207" dur="1000" fill="hold"/>
                                         <p:tgtEl>
                                           <p:spTgt spid="109"/>
                                         </p:tgtEl>
@@ -17308,26 +17995,26 @@
                     </p:cTn>
                   </p:par>
                   <p:par>
-                    <p:cTn id="189" fill="hold">
+                    <p:cTn id="208" fill="hold">
                       <p:stCondLst>
                         <p:cond delay="indefinite"/>
                       </p:stCondLst>
                       <p:childTnLst>
                         <p:par>
-                          <p:cTn id="190" fill="hold">
+                          <p:cTn id="209" fill="hold">
                             <p:stCondLst>
                               <p:cond delay="0"/>
                             </p:stCondLst>
                             <p:childTnLst>
                               <p:par>
-                                <p:cTn id="191" presetID="42" presetClass="entr" presetSubtype="0" fill="hold" grpId="0" nodeType="clickEffect">
+                                <p:cTn id="210" presetID="42" presetClass="entr" presetSubtype="0" fill="hold" grpId="0" nodeType="clickEffect">
                                   <p:stCondLst>
                                     <p:cond delay="0"/>
                                   </p:stCondLst>
                                   <p:childTnLst>
                                     <p:set>
                                       <p:cBhvr>
-                                        <p:cTn id="192" dur="1" fill="hold">
+                                        <p:cTn id="211" dur="1" fill="hold">
                                           <p:stCondLst>
                                             <p:cond delay="0"/>
                                           </p:stCondLst>
@@ -17345,7 +18032,7 @@
                                     </p:set>
                                     <p:animEffect transition="in" filter="fade">
                                       <p:cBhvr>
-                                        <p:cTn id="193" dur="1000"/>
+                                        <p:cTn id="212" dur="1000"/>
                                         <p:tgtEl>
                                           <p:spTgt spid="122"/>
                                         </p:tgtEl>
@@ -17353,7 +18040,7 @@
                                     </p:animEffect>
                                     <p:anim calcmode="lin" valueType="num">
                                       <p:cBhvr>
-                                        <p:cTn id="194" dur="1000" fill="hold"/>
+                                        <p:cTn id="213" dur="1000" fill="hold"/>
                                         <p:tgtEl>
                                           <p:spTgt spid="122"/>
                                         </p:tgtEl>
@@ -17376,7 +18063,7 @@
                                     </p:anim>
                                     <p:anim calcmode="lin" valueType="num">
                                       <p:cBhvr>
-                                        <p:cTn id="195" dur="1000" fill="hold"/>
+                                        <p:cTn id="214" dur="1000" fill="hold"/>
                                         <p:tgtEl>
                                           <p:spTgt spid="122"/>
                                         </p:tgtEl>
@@ -17401,14 +18088,14 @@
                                 </p:cTn>
                               </p:par>
                               <p:par>
-                                <p:cTn id="196" presetID="42" presetClass="entr" presetSubtype="0" fill="hold" grpId="0" nodeType="withEffect">
+                                <p:cTn id="215" presetID="42" presetClass="entr" presetSubtype="0" fill="hold" grpId="0" nodeType="withEffect">
                                   <p:stCondLst>
                                     <p:cond delay="0"/>
                                   </p:stCondLst>
                                   <p:childTnLst>
                                     <p:set>
                                       <p:cBhvr>
-                                        <p:cTn id="197" dur="1" fill="hold">
+                                        <p:cTn id="216" dur="1" fill="hold">
                                           <p:stCondLst>
                                             <p:cond delay="0"/>
                                           </p:stCondLst>
@@ -17426,7 +18113,7 @@
                                     </p:set>
                                     <p:animEffect transition="in" filter="fade">
                                       <p:cBhvr>
-                                        <p:cTn id="198" dur="1000"/>
+                                        <p:cTn id="217" dur="1000"/>
                                         <p:tgtEl>
                                           <p:spTgt spid="124"/>
                                         </p:tgtEl>
@@ -17434,7 +18121,7 @@
                                     </p:animEffect>
                                     <p:anim calcmode="lin" valueType="num">
                                       <p:cBhvr>
-                                        <p:cTn id="199" dur="1000" fill="hold"/>
+                                        <p:cTn id="218" dur="1000" fill="hold"/>
                                         <p:tgtEl>
                                           <p:spTgt spid="124"/>
                                         </p:tgtEl>
@@ -17457,7 +18144,7 @@
                                     </p:anim>
                                     <p:anim calcmode="lin" valueType="num">
                                       <p:cBhvr>
-                                        <p:cTn id="200" dur="1000" fill="hold"/>
+                                        <p:cTn id="219" dur="1000" fill="hold"/>
                                         <p:tgtEl>
                                           <p:spTgt spid="124"/>
                                         </p:tgtEl>
@@ -17482,14 +18169,14 @@
                                 </p:cTn>
                               </p:par>
                               <p:par>
-                                <p:cTn id="201" presetID="42" presetClass="entr" presetSubtype="0" fill="hold" grpId="0" nodeType="withEffect">
+                                <p:cTn id="220" presetID="42" presetClass="entr" presetSubtype="0" fill="hold" grpId="0" nodeType="withEffect">
                                   <p:stCondLst>
                                     <p:cond delay="0"/>
                                   </p:stCondLst>
                                   <p:childTnLst>
                                     <p:set>
                                       <p:cBhvr>
-                                        <p:cTn id="202" dur="1" fill="hold">
+                                        <p:cTn id="221" dur="1" fill="hold">
                                           <p:stCondLst>
                                             <p:cond delay="0"/>
                                           </p:stCondLst>
@@ -17507,7 +18194,7 @@
                                     </p:set>
                                     <p:animEffect transition="in" filter="fade">
                                       <p:cBhvr>
-                                        <p:cTn id="203" dur="1000"/>
+                                        <p:cTn id="222" dur="1000"/>
                                         <p:tgtEl>
                                           <p:spTgt spid="126"/>
                                         </p:tgtEl>
@@ -17515,7 +18202,7 @@
                                     </p:animEffect>
                                     <p:anim calcmode="lin" valueType="num">
                                       <p:cBhvr>
-                                        <p:cTn id="204" dur="1000" fill="hold"/>
+                                        <p:cTn id="223" dur="1000" fill="hold"/>
                                         <p:tgtEl>
                                           <p:spTgt spid="126"/>
                                         </p:tgtEl>
@@ -17538,7 +18225,7 @@
                                     </p:anim>
                                     <p:anim calcmode="lin" valueType="num">
                                       <p:cBhvr>
-                                        <p:cTn id="205" dur="1000" fill="hold"/>
+                                        <p:cTn id="224" dur="1000" fill="hold"/>
                                         <p:tgtEl>
                                           <p:spTgt spid="126"/>
                                         </p:tgtEl>
@@ -17563,14 +18250,14 @@
                                 </p:cTn>
                               </p:par>
                               <p:par>
-                                <p:cTn id="206" presetID="42" presetClass="entr" presetSubtype="0" fill="hold" grpId="0" nodeType="withEffect">
+                                <p:cTn id="225" presetID="42" presetClass="entr" presetSubtype="0" fill="hold" grpId="0" nodeType="withEffect">
                                   <p:stCondLst>
                                     <p:cond delay="0"/>
                                   </p:stCondLst>
                                   <p:childTnLst>
                                     <p:set>
                                       <p:cBhvr>
-                                        <p:cTn id="207" dur="1" fill="hold">
+                                        <p:cTn id="226" dur="1" fill="hold">
                                           <p:stCondLst>
                                             <p:cond delay="0"/>
                                           </p:stCondLst>
@@ -17588,7 +18275,7 @@
                                     </p:set>
                                     <p:animEffect transition="in" filter="fade">
                                       <p:cBhvr>
-                                        <p:cTn id="208" dur="1000"/>
+                                        <p:cTn id="227" dur="1000"/>
                                         <p:tgtEl>
                                           <p:spTgt spid="128"/>
                                         </p:tgtEl>
@@ -17596,7 +18283,7 @@
                                     </p:animEffect>
                                     <p:anim calcmode="lin" valueType="num">
                                       <p:cBhvr>
-                                        <p:cTn id="209" dur="1000" fill="hold"/>
+                                        <p:cTn id="228" dur="1000" fill="hold"/>
                                         <p:tgtEl>
                                           <p:spTgt spid="128"/>
                                         </p:tgtEl>
@@ -17619,7 +18306,7 @@
                                     </p:anim>
                                     <p:anim calcmode="lin" valueType="num">
                                       <p:cBhvr>
-                                        <p:cTn id="210" dur="1000" fill="hold"/>
+                                        <p:cTn id="229" dur="1000" fill="hold"/>
                                         <p:tgtEl>
                                           <p:spTgt spid="128"/>
                                         </p:tgtEl>
@@ -17644,14 +18331,14 @@
                                 </p:cTn>
                               </p:par>
                               <p:par>
-                                <p:cTn id="211" presetID="42" presetClass="entr" presetSubtype="0" fill="hold" nodeType="withEffect">
+                                <p:cTn id="230" presetID="42" presetClass="entr" presetSubtype="0" fill="hold" nodeType="withEffect">
                                   <p:stCondLst>
                                     <p:cond delay="0"/>
                                   </p:stCondLst>
                                   <p:childTnLst>
                                     <p:set>
                                       <p:cBhvr>
-                                        <p:cTn id="212" dur="1" fill="hold">
+                                        <p:cTn id="231" dur="1" fill="hold">
                                           <p:stCondLst>
                                             <p:cond delay="0"/>
                                           </p:stCondLst>
@@ -17669,7 +18356,7 @@
                                     </p:set>
                                     <p:animEffect transition="in" filter="fade">
                                       <p:cBhvr>
-                                        <p:cTn id="213" dur="1000"/>
+                                        <p:cTn id="232" dur="1000"/>
                                         <p:tgtEl>
                                           <p:spTgt spid="130"/>
                                         </p:tgtEl>
@@ -17677,7 +18364,7 @@
                                     </p:animEffect>
                                     <p:anim calcmode="lin" valueType="num">
                                       <p:cBhvr>
-                                        <p:cTn id="214" dur="1000" fill="hold"/>
+                                        <p:cTn id="233" dur="1000" fill="hold"/>
                                         <p:tgtEl>
                                           <p:spTgt spid="130"/>
                                         </p:tgtEl>
@@ -17700,7 +18387,7 @@
                                     </p:anim>
                                     <p:anim calcmode="lin" valueType="num">
                                       <p:cBhvr>
-                                        <p:cTn id="215" dur="1000" fill="hold"/>
+                                        <p:cTn id="234" dur="1000" fill="hold"/>
                                         <p:tgtEl>
                                           <p:spTgt spid="130"/>
                                         </p:tgtEl>
@@ -17725,14 +18412,14 @@
                                 </p:cTn>
                               </p:par>
                               <p:par>
-                                <p:cTn id="216" presetID="42" presetClass="entr" presetSubtype="0" fill="hold" nodeType="withEffect">
+                                <p:cTn id="235" presetID="42" presetClass="entr" presetSubtype="0" fill="hold" nodeType="withEffect">
                                   <p:stCondLst>
                                     <p:cond delay="0"/>
                                   </p:stCondLst>
                                   <p:childTnLst>
                                     <p:set>
                                       <p:cBhvr>
-                                        <p:cTn id="217" dur="1" fill="hold">
+                                        <p:cTn id="236" dur="1" fill="hold">
                                           <p:stCondLst>
                                             <p:cond delay="0"/>
                                           </p:stCondLst>
@@ -17750,7 +18437,7 @@
                                     </p:set>
                                     <p:animEffect transition="in" filter="fade">
                                       <p:cBhvr>
-                                        <p:cTn id="218" dur="1000"/>
+                                        <p:cTn id="237" dur="1000"/>
                                         <p:tgtEl>
                                           <p:spTgt spid="131"/>
                                         </p:tgtEl>
@@ -17758,7 +18445,7 @@
                                     </p:animEffect>
                                     <p:anim calcmode="lin" valueType="num">
                                       <p:cBhvr>
-                                        <p:cTn id="219" dur="1000" fill="hold"/>
+                                        <p:cTn id="238" dur="1000" fill="hold"/>
                                         <p:tgtEl>
                                           <p:spTgt spid="131"/>
                                         </p:tgtEl>
@@ -17781,7 +18468,7 @@
                                     </p:anim>
                                     <p:anim calcmode="lin" valueType="num">
                                       <p:cBhvr>
-                                        <p:cTn id="220" dur="1000" fill="hold"/>
+                                        <p:cTn id="239" dur="1000" fill="hold"/>
                                         <p:tgtEl>
                                           <p:spTgt spid="131"/>
                                         </p:tgtEl>
@@ -17806,14 +18493,14 @@
                                 </p:cTn>
                               </p:par>
                               <p:par>
-                                <p:cTn id="221" presetID="42" presetClass="entr" presetSubtype="0" fill="hold" nodeType="withEffect">
+                                <p:cTn id="240" presetID="42" presetClass="entr" presetSubtype="0" fill="hold" nodeType="withEffect">
                                   <p:stCondLst>
                                     <p:cond delay="0"/>
                                   </p:stCondLst>
                                   <p:childTnLst>
                                     <p:set>
                                       <p:cBhvr>
-                                        <p:cTn id="222" dur="1" fill="hold">
+                                        <p:cTn id="241" dur="1" fill="hold">
                                           <p:stCondLst>
                                             <p:cond delay="0"/>
                                           </p:stCondLst>
@@ -17831,7 +18518,7 @@
                                     </p:set>
                                     <p:animEffect transition="in" filter="fade">
                                       <p:cBhvr>
-                                        <p:cTn id="223" dur="1000"/>
+                                        <p:cTn id="242" dur="1000"/>
                                         <p:tgtEl>
                                           <p:spTgt spid="132"/>
                                         </p:tgtEl>
@@ -17839,7 +18526,7 @@
                                     </p:animEffect>
                                     <p:anim calcmode="lin" valueType="num">
                                       <p:cBhvr>
-                                        <p:cTn id="224" dur="1000" fill="hold"/>
+                                        <p:cTn id="243" dur="1000" fill="hold"/>
                                         <p:tgtEl>
                                           <p:spTgt spid="132"/>
                                         </p:tgtEl>
@@ -17862,7 +18549,7 @@
                                     </p:anim>
                                     <p:anim calcmode="lin" valueType="num">
                                       <p:cBhvr>
-                                        <p:cTn id="225" dur="1000" fill="hold"/>
+                                        <p:cTn id="244" dur="1000" fill="hold"/>
                                         <p:tgtEl>
                                           <p:spTgt spid="132"/>
                                         </p:tgtEl>
@@ -17887,14 +18574,14 @@
                                 </p:cTn>
                               </p:par>
                               <p:par>
-                                <p:cTn id="226" presetID="42" presetClass="entr" presetSubtype="0" fill="hold" grpId="0" nodeType="withEffect">
+                                <p:cTn id="245" presetID="42" presetClass="entr" presetSubtype="0" fill="hold" grpId="0" nodeType="withEffect">
                                   <p:stCondLst>
                                     <p:cond delay="0"/>
                                   </p:stCondLst>
                                   <p:childTnLst>
                                     <p:set>
                                       <p:cBhvr>
-                                        <p:cTn id="227" dur="1" fill="hold">
+                                        <p:cTn id="246" dur="1" fill="hold">
                                           <p:stCondLst>
                                             <p:cond delay="0"/>
                                           </p:stCondLst>
@@ -17912,7 +18599,7 @@
                                     </p:set>
                                     <p:animEffect transition="in" filter="fade">
                                       <p:cBhvr>
-                                        <p:cTn id="228" dur="1000"/>
+                                        <p:cTn id="247" dur="1000"/>
                                         <p:tgtEl>
                                           <p:spTgt spid="121"/>
                                         </p:tgtEl>
@@ -17920,7 +18607,7 @@
                                     </p:animEffect>
                                     <p:anim calcmode="lin" valueType="num">
                                       <p:cBhvr>
-                                        <p:cTn id="229" dur="1000" fill="hold"/>
+                                        <p:cTn id="248" dur="1000" fill="hold"/>
                                         <p:tgtEl>
                                           <p:spTgt spid="121"/>
                                         </p:tgtEl>
@@ -17943,288 +18630,9 @@
                                     </p:anim>
                                     <p:anim calcmode="lin" valueType="num">
                                       <p:cBhvr>
-                                        <p:cTn id="230" dur="1000" fill="hold"/>
+                                        <p:cTn id="249" dur="1000" fill="hold"/>
                                         <p:tgtEl>
                                           <p:spTgt spid="121"/>
-                                        </p:tgtEl>
-                                        <p:attrNameLst>
-                                          <p:attrName>ppt_y</p:attrName>
-                                        </p:attrNameLst>
-                                      </p:cBhvr>
-                                      <p:tavLst>
-                                        <p:tav tm="0">
-                                          <p:val>
-                                            <p:strVal val="#ppt_y+.1"/>
-                                          </p:val>
-                                        </p:tav>
-                                        <p:tav tm="100000">
-                                          <p:val>
-                                            <p:strVal val="#ppt_y"/>
-                                          </p:val>
-                                        </p:tav>
-                                      </p:tavLst>
-                                    </p:anim>
-                                  </p:childTnLst>
-                                </p:cTn>
-                              </p:par>
-                            </p:childTnLst>
-                          </p:cTn>
-                        </p:par>
-                      </p:childTnLst>
-                    </p:cTn>
-                  </p:par>
-                  <p:par>
-                    <p:cTn id="231" fill="hold">
-                      <p:stCondLst>
-                        <p:cond delay="indefinite"/>
-                      </p:stCondLst>
-                      <p:childTnLst>
-                        <p:par>
-                          <p:cTn id="232" fill="hold">
-                            <p:stCondLst>
-                              <p:cond delay="0"/>
-                            </p:stCondLst>
-                            <p:childTnLst>
-                              <p:par>
-                                <p:cTn id="233" presetID="42" presetClass="entr" presetSubtype="0" fill="hold" nodeType="clickEffect">
-                                  <p:stCondLst>
-                                    <p:cond delay="0"/>
-                                  </p:stCondLst>
-                                  <p:childTnLst>
-                                    <p:set>
-                                      <p:cBhvr>
-                                        <p:cTn id="234" dur="1" fill="hold">
-                                          <p:stCondLst>
-                                            <p:cond delay="0"/>
-                                          </p:stCondLst>
-                                        </p:cTn>
-                                        <p:tgtEl>
-                                          <p:spTgt spid="150"/>
-                                        </p:tgtEl>
-                                        <p:attrNameLst>
-                                          <p:attrName>style.visibility</p:attrName>
-                                        </p:attrNameLst>
-                                      </p:cBhvr>
-                                      <p:to>
-                                        <p:strVal val="visible"/>
-                                      </p:to>
-                                    </p:set>
-                                    <p:animEffect transition="in" filter="fade">
-                                      <p:cBhvr>
-                                        <p:cTn id="235" dur="1000"/>
-                                        <p:tgtEl>
-                                          <p:spTgt spid="150"/>
-                                        </p:tgtEl>
-                                      </p:cBhvr>
-                                    </p:animEffect>
-                                    <p:anim calcmode="lin" valueType="num">
-                                      <p:cBhvr>
-                                        <p:cTn id="236" dur="1000" fill="hold"/>
-                                        <p:tgtEl>
-                                          <p:spTgt spid="150"/>
-                                        </p:tgtEl>
-                                        <p:attrNameLst>
-                                          <p:attrName>ppt_x</p:attrName>
-                                        </p:attrNameLst>
-                                      </p:cBhvr>
-                                      <p:tavLst>
-                                        <p:tav tm="0">
-                                          <p:val>
-                                            <p:strVal val="#ppt_x"/>
-                                          </p:val>
-                                        </p:tav>
-                                        <p:tav tm="100000">
-                                          <p:val>
-                                            <p:strVal val="#ppt_x"/>
-                                          </p:val>
-                                        </p:tav>
-                                      </p:tavLst>
-                                    </p:anim>
-                                    <p:anim calcmode="lin" valueType="num">
-                                      <p:cBhvr>
-                                        <p:cTn id="237" dur="1000" fill="hold"/>
-                                        <p:tgtEl>
-                                          <p:spTgt spid="150"/>
-                                        </p:tgtEl>
-                                        <p:attrNameLst>
-                                          <p:attrName>ppt_y</p:attrName>
-                                        </p:attrNameLst>
-                                      </p:cBhvr>
-                                      <p:tavLst>
-                                        <p:tav tm="0">
-                                          <p:val>
-                                            <p:strVal val="#ppt_y+.1"/>
-                                          </p:val>
-                                        </p:tav>
-                                        <p:tav tm="100000">
-                                          <p:val>
-                                            <p:strVal val="#ppt_y"/>
-                                          </p:val>
-                                        </p:tav>
-                                      </p:tavLst>
-                                    </p:anim>
-                                  </p:childTnLst>
-                                </p:cTn>
-                              </p:par>
-                            </p:childTnLst>
-                          </p:cTn>
-                        </p:par>
-                      </p:childTnLst>
-                    </p:cTn>
-                  </p:par>
-                  <p:par>
-                    <p:cTn id="238" fill="hold">
-                      <p:stCondLst>
-                        <p:cond delay="indefinite"/>
-                      </p:stCondLst>
-                      <p:childTnLst>
-                        <p:par>
-                          <p:cTn id="239" fill="hold">
-                            <p:stCondLst>
-                              <p:cond delay="0"/>
-                            </p:stCondLst>
-                            <p:childTnLst>
-                              <p:par>
-                                <p:cTn id="240" presetID="42" presetClass="entr" presetSubtype="0" fill="hold" grpId="0" nodeType="clickEffect">
-                                  <p:stCondLst>
-                                    <p:cond delay="0"/>
-                                  </p:stCondLst>
-                                  <p:childTnLst>
-                                    <p:set>
-                                      <p:cBhvr>
-                                        <p:cTn id="241" dur="1" fill="hold">
-                                          <p:stCondLst>
-                                            <p:cond delay="0"/>
-                                          </p:stCondLst>
-                                        </p:cTn>
-                                        <p:tgtEl>
-                                          <p:spTgt spid="151"/>
-                                        </p:tgtEl>
-                                        <p:attrNameLst>
-                                          <p:attrName>style.visibility</p:attrName>
-                                        </p:attrNameLst>
-                                      </p:cBhvr>
-                                      <p:to>
-                                        <p:strVal val="visible"/>
-                                      </p:to>
-                                    </p:set>
-                                    <p:animEffect transition="in" filter="fade">
-                                      <p:cBhvr>
-                                        <p:cTn id="242" dur="1000"/>
-                                        <p:tgtEl>
-                                          <p:spTgt spid="151"/>
-                                        </p:tgtEl>
-                                      </p:cBhvr>
-                                    </p:animEffect>
-                                    <p:anim calcmode="lin" valueType="num">
-                                      <p:cBhvr>
-                                        <p:cTn id="243" dur="1000" fill="hold"/>
-                                        <p:tgtEl>
-                                          <p:spTgt spid="151"/>
-                                        </p:tgtEl>
-                                        <p:attrNameLst>
-                                          <p:attrName>ppt_x</p:attrName>
-                                        </p:attrNameLst>
-                                      </p:cBhvr>
-                                      <p:tavLst>
-                                        <p:tav tm="0">
-                                          <p:val>
-                                            <p:strVal val="#ppt_x"/>
-                                          </p:val>
-                                        </p:tav>
-                                        <p:tav tm="100000">
-                                          <p:val>
-                                            <p:strVal val="#ppt_x"/>
-                                          </p:val>
-                                        </p:tav>
-                                      </p:tavLst>
-                                    </p:anim>
-                                    <p:anim calcmode="lin" valueType="num">
-                                      <p:cBhvr>
-                                        <p:cTn id="244" dur="1000" fill="hold"/>
-                                        <p:tgtEl>
-                                          <p:spTgt spid="151"/>
-                                        </p:tgtEl>
-                                        <p:attrNameLst>
-                                          <p:attrName>ppt_y</p:attrName>
-                                        </p:attrNameLst>
-                                      </p:cBhvr>
-                                      <p:tavLst>
-                                        <p:tav tm="0">
-                                          <p:val>
-                                            <p:strVal val="#ppt_y+.1"/>
-                                          </p:val>
-                                        </p:tav>
-                                        <p:tav tm="100000">
-                                          <p:val>
-                                            <p:strVal val="#ppt_y"/>
-                                          </p:val>
-                                        </p:tav>
-                                      </p:tavLst>
-                                    </p:anim>
-                                  </p:childTnLst>
-                                </p:cTn>
-                              </p:par>
-                              <p:par>
-                                <p:cTn id="245" presetID="42" presetClass="entr" presetSubtype="0" fill="hold" nodeType="withEffect">
-                                  <p:stCondLst>
-                                    <p:cond delay="0"/>
-                                  </p:stCondLst>
-                                  <p:childTnLst>
-                                    <p:set>
-                                      <p:cBhvr>
-                                        <p:cTn id="246" dur="1" fill="hold">
-                                          <p:stCondLst>
-                                            <p:cond delay="0"/>
-                                          </p:stCondLst>
-                                        </p:cTn>
-                                        <p:tgtEl>
-                                          <p:spTgt spid="152"/>
-                                        </p:tgtEl>
-                                        <p:attrNameLst>
-                                          <p:attrName>style.visibility</p:attrName>
-                                        </p:attrNameLst>
-                                      </p:cBhvr>
-                                      <p:to>
-                                        <p:strVal val="visible"/>
-                                      </p:to>
-                                    </p:set>
-                                    <p:animEffect transition="in" filter="fade">
-                                      <p:cBhvr>
-                                        <p:cTn id="247" dur="1000"/>
-                                        <p:tgtEl>
-                                          <p:spTgt spid="152"/>
-                                        </p:tgtEl>
-                                      </p:cBhvr>
-                                    </p:animEffect>
-                                    <p:anim calcmode="lin" valueType="num">
-                                      <p:cBhvr>
-                                        <p:cTn id="248" dur="1000" fill="hold"/>
-                                        <p:tgtEl>
-                                          <p:spTgt spid="152"/>
-                                        </p:tgtEl>
-                                        <p:attrNameLst>
-                                          <p:attrName>ppt_x</p:attrName>
-                                        </p:attrNameLst>
-                                      </p:cBhvr>
-                                      <p:tavLst>
-                                        <p:tav tm="0">
-                                          <p:val>
-                                            <p:strVal val="#ppt_x"/>
-                                          </p:val>
-                                        </p:tav>
-                                        <p:tav tm="100000">
-                                          <p:val>
-                                            <p:strVal val="#ppt_x"/>
-                                          </p:val>
-                                        </p:tav>
-                                      </p:tavLst>
-                                    </p:anim>
-                                    <p:anim calcmode="lin" valueType="num">
-                                      <p:cBhvr>
-                                        <p:cTn id="249" dur="1000" fill="hold"/>
-                                        <p:tgtEl>
-                                          <p:spTgt spid="152"/>
                                         </p:tgtEl>
                                         <p:attrNameLst>
                                           <p:attrName>ppt_y</p:attrName>
@@ -18278,7 +18686,7 @@
                                           </p:stCondLst>
                                         </p:cTn>
                                         <p:tgtEl>
-                                          <p:spTgt spid="164"/>
+                                          <p:spTgt spid="150"/>
                                         </p:tgtEl>
                                         <p:attrNameLst>
                                           <p:attrName>style.visibility</p:attrName>
@@ -18292,7 +18700,7 @@
                                       <p:cBhvr>
                                         <p:cTn id="254" dur="1000"/>
                                         <p:tgtEl>
-                                          <p:spTgt spid="164"/>
+                                          <p:spTgt spid="150"/>
                                         </p:tgtEl>
                                       </p:cBhvr>
                                     </p:animEffect>
@@ -18300,7 +18708,7 @@
                                       <p:cBhvr>
                                         <p:cTn id="255" dur="1000" fill="hold"/>
                                         <p:tgtEl>
-                                          <p:spTgt spid="164"/>
+                                          <p:spTgt spid="150"/>
                                         </p:tgtEl>
                                         <p:attrNameLst>
                                           <p:attrName>ppt_x</p:attrName>
@@ -18323,88 +18731,7 @@
                                       <p:cBhvr>
                                         <p:cTn id="256" dur="1000" fill="hold"/>
                                         <p:tgtEl>
-                                          <p:spTgt spid="164"/>
-                                        </p:tgtEl>
-                                        <p:attrNameLst>
-                                          <p:attrName>ppt_y</p:attrName>
-                                        </p:attrNameLst>
-                                      </p:cBhvr>
-                                      <p:tavLst>
-                                        <p:tav tm="0">
-                                          <p:val>
-                                            <p:strVal val="#ppt_y+.1"/>
-                                          </p:val>
-                                        </p:tav>
-                                        <p:tav tm="100000">
-                                          <p:val>
-                                            <p:strVal val="#ppt_y"/>
-                                          </p:val>
-                                        </p:tav>
-                                      </p:tavLst>
-                                    </p:anim>
-                                  </p:childTnLst>
-                                </p:cTn>
-                              </p:par>
-                              <p:par>
-                                <p:cTn id="257" presetID="42" presetClass="entr" presetSubtype="0" fill="hold" grpId="0" nodeType="withEffect">
-                                  <p:stCondLst>
-                                    <p:cond delay="0"/>
-                                  </p:stCondLst>
-                                  <p:childTnLst>
-                                    <p:set>
-                                      <p:cBhvr>
-                                        <p:cTn id="258" dur="1" fill="hold">
-                                          <p:stCondLst>
-                                            <p:cond delay="0"/>
-                                          </p:stCondLst>
-                                        </p:cTn>
-                                        <p:tgtEl>
-                                          <p:spTgt spid="160"/>
-                                        </p:tgtEl>
-                                        <p:attrNameLst>
-                                          <p:attrName>style.visibility</p:attrName>
-                                        </p:attrNameLst>
-                                      </p:cBhvr>
-                                      <p:to>
-                                        <p:strVal val="visible"/>
-                                      </p:to>
-                                    </p:set>
-                                    <p:animEffect transition="in" filter="fade">
-                                      <p:cBhvr>
-                                        <p:cTn id="259" dur="1000"/>
-                                        <p:tgtEl>
-                                          <p:spTgt spid="160"/>
-                                        </p:tgtEl>
-                                      </p:cBhvr>
-                                    </p:animEffect>
-                                    <p:anim calcmode="lin" valueType="num">
-                                      <p:cBhvr>
-                                        <p:cTn id="260" dur="1000" fill="hold"/>
-                                        <p:tgtEl>
-                                          <p:spTgt spid="160"/>
-                                        </p:tgtEl>
-                                        <p:attrNameLst>
-                                          <p:attrName>ppt_x</p:attrName>
-                                        </p:attrNameLst>
-                                      </p:cBhvr>
-                                      <p:tavLst>
-                                        <p:tav tm="0">
-                                          <p:val>
-                                            <p:strVal val="#ppt_x"/>
-                                          </p:val>
-                                        </p:tav>
-                                        <p:tav tm="100000">
-                                          <p:val>
-                                            <p:strVal val="#ppt_x"/>
-                                          </p:val>
-                                        </p:tav>
-                                      </p:tavLst>
-                                    </p:anim>
-                                    <p:anim calcmode="lin" valueType="num">
-                                      <p:cBhvr>
-                                        <p:cTn id="261" dur="1000" fill="hold"/>
-                                        <p:tgtEl>
-                                          <p:spTgt spid="160"/>
+                                          <p:spTgt spid="150"/>
                                         </p:tgtEl>
                                         <p:attrNameLst>
                                           <p:attrName>ppt_y</p:attrName>
@@ -18433,26 +18760,386 @@
                     </p:cTn>
                   </p:par>
                   <p:par>
-                    <p:cTn id="262" fill="hold">
+                    <p:cTn id="257" fill="hold">
                       <p:stCondLst>
                         <p:cond delay="indefinite"/>
                       </p:stCondLst>
                       <p:childTnLst>
                         <p:par>
-                          <p:cTn id="263" fill="hold">
+                          <p:cTn id="258" fill="hold">
                             <p:stCondLst>
                               <p:cond delay="0"/>
                             </p:stCondLst>
                             <p:childTnLst>
                               <p:par>
-                                <p:cTn id="264" presetID="2" presetClass="entr" presetSubtype="4" fill="hold" grpId="0" nodeType="clickEffect">
+                                <p:cTn id="259" presetID="42" presetClass="entr" presetSubtype="0" fill="hold" grpId="0" nodeType="clickEffect">
                                   <p:stCondLst>
                                     <p:cond delay="0"/>
                                   </p:stCondLst>
                                   <p:childTnLst>
                                     <p:set>
                                       <p:cBhvr>
+                                        <p:cTn id="260" dur="1" fill="hold">
+                                          <p:stCondLst>
+                                            <p:cond delay="0"/>
+                                          </p:stCondLst>
+                                        </p:cTn>
+                                        <p:tgtEl>
+                                          <p:spTgt spid="151"/>
+                                        </p:tgtEl>
+                                        <p:attrNameLst>
+                                          <p:attrName>style.visibility</p:attrName>
+                                        </p:attrNameLst>
+                                      </p:cBhvr>
+                                      <p:to>
+                                        <p:strVal val="visible"/>
+                                      </p:to>
+                                    </p:set>
+                                    <p:animEffect transition="in" filter="fade">
+                                      <p:cBhvr>
+                                        <p:cTn id="261" dur="1000"/>
+                                        <p:tgtEl>
+                                          <p:spTgt spid="151"/>
+                                        </p:tgtEl>
+                                      </p:cBhvr>
+                                    </p:animEffect>
+                                    <p:anim calcmode="lin" valueType="num">
+                                      <p:cBhvr>
+                                        <p:cTn id="262" dur="1000" fill="hold"/>
+                                        <p:tgtEl>
+                                          <p:spTgt spid="151"/>
+                                        </p:tgtEl>
+                                        <p:attrNameLst>
+                                          <p:attrName>ppt_x</p:attrName>
+                                        </p:attrNameLst>
+                                      </p:cBhvr>
+                                      <p:tavLst>
+                                        <p:tav tm="0">
+                                          <p:val>
+                                            <p:strVal val="#ppt_x"/>
+                                          </p:val>
+                                        </p:tav>
+                                        <p:tav tm="100000">
+                                          <p:val>
+                                            <p:strVal val="#ppt_x"/>
+                                          </p:val>
+                                        </p:tav>
+                                      </p:tavLst>
+                                    </p:anim>
+                                    <p:anim calcmode="lin" valueType="num">
+                                      <p:cBhvr>
+                                        <p:cTn id="263" dur="1000" fill="hold"/>
+                                        <p:tgtEl>
+                                          <p:spTgt spid="151"/>
+                                        </p:tgtEl>
+                                        <p:attrNameLst>
+                                          <p:attrName>ppt_y</p:attrName>
+                                        </p:attrNameLst>
+                                      </p:cBhvr>
+                                      <p:tavLst>
+                                        <p:tav tm="0">
+                                          <p:val>
+                                            <p:strVal val="#ppt_y+.1"/>
+                                          </p:val>
+                                        </p:tav>
+                                        <p:tav tm="100000">
+                                          <p:val>
+                                            <p:strVal val="#ppt_y"/>
+                                          </p:val>
+                                        </p:tav>
+                                      </p:tavLst>
+                                    </p:anim>
+                                  </p:childTnLst>
+                                </p:cTn>
+                              </p:par>
+                              <p:par>
+                                <p:cTn id="264" presetID="42" presetClass="entr" presetSubtype="0" fill="hold" nodeType="withEffect">
+                                  <p:stCondLst>
+                                    <p:cond delay="0"/>
+                                  </p:stCondLst>
+                                  <p:childTnLst>
+                                    <p:set>
+                                      <p:cBhvr>
                                         <p:cTn id="265" dur="1" fill="hold">
+                                          <p:stCondLst>
+                                            <p:cond delay="0"/>
+                                          </p:stCondLst>
+                                        </p:cTn>
+                                        <p:tgtEl>
+                                          <p:spTgt spid="152"/>
+                                        </p:tgtEl>
+                                        <p:attrNameLst>
+                                          <p:attrName>style.visibility</p:attrName>
+                                        </p:attrNameLst>
+                                      </p:cBhvr>
+                                      <p:to>
+                                        <p:strVal val="visible"/>
+                                      </p:to>
+                                    </p:set>
+                                    <p:animEffect transition="in" filter="fade">
+                                      <p:cBhvr>
+                                        <p:cTn id="266" dur="1000"/>
+                                        <p:tgtEl>
+                                          <p:spTgt spid="152"/>
+                                        </p:tgtEl>
+                                      </p:cBhvr>
+                                    </p:animEffect>
+                                    <p:anim calcmode="lin" valueType="num">
+                                      <p:cBhvr>
+                                        <p:cTn id="267" dur="1000" fill="hold"/>
+                                        <p:tgtEl>
+                                          <p:spTgt spid="152"/>
+                                        </p:tgtEl>
+                                        <p:attrNameLst>
+                                          <p:attrName>ppt_x</p:attrName>
+                                        </p:attrNameLst>
+                                      </p:cBhvr>
+                                      <p:tavLst>
+                                        <p:tav tm="0">
+                                          <p:val>
+                                            <p:strVal val="#ppt_x"/>
+                                          </p:val>
+                                        </p:tav>
+                                        <p:tav tm="100000">
+                                          <p:val>
+                                            <p:strVal val="#ppt_x"/>
+                                          </p:val>
+                                        </p:tav>
+                                      </p:tavLst>
+                                    </p:anim>
+                                    <p:anim calcmode="lin" valueType="num">
+                                      <p:cBhvr>
+                                        <p:cTn id="268" dur="1000" fill="hold"/>
+                                        <p:tgtEl>
+                                          <p:spTgt spid="152"/>
+                                        </p:tgtEl>
+                                        <p:attrNameLst>
+                                          <p:attrName>ppt_y</p:attrName>
+                                        </p:attrNameLst>
+                                      </p:cBhvr>
+                                      <p:tavLst>
+                                        <p:tav tm="0">
+                                          <p:val>
+                                            <p:strVal val="#ppt_y+.1"/>
+                                          </p:val>
+                                        </p:tav>
+                                        <p:tav tm="100000">
+                                          <p:val>
+                                            <p:strVal val="#ppt_y"/>
+                                          </p:val>
+                                        </p:tav>
+                                      </p:tavLst>
+                                    </p:anim>
+                                  </p:childTnLst>
+                                </p:cTn>
+                              </p:par>
+                            </p:childTnLst>
+                          </p:cTn>
+                        </p:par>
+                      </p:childTnLst>
+                    </p:cTn>
+                  </p:par>
+                  <p:par>
+                    <p:cTn id="269" fill="hold">
+                      <p:stCondLst>
+                        <p:cond delay="indefinite"/>
+                      </p:stCondLst>
+                      <p:childTnLst>
+                        <p:par>
+                          <p:cTn id="270" fill="hold">
+                            <p:stCondLst>
+                              <p:cond delay="0"/>
+                            </p:stCondLst>
+                            <p:childTnLst>
+                              <p:par>
+                                <p:cTn id="271" presetID="42" presetClass="entr" presetSubtype="0" fill="hold" nodeType="clickEffect">
+                                  <p:stCondLst>
+                                    <p:cond delay="0"/>
+                                  </p:stCondLst>
+                                  <p:childTnLst>
+                                    <p:set>
+                                      <p:cBhvr>
+                                        <p:cTn id="272" dur="1" fill="hold">
+                                          <p:stCondLst>
+                                            <p:cond delay="0"/>
+                                          </p:stCondLst>
+                                        </p:cTn>
+                                        <p:tgtEl>
+                                          <p:spTgt spid="164"/>
+                                        </p:tgtEl>
+                                        <p:attrNameLst>
+                                          <p:attrName>style.visibility</p:attrName>
+                                        </p:attrNameLst>
+                                      </p:cBhvr>
+                                      <p:to>
+                                        <p:strVal val="visible"/>
+                                      </p:to>
+                                    </p:set>
+                                    <p:animEffect transition="in" filter="fade">
+                                      <p:cBhvr>
+                                        <p:cTn id="273" dur="1000"/>
+                                        <p:tgtEl>
+                                          <p:spTgt spid="164"/>
+                                        </p:tgtEl>
+                                      </p:cBhvr>
+                                    </p:animEffect>
+                                    <p:anim calcmode="lin" valueType="num">
+                                      <p:cBhvr>
+                                        <p:cTn id="274" dur="1000" fill="hold"/>
+                                        <p:tgtEl>
+                                          <p:spTgt spid="164"/>
+                                        </p:tgtEl>
+                                        <p:attrNameLst>
+                                          <p:attrName>ppt_x</p:attrName>
+                                        </p:attrNameLst>
+                                      </p:cBhvr>
+                                      <p:tavLst>
+                                        <p:tav tm="0">
+                                          <p:val>
+                                            <p:strVal val="#ppt_x"/>
+                                          </p:val>
+                                        </p:tav>
+                                        <p:tav tm="100000">
+                                          <p:val>
+                                            <p:strVal val="#ppt_x"/>
+                                          </p:val>
+                                        </p:tav>
+                                      </p:tavLst>
+                                    </p:anim>
+                                    <p:anim calcmode="lin" valueType="num">
+                                      <p:cBhvr>
+                                        <p:cTn id="275" dur="1000" fill="hold"/>
+                                        <p:tgtEl>
+                                          <p:spTgt spid="164"/>
+                                        </p:tgtEl>
+                                        <p:attrNameLst>
+                                          <p:attrName>ppt_y</p:attrName>
+                                        </p:attrNameLst>
+                                      </p:cBhvr>
+                                      <p:tavLst>
+                                        <p:tav tm="0">
+                                          <p:val>
+                                            <p:strVal val="#ppt_y+.1"/>
+                                          </p:val>
+                                        </p:tav>
+                                        <p:tav tm="100000">
+                                          <p:val>
+                                            <p:strVal val="#ppt_y"/>
+                                          </p:val>
+                                        </p:tav>
+                                      </p:tavLst>
+                                    </p:anim>
+                                  </p:childTnLst>
+                                </p:cTn>
+                              </p:par>
+                              <p:par>
+                                <p:cTn id="276" presetID="42" presetClass="entr" presetSubtype="0" fill="hold" grpId="0" nodeType="withEffect">
+                                  <p:stCondLst>
+                                    <p:cond delay="0"/>
+                                  </p:stCondLst>
+                                  <p:childTnLst>
+                                    <p:set>
+                                      <p:cBhvr>
+                                        <p:cTn id="277" dur="1" fill="hold">
+                                          <p:stCondLst>
+                                            <p:cond delay="0"/>
+                                          </p:stCondLst>
+                                        </p:cTn>
+                                        <p:tgtEl>
+                                          <p:spTgt spid="160"/>
+                                        </p:tgtEl>
+                                        <p:attrNameLst>
+                                          <p:attrName>style.visibility</p:attrName>
+                                        </p:attrNameLst>
+                                      </p:cBhvr>
+                                      <p:to>
+                                        <p:strVal val="visible"/>
+                                      </p:to>
+                                    </p:set>
+                                    <p:animEffect transition="in" filter="fade">
+                                      <p:cBhvr>
+                                        <p:cTn id="278" dur="1000"/>
+                                        <p:tgtEl>
+                                          <p:spTgt spid="160"/>
+                                        </p:tgtEl>
+                                      </p:cBhvr>
+                                    </p:animEffect>
+                                    <p:anim calcmode="lin" valueType="num">
+                                      <p:cBhvr>
+                                        <p:cTn id="279" dur="1000" fill="hold"/>
+                                        <p:tgtEl>
+                                          <p:spTgt spid="160"/>
+                                        </p:tgtEl>
+                                        <p:attrNameLst>
+                                          <p:attrName>ppt_x</p:attrName>
+                                        </p:attrNameLst>
+                                      </p:cBhvr>
+                                      <p:tavLst>
+                                        <p:tav tm="0">
+                                          <p:val>
+                                            <p:strVal val="#ppt_x"/>
+                                          </p:val>
+                                        </p:tav>
+                                        <p:tav tm="100000">
+                                          <p:val>
+                                            <p:strVal val="#ppt_x"/>
+                                          </p:val>
+                                        </p:tav>
+                                      </p:tavLst>
+                                    </p:anim>
+                                    <p:anim calcmode="lin" valueType="num">
+                                      <p:cBhvr>
+                                        <p:cTn id="280" dur="1000" fill="hold"/>
+                                        <p:tgtEl>
+                                          <p:spTgt spid="160"/>
+                                        </p:tgtEl>
+                                        <p:attrNameLst>
+                                          <p:attrName>ppt_y</p:attrName>
+                                        </p:attrNameLst>
+                                      </p:cBhvr>
+                                      <p:tavLst>
+                                        <p:tav tm="0">
+                                          <p:val>
+                                            <p:strVal val="#ppt_y+.1"/>
+                                          </p:val>
+                                        </p:tav>
+                                        <p:tav tm="100000">
+                                          <p:val>
+                                            <p:strVal val="#ppt_y"/>
+                                          </p:val>
+                                        </p:tav>
+                                      </p:tavLst>
+                                    </p:anim>
+                                  </p:childTnLst>
+                                </p:cTn>
+                              </p:par>
+                            </p:childTnLst>
+                          </p:cTn>
+                        </p:par>
+                      </p:childTnLst>
+                    </p:cTn>
+                  </p:par>
+                  <p:par>
+                    <p:cTn id="281" fill="hold">
+                      <p:stCondLst>
+                        <p:cond delay="indefinite"/>
+                      </p:stCondLst>
+                      <p:childTnLst>
+                        <p:par>
+                          <p:cTn id="282" fill="hold">
+                            <p:stCondLst>
+                              <p:cond delay="0"/>
+                            </p:stCondLst>
+                            <p:childTnLst>
+                              <p:par>
+                                <p:cTn id="283" presetID="2" presetClass="entr" presetSubtype="4" fill="hold" grpId="0" nodeType="clickEffect">
+                                  <p:stCondLst>
+                                    <p:cond delay="0"/>
+                                  </p:stCondLst>
+                                  <p:childTnLst>
+                                    <p:set>
+                                      <p:cBhvr>
+                                        <p:cTn id="284" dur="1" fill="hold">
                                           <p:stCondLst>
                                             <p:cond delay="0"/>
                                           </p:stCondLst>
@@ -18470,7 +19157,7 @@
                                     </p:set>
                                     <p:anim calcmode="lin" valueType="num">
                                       <p:cBhvr additive="base">
-                                        <p:cTn id="266" dur="500" fill="hold"/>
+                                        <p:cTn id="285" dur="500" fill="hold"/>
                                         <p:tgtEl>
                                           <p:spTgt spid="166"/>
                                         </p:tgtEl>
@@ -18493,7 +19180,7 @@
                                     </p:anim>
                                     <p:anim calcmode="lin" valueType="num">
                                       <p:cBhvr additive="base">
-                                        <p:cTn id="267" dur="500" fill="hold"/>
+                                        <p:cTn id="286" dur="500" fill="hold"/>
                                         <p:tgtEl>
                                           <p:spTgt spid="166"/>
                                         </p:tgtEl>
@@ -18518,14 +19205,14 @@
                                 </p:cTn>
                               </p:par>
                               <p:par>
-                                <p:cTn id="268" presetID="2" presetClass="entr" presetSubtype="4" fill="hold" grpId="0" nodeType="withEffect">
+                                <p:cTn id="287" presetID="2" presetClass="entr" presetSubtype="4" fill="hold" grpId="0" nodeType="withEffect">
                                   <p:stCondLst>
                                     <p:cond delay="0"/>
                                   </p:stCondLst>
                                   <p:childTnLst>
                                     <p:set>
                                       <p:cBhvr>
-                                        <p:cTn id="269" dur="1" fill="hold">
+                                        <p:cTn id="288" dur="1" fill="hold">
                                           <p:stCondLst>
                                             <p:cond delay="0"/>
                                           </p:stCondLst>
@@ -18543,7 +19230,7 @@
                                     </p:set>
                                     <p:anim calcmode="lin" valueType="num">
                                       <p:cBhvr additive="base">
-                                        <p:cTn id="270" dur="500" fill="hold"/>
+                                        <p:cTn id="289" dur="500" fill="hold"/>
                                         <p:tgtEl>
                                           <p:spTgt spid="167"/>
                                         </p:tgtEl>
@@ -18566,7 +19253,7 @@
                                     </p:anim>
                                     <p:anim calcmode="lin" valueType="num">
                                       <p:cBhvr additive="base">
-                                        <p:cTn id="271" dur="500" fill="hold"/>
+                                        <p:cTn id="290" dur="500" fill="hold"/>
                                         <p:tgtEl>
                                           <p:spTgt spid="167"/>
                                         </p:tgtEl>
@@ -18622,6 +19309,7 @@
       <p:bldP spid="4" grpId="0" animBg="1"/>
       <p:bldP spid="5" grpId="0" animBg="1"/>
       <p:bldP spid="6" grpId="0" animBg="1"/>
+      <p:bldP spid="7" grpId="0" animBg="1"/>
       <p:bldP spid="8" grpId="0" animBg="1"/>
       <p:bldP spid="9" grpId="0" animBg="1"/>
       <p:bldP spid="10" grpId="0" animBg="1"/>
@@ -18649,6 +19337,10 @@
       <p:bldP spid="160" grpId="0" animBg="1"/>
       <p:bldP spid="166" grpId="0" animBg="1"/>
       <p:bldP spid="167" grpId="0" animBg="1"/>
+      <p:bldP spid="81" grpId="0" animBg="1"/>
+      <p:bldP spid="82" grpId="0" animBg="1"/>
+      <p:bldP spid="21" grpId="0" animBg="1"/>
+      <p:bldP spid="84" grpId="0" animBg="1"/>
     </p:bldLst>
   </p:timing>
 </p:sld>
@@ -18896,6 +19588,17 @@
                 </a:solidFill>
               </a:rPr>
               <a:t>TRAINED MODEL</a:t>
+            </a:r>
+          </a:p>
+          <a:p>
+            <a:pPr algn="ctr"/>
+            <a:r>
+              <a:rPr lang="en-US" b="1" dirty="0">
+                <a:solidFill>
+                  <a:schemeClr val="tx1"/>
+                </a:solidFill>
+              </a:rPr>
+              <a:t>(before testing)</a:t>
             </a:r>
           </a:p>
         </p:txBody>
@@ -19117,8 +19820,8 @@
         </p:nvSpPr>
         <p:spPr>
           <a:xfrm>
-            <a:off x="4724695" y="4209988"/>
-            <a:ext cx="2286000" cy="749300"/>
+            <a:off x="4724695" y="4209987"/>
+            <a:ext cx="2286000" cy="871525"/>
           </a:xfrm>
           <a:prstGeom prst="rect">
             <a:avLst/>
@@ -19173,6 +19876,17 @@
               <a:t>(OPTIMIZING)</a:t>
             </a:r>
           </a:p>
+          <a:p>
+            <a:pPr algn="ctr"/>
+            <a:r>
+              <a:rPr lang="en-US" b="1" dirty="0">
+                <a:solidFill>
+                  <a:schemeClr val="tx1"/>
+                </a:solidFill>
+              </a:rPr>
+              <a:t>(during testing)</a:t>
+            </a:r>
+          </a:p>
         </p:txBody>
       </p:sp>
       <p:sp>
@@ -19210,78 +19924,6 @@
           </a:p>
         </p:txBody>
       </p:sp>
-      <p:pic>
-        <p:nvPicPr>
-          <p:cNvPr id="14" name="Picture 13">
-            <a:extLst>
-              <a:ext uri="{FF2B5EF4-FFF2-40B4-BE49-F238E27FC236}">
-                <a16:creationId xmlns:a16="http://schemas.microsoft.com/office/drawing/2014/main" id="{80BD747F-0F85-422E-8206-A49B3A4BFFA3}"/>
-              </a:ext>
-            </a:extLst>
-          </p:cNvPr>
-          <p:cNvPicPr>
-            <a:picLocks noChangeAspect="1"/>
-          </p:cNvPicPr>
-          <p:nvPr/>
-        </p:nvPicPr>
-        <p:blipFill>
-          <a:blip r:embed="rId2">
-            <a:extLst>
-              <a:ext uri="{28A0092B-C50C-407E-A947-70E740481C1C}">
-                <a14:useLocalDpi xmlns:a14="http://schemas.microsoft.com/office/drawing/2010/main" val="0"/>
-              </a:ext>
-            </a:extLst>
-          </a:blip>
-          <a:stretch>
-            <a:fillRect/>
-          </a:stretch>
-        </p:blipFill>
-        <p:spPr>
-          <a:xfrm>
-            <a:off x="8702716" y="5765737"/>
-            <a:ext cx="1289558" cy="858143"/>
-          </a:xfrm>
-          <a:prstGeom prst="rect">
-            <a:avLst/>
-          </a:prstGeom>
-        </p:spPr>
-      </p:pic>
-      <p:pic>
-        <p:nvPicPr>
-          <p:cNvPr id="15" name="Picture 14">
-            <a:extLst>
-              <a:ext uri="{FF2B5EF4-FFF2-40B4-BE49-F238E27FC236}">
-                <a16:creationId xmlns:a16="http://schemas.microsoft.com/office/drawing/2014/main" id="{0FA19066-0A49-4455-A117-D4945DBB1BD4}"/>
-              </a:ext>
-            </a:extLst>
-          </p:cNvPr>
-          <p:cNvPicPr>
-            <a:picLocks noChangeAspect="1"/>
-          </p:cNvPicPr>
-          <p:nvPr/>
-        </p:nvPicPr>
-        <p:blipFill>
-          <a:blip r:embed="rId2">
-            <a:extLst>
-              <a:ext uri="{28A0092B-C50C-407E-A947-70E740481C1C}">
-                <a14:useLocalDpi xmlns:a14="http://schemas.microsoft.com/office/drawing/2010/main" val="0"/>
-              </a:ext>
-            </a:extLst>
-          </a:blip>
-          <a:stretch>
-            <a:fillRect/>
-          </a:stretch>
-        </p:blipFill>
-        <p:spPr>
-          <a:xfrm>
-            <a:off x="10401595" y="5757760"/>
-            <a:ext cx="1289558" cy="858143"/>
-          </a:xfrm>
-          <a:prstGeom prst="rect">
-            <a:avLst/>
-          </a:prstGeom>
-        </p:spPr>
-      </p:pic>
       <p:cxnSp>
         <p:nvCxnSpPr>
           <p:cNvPr id="18" name="Straight Connector 17">
@@ -19388,574 +20030,12 @@
           </a:p>
         </p:txBody>
       </p:sp>
-    </p:spTree>
-    <p:extLst>
-      <p:ext uri="{BB962C8B-B14F-4D97-AF65-F5344CB8AC3E}">
-        <p14:creationId xmlns:p14="http://schemas.microsoft.com/office/powerpoint/2010/main" val="1166608353"/>
-      </p:ext>
-    </p:extLst>
-  </p:cSld>
-  <p:clrMapOvr>
-    <a:masterClrMapping/>
-  </p:clrMapOvr>
-  <p:timing>
-    <p:tnLst>
-      <p:par>
-        <p:cTn id="1" dur="indefinite" restart="never" nodeType="tmRoot">
-          <p:childTnLst>
-            <p:seq concurrent="1" nextAc="seek">
-              <p:cTn id="2" dur="indefinite" nodeType="mainSeq">
-                <p:childTnLst>
-                  <p:par>
-                    <p:cTn id="3" fill="hold">
-                      <p:stCondLst>
-                        <p:cond delay="indefinite"/>
-                      </p:stCondLst>
-                      <p:childTnLst>
-                        <p:par>
-                          <p:cTn id="4" fill="hold">
-                            <p:stCondLst>
-                              <p:cond delay="0"/>
-                            </p:stCondLst>
-                            <p:childTnLst>
-                              <p:par>
-                                <p:cTn id="5" presetID="22" presetClass="entr" presetSubtype="4" fill="hold" grpId="0" nodeType="clickEffect">
-                                  <p:stCondLst>
-                                    <p:cond delay="0"/>
-                                  </p:stCondLst>
-                                  <p:childTnLst>
-                                    <p:set>
-                                      <p:cBhvr>
-                                        <p:cTn id="6" dur="1" fill="hold">
-                                          <p:stCondLst>
-                                            <p:cond delay="0"/>
-                                          </p:stCondLst>
-                                        </p:cTn>
-                                        <p:tgtEl>
-                                          <p:spTgt spid="4"/>
-                                        </p:tgtEl>
-                                        <p:attrNameLst>
-                                          <p:attrName>style.visibility</p:attrName>
-                                        </p:attrNameLst>
-                                      </p:cBhvr>
-                                      <p:to>
-                                        <p:strVal val="visible"/>
-                                      </p:to>
-                                    </p:set>
-                                    <p:animEffect transition="in" filter="wipe(down)">
-                                      <p:cBhvr>
-                                        <p:cTn id="7" dur="500"/>
-                                        <p:tgtEl>
-                                          <p:spTgt spid="4"/>
-                                        </p:tgtEl>
-                                      </p:cBhvr>
-                                    </p:animEffect>
-                                  </p:childTnLst>
-                                </p:cTn>
-                              </p:par>
-                              <p:par>
-                                <p:cTn id="8" presetID="22" presetClass="entr" presetSubtype="4" fill="hold" grpId="0" nodeType="withEffect">
-                                  <p:stCondLst>
-                                    <p:cond delay="0"/>
-                                  </p:stCondLst>
-                                  <p:childTnLst>
-                                    <p:set>
-                                      <p:cBhvr>
-                                        <p:cTn id="9" dur="1" fill="hold">
-                                          <p:stCondLst>
-                                            <p:cond delay="0"/>
-                                          </p:stCondLst>
-                                        </p:cTn>
-                                        <p:tgtEl>
-                                          <p:spTgt spid="5"/>
-                                        </p:tgtEl>
-                                        <p:attrNameLst>
-                                          <p:attrName>style.visibility</p:attrName>
-                                        </p:attrNameLst>
-                                      </p:cBhvr>
-                                      <p:to>
-                                        <p:strVal val="visible"/>
-                                      </p:to>
-                                    </p:set>
-                                    <p:animEffect transition="in" filter="wipe(down)">
-                                      <p:cBhvr>
-                                        <p:cTn id="10" dur="500"/>
-                                        <p:tgtEl>
-                                          <p:spTgt spid="5"/>
-                                        </p:tgtEl>
-                                      </p:cBhvr>
-                                    </p:animEffect>
-                                  </p:childTnLst>
-                                </p:cTn>
-                              </p:par>
-                              <p:par>
-                                <p:cTn id="11" presetID="22" presetClass="entr" presetSubtype="4" fill="hold" grpId="0" nodeType="withEffect">
-                                  <p:stCondLst>
-                                    <p:cond delay="0"/>
-                                  </p:stCondLst>
-                                  <p:childTnLst>
-                                    <p:set>
-                                      <p:cBhvr>
-                                        <p:cTn id="12" dur="1" fill="hold">
-                                          <p:stCondLst>
-                                            <p:cond delay="0"/>
-                                          </p:stCondLst>
-                                        </p:cTn>
-                                        <p:tgtEl>
-                                          <p:spTgt spid="6"/>
-                                        </p:tgtEl>
-                                        <p:attrNameLst>
-                                          <p:attrName>style.visibility</p:attrName>
-                                        </p:attrNameLst>
-                                      </p:cBhvr>
-                                      <p:to>
-                                        <p:strVal val="visible"/>
-                                      </p:to>
-                                    </p:set>
-                                    <p:animEffect transition="in" filter="wipe(down)">
-                                      <p:cBhvr>
-                                        <p:cTn id="13" dur="500"/>
-                                        <p:tgtEl>
-                                          <p:spTgt spid="6"/>
-                                        </p:tgtEl>
-                                      </p:cBhvr>
-                                    </p:animEffect>
-                                  </p:childTnLst>
-                                </p:cTn>
-                              </p:par>
-                              <p:par>
-                                <p:cTn id="14" presetID="22" presetClass="entr" presetSubtype="4" fill="hold" grpId="0" nodeType="withEffect">
-                                  <p:stCondLst>
-                                    <p:cond delay="0"/>
-                                  </p:stCondLst>
-                                  <p:childTnLst>
-                                    <p:set>
-                                      <p:cBhvr>
-                                        <p:cTn id="15" dur="1" fill="hold">
-                                          <p:stCondLst>
-                                            <p:cond delay="0"/>
-                                          </p:stCondLst>
-                                        </p:cTn>
-                                        <p:tgtEl>
-                                          <p:spTgt spid="7"/>
-                                        </p:tgtEl>
-                                        <p:attrNameLst>
-                                          <p:attrName>style.visibility</p:attrName>
-                                        </p:attrNameLst>
-                                      </p:cBhvr>
-                                      <p:to>
-                                        <p:strVal val="visible"/>
-                                      </p:to>
-                                    </p:set>
-                                    <p:animEffect transition="in" filter="wipe(down)">
-                                      <p:cBhvr>
-                                        <p:cTn id="16" dur="500"/>
-                                        <p:tgtEl>
-                                          <p:spTgt spid="7"/>
-                                        </p:tgtEl>
-                                      </p:cBhvr>
-                                    </p:animEffect>
-                                  </p:childTnLst>
-                                </p:cTn>
-                              </p:par>
-                              <p:par>
-                                <p:cTn id="17" presetID="22" presetClass="entr" presetSubtype="4" fill="hold" grpId="0" nodeType="withEffect">
-                                  <p:stCondLst>
-                                    <p:cond delay="0"/>
-                                  </p:stCondLst>
-                                  <p:childTnLst>
-                                    <p:set>
-                                      <p:cBhvr>
-                                        <p:cTn id="18" dur="1" fill="hold">
-                                          <p:stCondLst>
-                                            <p:cond delay="0"/>
-                                          </p:stCondLst>
-                                        </p:cTn>
-                                        <p:tgtEl>
-                                          <p:spTgt spid="8"/>
-                                        </p:tgtEl>
-                                        <p:attrNameLst>
-                                          <p:attrName>style.visibility</p:attrName>
-                                        </p:attrNameLst>
-                                      </p:cBhvr>
-                                      <p:to>
-                                        <p:strVal val="visible"/>
-                                      </p:to>
-                                    </p:set>
-                                    <p:animEffect transition="in" filter="wipe(down)">
-                                      <p:cBhvr>
-                                        <p:cTn id="19" dur="500"/>
-                                        <p:tgtEl>
-                                          <p:spTgt spid="8"/>
-                                        </p:tgtEl>
-                                      </p:cBhvr>
-                                    </p:animEffect>
-                                  </p:childTnLst>
-                                </p:cTn>
-                              </p:par>
-                            </p:childTnLst>
-                          </p:cTn>
-                        </p:par>
-                      </p:childTnLst>
-                    </p:cTn>
-                  </p:par>
-                  <p:par>
-                    <p:cTn id="20" fill="hold">
-                      <p:stCondLst>
-                        <p:cond delay="indefinite"/>
-                      </p:stCondLst>
-                      <p:childTnLst>
-                        <p:par>
-                          <p:cTn id="21" fill="hold">
-                            <p:stCondLst>
-                              <p:cond delay="0"/>
-                            </p:stCondLst>
-                            <p:childTnLst>
-                              <p:par>
-                                <p:cTn id="22" presetID="22" presetClass="entr" presetSubtype="4" fill="hold" grpId="0" nodeType="clickEffect">
-                                  <p:stCondLst>
-                                    <p:cond delay="0"/>
-                                  </p:stCondLst>
-                                  <p:childTnLst>
-                                    <p:set>
-                                      <p:cBhvr>
-                                        <p:cTn id="23" dur="1" fill="hold">
-                                          <p:stCondLst>
-                                            <p:cond delay="0"/>
-                                          </p:stCondLst>
-                                        </p:cTn>
-                                        <p:tgtEl>
-                                          <p:spTgt spid="9"/>
-                                        </p:tgtEl>
-                                        <p:attrNameLst>
-                                          <p:attrName>style.visibility</p:attrName>
-                                        </p:attrNameLst>
-                                      </p:cBhvr>
-                                      <p:to>
-                                        <p:strVal val="visible"/>
-                                      </p:to>
-                                    </p:set>
-                                    <p:animEffect transition="in" filter="wipe(down)">
-                                      <p:cBhvr>
-                                        <p:cTn id="24" dur="500"/>
-                                        <p:tgtEl>
-                                          <p:spTgt spid="9"/>
-                                        </p:tgtEl>
-                                      </p:cBhvr>
-                                    </p:animEffect>
-                                  </p:childTnLst>
-                                </p:cTn>
-                              </p:par>
-                              <p:par>
-                                <p:cTn id="25" presetID="22" presetClass="entr" presetSubtype="4" fill="hold" grpId="0" nodeType="withEffect">
-                                  <p:stCondLst>
-                                    <p:cond delay="0"/>
-                                  </p:stCondLst>
-                                  <p:childTnLst>
-                                    <p:set>
-                                      <p:cBhvr>
-                                        <p:cTn id="26" dur="1" fill="hold">
-                                          <p:stCondLst>
-                                            <p:cond delay="0"/>
-                                          </p:stCondLst>
-                                        </p:cTn>
-                                        <p:tgtEl>
-                                          <p:spTgt spid="10"/>
-                                        </p:tgtEl>
-                                        <p:attrNameLst>
-                                          <p:attrName>style.visibility</p:attrName>
-                                        </p:attrNameLst>
-                                      </p:cBhvr>
-                                      <p:to>
-                                        <p:strVal val="visible"/>
-                                      </p:to>
-                                    </p:set>
-                                    <p:animEffect transition="in" filter="wipe(down)">
-                                      <p:cBhvr>
-                                        <p:cTn id="27" dur="500"/>
-                                        <p:tgtEl>
-                                          <p:spTgt spid="10"/>
-                                        </p:tgtEl>
-                                      </p:cBhvr>
-                                    </p:animEffect>
-                                  </p:childTnLst>
-                                </p:cTn>
-                              </p:par>
-                              <p:par>
-                                <p:cTn id="28" presetID="22" presetClass="entr" presetSubtype="4" fill="hold" grpId="0" nodeType="withEffect">
-                                  <p:stCondLst>
-                                    <p:cond delay="0"/>
-                                  </p:stCondLst>
-                                  <p:childTnLst>
-                                    <p:set>
-                                      <p:cBhvr>
-                                        <p:cTn id="29" dur="1" fill="hold">
-                                          <p:stCondLst>
-                                            <p:cond delay="0"/>
-                                          </p:stCondLst>
-                                        </p:cTn>
-                                        <p:tgtEl>
-                                          <p:spTgt spid="11"/>
-                                        </p:tgtEl>
-                                        <p:attrNameLst>
-                                          <p:attrName>style.visibility</p:attrName>
-                                        </p:attrNameLst>
-                                      </p:cBhvr>
-                                      <p:to>
-                                        <p:strVal val="visible"/>
-                                      </p:to>
-                                    </p:set>
-                                    <p:animEffect transition="in" filter="wipe(down)">
-                                      <p:cBhvr>
-                                        <p:cTn id="30" dur="500"/>
-                                        <p:tgtEl>
-                                          <p:spTgt spid="11"/>
-                                        </p:tgtEl>
-                                      </p:cBhvr>
-                                    </p:animEffect>
-                                  </p:childTnLst>
-                                </p:cTn>
-                              </p:par>
-                              <p:par>
-                                <p:cTn id="31" presetID="22" presetClass="entr" presetSubtype="4" fill="hold" grpId="0" nodeType="withEffect">
-                                  <p:stCondLst>
-                                    <p:cond delay="0"/>
-                                  </p:stCondLst>
-                                  <p:childTnLst>
-                                    <p:set>
-                                      <p:cBhvr>
-                                        <p:cTn id="32" dur="1" fill="hold">
-                                          <p:stCondLst>
-                                            <p:cond delay="0"/>
-                                          </p:stCondLst>
-                                        </p:cTn>
-                                        <p:tgtEl>
-                                          <p:spTgt spid="12"/>
-                                        </p:tgtEl>
-                                        <p:attrNameLst>
-                                          <p:attrName>style.visibility</p:attrName>
-                                        </p:attrNameLst>
-                                      </p:cBhvr>
-                                      <p:to>
-                                        <p:strVal val="visible"/>
-                                      </p:to>
-                                    </p:set>
-                                    <p:animEffect transition="in" filter="wipe(down)">
-                                      <p:cBhvr>
-                                        <p:cTn id="33" dur="500"/>
-                                        <p:tgtEl>
-                                          <p:spTgt spid="12"/>
-                                        </p:tgtEl>
-                                      </p:cBhvr>
-                                    </p:animEffect>
-                                  </p:childTnLst>
-                                </p:cTn>
-                              </p:par>
-                              <p:par>
-                                <p:cTn id="34" presetID="22" presetClass="entr" presetSubtype="4" fill="hold" grpId="0" nodeType="withEffect">
-                                  <p:stCondLst>
-                                    <p:cond delay="0"/>
-                                  </p:stCondLst>
-                                  <p:childTnLst>
-                                    <p:set>
-                                      <p:cBhvr>
-                                        <p:cTn id="35" dur="1" fill="hold">
-                                          <p:stCondLst>
-                                            <p:cond delay="0"/>
-                                          </p:stCondLst>
-                                        </p:cTn>
-                                        <p:tgtEl>
-                                          <p:spTgt spid="13"/>
-                                        </p:tgtEl>
-                                        <p:attrNameLst>
-                                          <p:attrName>style.visibility</p:attrName>
-                                        </p:attrNameLst>
-                                      </p:cBhvr>
-                                      <p:to>
-                                        <p:strVal val="visible"/>
-                                      </p:to>
-                                    </p:set>
-                                    <p:animEffect transition="in" filter="wipe(down)">
-                                      <p:cBhvr>
-                                        <p:cTn id="36" dur="500"/>
-                                        <p:tgtEl>
-                                          <p:spTgt spid="13"/>
-                                        </p:tgtEl>
-                                      </p:cBhvr>
-                                    </p:animEffect>
-                                  </p:childTnLst>
-                                </p:cTn>
-                              </p:par>
-                              <p:par>
-                                <p:cTn id="37" presetID="22" presetClass="entr" presetSubtype="4" fill="hold" nodeType="withEffect">
-                                  <p:stCondLst>
-                                    <p:cond delay="0"/>
-                                  </p:stCondLst>
-                                  <p:childTnLst>
-                                    <p:set>
-                                      <p:cBhvr>
-                                        <p:cTn id="38" dur="1" fill="hold">
-                                          <p:stCondLst>
-                                            <p:cond delay="0"/>
-                                          </p:stCondLst>
-                                        </p:cTn>
-                                        <p:tgtEl>
-                                          <p:spTgt spid="14"/>
-                                        </p:tgtEl>
-                                        <p:attrNameLst>
-                                          <p:attrName>style.visibility</p:attrName>
-                                        </p:attrNameLst>
-                                      </p:cBhvr>
-                                      <p:to>
-                                        <p:strVal val="visible"/>
-                                      </p:to>
-                                    </p:set>
-                                    <p:animEffect transition="in" filter="wipe(down)">
-                                      <p:cBhvr>
-                                        <p:cTn id="39" dur="500"/>
-                                        <p:tgtEl>
-                                          <p:spTgt spid="14"/>
-                                        </p:tgtEl>
-                                      </p:cBhvr>
-                                    </p:animEffect>
-                                  </p:childTnLst>
-                                </p:cTn>
-                              </p:par>
-                              <p:par>
-                                <p:cTn id="40" presetID="22" presetClass="entr" presetSubtype="4" fill="hold" nodeType="withEffect">
-                                  <p:stCondLst>
-                                    <p:cond delay="0"/>
-                                  </p:stCondLst>
-                                  <p:childTnLst>
-                                    <p:set>
-                                      <p:cBhvr>
-                                        <p:cTn id="41" dur="1" fill="hold">
-                                          <p:stCondLst>
-                                            <p:cond delay="0"/>
-                                          </p:stCondLst>
-                                        </p:cTn>
-                                        <p:tgtEl>
-                                          <p:spTgt spid="15"/>
-                                        </p:tgtEl>
-                                        <p:attrNameLst>
-                                          <p:attrName>style.visibility</p:attrName>
-                                        </p:attrNameLst>
-                                      </p:cBhvr>
-                                      <p:to>
-                                        <p:strVal val="visible"/>
-                                      </p:to>
-                                    </p:set>
-                                    <p:animEffect transition="in" filter="wipe(down)">
-                                      <p:cBhvr>
-                                        <p:cTn id="42" dur="500"/>
-                                        <p:tgtEl>
-                                          <p:spTgt spid="15"/>
-                                        </p:tgtEl>
-                                      </p:cBhvr>
-                                    </p:animEffect>
-                                  </p:childTnLst>
-                                </p:cTn>
-                              </p:par>
-                            </p:childTnLst>
-                          </p:cTn>
-                        </p:par>
-                      </p:childTnLst>
-                    </p:cTn>
-                  </p:par>
-                </p:childTnLst>
-              </p:cTn>
-              <p:prevCondLst>
-                <p:cond evt="onPrev" delay="0">
-                  <p:tgtEl>
-                    <p:sldTgt/>
-                  </p:tgtEl>
-                </p:cond>
-              </p:prevCondLst>
-              <p:nextCondLst>
-                <p:cond evt="onNext" delay="0">
-                  <p:tgtEl>
-                    <p:sldTgt/>
-                  </p:tgtEl>
-                </p:cond>
-              </p:nextCondLst>
-            </p:seq>
-          </p:childTnLst>
-        </p:cTn>
-      </p:par>
-    </p:tnLst>
-    <p:bldLst>
-      <p:bldP spid="4" grpId="0" animBg="1"/>
-      <p:bldP spid="5" grpId="0" animBg="1"/>
-      <p:bldP spid="6" grpId="0" animBg="1"/>
-      <p:bldP spid="7" grpId="0" animBg="1"/>
-      <p:bldP spid="8" grpId="0"/>
-      <p:bldP spid="9" grpId="0" animBg="1"/>
-      <p:bldP spid="10" grpId="0" animBg="1"/>
-      <p:bldP spid="11" grpId="0" animBg="1"/>
-      <p:bldP spid="12" grpId="0" animBg="1"/>
-      <p:bldP spid="13" grpId="0"/>
-    </p:bldLst>
-  </p:timing>
-</p:sld>
-</file>
-
-<file path=ppt/slides/slide16.xml><?xml version="1.0" encoding="utf-8"?>
-<p:sld xmlns:a="http://schemas.openxmlformats.org/drawingml/2006/main" xmlns:r="http://schemas.openxmlformats.org/officeDocument/2006/relationships" xmlns:p="http://schemas.openxmlformats.org/presentationml/2006/main">
-  <p:cSld>
-    <p:spTree>
-      <p:nvGrpSpPr>
-        <p:cNvPr id="1" name=""/>
-        <p:cNvGrpSpPr/>
-        <p:nvPr/>
-      </p:nvGrpSpPr>
-      <p:grpSpPr>
-        <a:xfrm>
-          <a:off x="0" y="0"/>
-          <a:ext cx="0" cy="0"/>
-          <a:chOff x="0" y="0"/>
-          <a:chExt cx="0" cy="0"/>
-        </a:xfrm>
-      </p:grpSpPr>
       <p:sp>
         <p:nvSpPr>
-          <p:cNvPr id="2" name="Title 1">
+          <p:cNvPr id="22" name="Rectangle: Rounded Corners 21">
             <a:extLst>
               <a:ext uri="{FF2B5EF4-FFF2-40B4-BE49-F238E27FC236}">
-                <a16:creationId xmlns:a16="http://schemas.microsoft.com/office/drawing/2014/main" id="{8EF7C616-F6E6-4590-B270-0D991D7030D3}"/>
-              </a:ext>
-            </a:extLst>
-          </p:cNvPr>
-          <p:cNvSpPr>
-            <a:spLocks noGrp="1"/>
-          </p:cNvSpPr>
-          <p:nvPr>
-            <p:ph type="title"/>
-          </p:nvPr>
-        </p:nvSpPr>
-        <p:spPr>
-          <a:xfrm>
-            <a:off x="838200" y="21074"/>
-            <a:ext cx="10515600" cy="1325563"/>
-          </a:xfrm>
-        </p:spPr>
-        <p:txBody>
-          <a:bodyPr/>
-          <a:lstStyle/>
-          <a:p>
-            <a:pPr algn="ctr"/>
-            <a:r>
-              <a:rPr lang="en-US" dirty="0"/>
-              <a:t>Some details in implementation</a:t>
-            </a:r>
-          </a:p>
-        </p:txBody>
-      </p:sp>
-      <p:sp>
-        <p:nvSpPr>
-          <p:cNvPr id="4" name="Rectangle 3">
-            <a:extLst>
-              <a:ext uri="{FF2B5EF4-FFF2-40B4-BE49-F238E27FC236}">
-                <a16:creationId xmlns:a16="http://schemas.microsoft.com/office/drawing/2014/main" id="{2E28203A-52CE-4CCA-BC6A-F562038C5B70}"/>
+                <a16:creationId xmlns:a16="http://schemas.microsoft.com/office/drawing/2014/main" id="{8C58E40F-F795-41AF-8061-09012AEA87BB}"/>
               </a:ext>
             </a:extLst>
           </p:cNvPr>
@@ -19964,20 +20044,12 @@
         </p:nvSpPr>
         <p:spPr>
           <a:xfrm>
-            <a:off x="2713518" y="1452883"/>
-            <a:ext cx="1362959" cy="658222"/>
+            <a:off x="863895" y="6278935"/>
+            <a:ext cx="832383" cy="461665"/>
           </a:xfrm>
-          <a:prstGeom prst="rect">
+          <a:prstGeom prst="roundRect">
             <a:avLst/>
           </a:prstGeom>
-          <a:solidFill>
-            <a:schemeClr val="bg1"/>
-          </a:solidFill>
-          <a:ln w="28575">
-            <a:solidFill>
-              <a:schemeClr val="accent1"/>
-            </a:solidFill>
-          </a:ln>
         </p:spPr>
         <p:style>
           <a:lnRef idx="2">
@@ -20001,22 +20073,18 @@
           <a:p>
             <a:pPr algn="ctr"/>
             <a:r>
-              <a:rPr lang="en-US" sz="2400" b="1" dirty="0">
-                <a:solidFill>
-                  <a:schemeClr val="tx1"/>
-                </a:solidFill>
-              </a:rPr>
-              <a:t>K-hop</a:t>
+              <a:rPr lang="en-US" dirty="0"/>
+              <a:t>…</a:t>
             </a:r>
           </a:p>
         </p:txBody>
       </p:sp>
       <p:sp>
         <p:nvSpPr>
-          <p:cNvPr id="5" name="Rectangle 4">
+          <p:cNvPr id="23" name="Oval 22">
             <a:extLst>
               <a:ext uri="{FF2B5EF4-FFF2-40B4-BE49-F238E27FC236}">
-                <a16:creationId xmlns:a16="http://schemas.microsoft.com/office/drawing/2014/main" id="{B4CE2FB0-947F-45CA-9947-946675B6168F}"/>
+                <a16:creationId xmlns:a16="http://schemas.microsoft.com/office/drawing/2014/main" id="{25DA775D-CB12-44D4-9D27-69A7004084F5}"/>
               </a:ext>
             </a:extLst>
           </p:cNvPr>
@@ -20025,18 +20093,16 @@
         </p:nvSpPr>
         <p:spPr>
           <a:xfrm>
-            <a:off x="8138462" y="1193113"/>
-            <a:ext cx="2264661" cy="872599"/>
+            <a:off x="2599270" y="6385827"/>
+            <a:ext cx="248777" cy="247880"/>
           </a:xfrm>
-          <a:prstGeom prst="rect">
+          <a:prstGeom prst="ellipse">
             <a:avLst/>
           </a:prstGeom>
-          <a:solidFill>
-            <a:schemeClr val="bg1"/>
-          </a:solidFill>
-          <a:ln w="28575">
+          <a:noFill/>
+          <a:ln w="38100">
             <a:solidFill>
-              <a:schemeClr val="accent1"/>
+              <a:srgbClr val="FF0000"/>
             </a:solidFill>
           </a:ln>
         </p:spPr>
@@ -20062,61 +20128,114 @@
           <a:p>
             <a:pPr algn="ctr"/>
             <a:r>
-              <a:rPr lang="en-US" sz="2400" b="1" dirty="0">
+              <a:rPr lang="en-US" dirty="0">
                 <a:solidFill>
-                  <a:schemeClr val="tx1"/>
+                  <a:srgbClr val="FF0000"/>
                 </a:solidFill>
               </a:rPr>
-              <a:t>Presenting graph</a:t>
+              <a:t>x</a:t>
             </a:r>
           </a:p>
         </p:txBody>
       </p:sp>
-      <p:cxnSp>
-        <p:nvCxnSpPr>
-          <p:cNvPr id="7" name="Straight Connector 6">
+      <p:sp>
+        <p:nvSpPr>
+          <p:cNvPr id="24" name="Plus Sign 23">
             <a:extLst>
               <a:ext uri="{FF2B5EF4-FFF2-40B4-BE49-F238E27FC236}">
-                <a16:creationId xmlns:a16="http://schemas.microsoft.com/office/drawing/2014/main" id="{6EBB269F-A676-4794-BDDA-4EFEF85496E9}"/>
+                <a16:creationId xmlns:a16="http://schemas.microsoft.com/office/drawing/2014/main" id="{BA0F55FB-08DC-4264-AF40-78C1AE6EEC96}"/>
               </a:ext>
             </a:extLst>
           </p:cNvPr>
-          <p:cNvCxnSpPr>
-            <a:cxnSpLocks/>
-            <a:stCxn id="2" idx="2"/>
-          </p:cNvCxnSpPr>
+          <p:cNvSpPr/>
           <p:nvPr/>
-        </p:nvCxnSpPr>
+        </p:nvSpPr>
         <p:spPr>
           <a:xfrm>
-            <a:off x="6096000" y="1346637"/>
-            <a:ext cx="0" cy="4860143"/>
+            <a:off x="2009562" y="6304700"/>
+            <a:ext cx="292627" cy="380539"/>
           </a:xfrm>
-          <a:prstGeom prst="line">
+          <a:prstGeom prst="mathPlus">
             <a:avLst/>
           </a:prstGeom>
         </p:spPr>
         <p:style>
-          <a:lnRef idx="1">
-            <a:schemeClr val="accent1"/>
+          <a:lnRef idx="2">
+            <a:schemeClr val="accent1">
+              <a:shade val="50000"/>
+            </a:schemeClr>
           </a:lnRef>
-          <a:fillRef idx="0">
+          <a:fillRef idx="1">
             <a:schemeClr val="accent1"/>
           </a:fillRef>
           <a:effectRef idx="0">
             <a:schemeClr val="accent1"/>
           </a:effectRef>
           <a:fontRef idx="minor">
-            <a:schemeClr val="tx1"/>
+            <a:schemeClr val="lt1"/>
           </a:fontRef>
         </p:style>
-      </p:cxnSp>
+        <p:txBody>
+          <a:bodyPr rtlCol="0" anchor="ctr"/>
+          <a:lstStyle/>
+          <a:p>
+            <a:pPr algn="ctr"/>
+            <a:endParaRPr lang="en-US"/>
+          </a:p>
+        </p:txBody>
+      </p:sp>
+      <p:sp>
+        <p:nvSpPr>
+          <p:cNvPr id="25" name="Arrow: Right 24">
+            <a:extLst>
+              <a:ext uri="{FF2B5EF4-FFF2-40B4-BE49-F238E27FC236}">
+                <a16:creationId xmlns:a16="http://schemas.microsoft.com/office/drawing/2014/main" id="{CBDC1D1D-AFE4-4523-A18B-69195307181B}"/>
+              </a:ext>
+            </a:extLst>
+          </p:cNvPr>
+          <p:cNvSpPr/>
+          <p:nvPr/>
+        </p:nvSpPr>
+        <p:spPr>
+          <a:xfrm>
+            <a:off x="3932563" y="6315907"/>
+            <a:ext cx="3515159" cy="369332"/>
+          </a:xfrm>
+          <a:prstGeom prst="rightArrow">
+            <a:avLst/>
+          </a:prstGeom>
+        </p:spPr>
+        <p:style>
+          <a:lnRef idx="2">
+            <a:schemeClr val="accent1">
+              <a:shade val="50000"/>
+            </a:schemeClr>
+          </a:lnRef>
+          <a:fillRef idx="1">
+            <a:schemeClr val="accent1"/>
+          </a:fillRef>
+          <a:effectRef idx="0">
+            <a:schemeClr val="accent1"/>
+          </a:effectRef>
+          <a:fontRef idx="minor">
+            <a:schemeClr val="lt1"/>
+          </a:fontRef>
+        </p:style>
+        <p:txBody>
+          <a:bodyPr rtlCol="0" anchor="ctr"/>
+          <a:lstStyle/>
+          <a:p>
+            <a:pPr algn="ctr"/>
+            <a:endParaRPr lang="en-US"/>
+          </a:p>
+        </p:txBody>
+      </p:sp>
       <p:grpSp>
         <p:nvGrpSpPr>
-          <p:cNvPr id="66" name="Group 65">
+          <p:cNvPr id="28" name="Group 27">
             <a:extLst>
               <a:ext uri="{FF2B5EF4-FFF2-40B4-BE49-F238E27FC236}">
-                <a16:creationId xmlns:a16="http://schemas.microsoft.com/office/drawing/2014/main" id="{75BCE5DF-458F-49C4-A811-D7E784614AD3}"/>
+                <a16:creationId xmlns:a16="http://schemas.microsoft.com/office/drawing/2014/main" id="{BD7BD5FE-C756-464C-8B88-6D468CA5D588}"/>
               </a:ext>
             </a:extLst>
           </p:cNvPr>
@@ -20125,18 +20244,54 @@
         </p:nvGrpSpPr>
         <p:grpSpPr>
           <a:xfrm>
-            <a:off x="1982409" y="2283511"/>
-            <a:ext cx="2324100" cy="1513981"/>
-            <a:chOff x="1346200" y="2573125"/>
-            <a:chExt cx="3095061" cy="2023510"/>
+            <a:off x="8064262" y="6213357"/>
+            <a:ext cx="832383" cy="527243"/>
+            <a:chOff x="8702716" y="5765737"/>
+            <a:chExt cx="1289558" cy="858143"/>
           </a:xfrm>
         </p:grpSpPr>
+        <p:pic>
+          <p:nvPicPr>
+            <p:cNvPr id="14" name="Picture 13">
+              <a:extLst>
+                <a:ext uri="{FF2B5EF4-FFF2-40B4-BE49-F238E27FC236}">
+                  <a16:creationId xmlns:a16="http://schemas.microsoft.com/office/drawing/2014/main" id="{80BD747F-0F85-422E-8206-A49B3A4BFFA3}"/>
+                </a:ext>
+              </a:extLst>
+            </p:cNvPr>
+            <p:cNvPicPr>
+              <a:picLocks noChangeAspect="1"/>
+            </p:cNvPicPr>
+            <p:nvPr/>
+          </p:nvPicPr>
+          <p:blipFill>
+            <a:blip r:embed="rId2">
+              <a:extLst>
+                <a:ext uri="{28A0092B-C50C-407E-A947-70E740481C1C}">
+                  <a14:useLocalDpi xmlns:a14="http://schemas.microsoft.com/office/drawing/2010/main" val="0"/>
+                </a:ext>
+              </a:extLst>
+            </a:blip>
+            <a:stretch>
+              <a:fillRect/>
+            </a:stretch>
+          </p:blipFill>
+          <p:spPr>
+            <a:xfrm>
+              <a:off x="8702716" y="5765737"/>
+              <a:ext cx="1289558" cy="858143"/>
+            </a:xfrm>
+            <a:prstGeom prst="rect">
+              <a:avLst/>
+            </a:prstGeom>
+          </p:spPr>
+        </p:pic>
         <p:sp>
           <p:nvSpPr>
-            <p:cNvPr id="8" name="Oval 7">
+            <p:cNvPr id="26" name="Oval 25">
               <a:extLst>
                 <a:ext uri="{FF2B5EF4-FFF2-40B4-BE49-F238E27FC236}">
-                  <a16:creationId xmlns:a16="http://schemas.microsoft.com/office/drawing/2014/main" id="{7C96E3CB-B98F-4B6C-BDD1-3D9B7FC65D5D}"/>
+                  <a16:creationId xmlns:a16="http://schemas.microsoft.com/office/drawing/2014/main" id="{EA7925D8-BF1E-44D6-B423-743C62FA2788}"/>
                 </a:ext>
               </a:extLst>
             </p:cNvPr>
@@ -20145,8 +20300,8 @@
           </p:nvSpPr>
           <p:spPr>
             <a:xfrm>
-              <a:off x="2037929" y="3027298"/>
-              <a:ext cx="331303" cy="331304"/>
+              <a:off x="9317163" y="6093981"/>
+              <a:ext cx="248777" cy="247880"/>
             </a:xfrm>
             <a:prstGeom prst="ellipse">
               <a:avLst/>
@@ -20190,12 +20345,69 @@
             </a:p>
           </p:txBody>
         </p:sp>
+      </p:grpSp>
+      <p:grpSp>
+        <p:nvGrpSpPr>
+          <p:cNvPr id="29" name="Group 28">
+            <a:extLst>
+              <a:ext uri="{FF2B5EF4-FFF2-40B4-BE49-F238E27FC236}">
+                <a16:creationId xmlns:a16="http://schemas.microsoft.com/office/drawing/2014/main" id="{15AB8995-0211-46CF-AC78-A9102FB77875}"/>
+              </a:ext>
+            </a:extLst>
+          </p:cNvPr>
+          <p:cNvGrpSpPr/>
+          <p:nvPr/>
+        </p:nvGrpSpPr>
+        <p:grpSpPr>
+          <a:xfrm>
+            <a:off x="9277112" y="6217345"/>
+            <a:ext cx="832383" cy="519266"/>
+            <a:chOff x="10401595" y="5757760"/>
+            <a:chExt cx="1289558" cy="858143"/>
+          </a:xfrm>
+        </p:grpSpPr>
+        <p:pic>
+          <p:nvPicPr>
+            <p:cNvPr id="15" name="Picture 14">
+              <a:extLst>
+                <a:ext uri="{FF2B5EF4-FFF2-40B4-BE49-F238E27FC236}">
+                  <a16:creationId xmlns:a16="http://schemas.microsoft.com/office/drawing/2014/main" id="{0FA19066-0A49-4455-A117-D4945DBB1BD4}"/>
+                </a:ext>
+              </a:extLst>
+            </p:cNvPr>
+            <p:cNvPicPr>
+              <a:picLocks noChangeAspect="1"/>
+            </p:cNvPicPr>
+            <p:nvPr/>
+          </p:nvPicPr>
+          <p:blipFill>
+            <a:blip r:embed="rId2">
+              <a:extLst>
+                <a:ext uri="{28A0092B-C50C-407E-A947-70E740481C1C}">
+                  <a14:useLocalDpi xmlns:a14="http://schemas.microsoft.com/office/drawing/2010/main" val="0"/>
+                </a:ext>
+              </a:extLst>
+            </a:blip>
+            <a:stretch>
+              <a:fillRect/>
+            </a:stretch>
+          </p:blipFill>
+          <p:spPr>
+            <a:xfrm>
+              <a:off x="10401595" y="5757760"/>
+              <a:ext cx="1289558" cy="858143"/>
+            </a:xfrm>
+            <a:prstGeom prst="rect">
+              <a:avLst/>
+            </a:prstGeom>
+          </p:spPr>
+        </p:pic>
         <p:sp>
           <p:nvSpPr>
-            <p:cNvPr id="9" name="Oval 8">
+            <p:cNvPr id="27" name="Oval 26">
               <a:extLst>
                 <a:ext uri="{FF2B5EF4-FFF2-40B4-BE49-F238E27FC236}">
-                  <a16:creationId xmlns:a16="http://schemas.microsoft.com/office/drawing/2014/main" id="{15756BF4-8F3D-4A7C-91E9-B4AA0356B016}"/>
+                  <a16:creationId xmlns:a16="http://schemas.microsoft.com/office/drawing/2014/main" id="{10587B45-411E-4086-9794-E2514578ADD6}"/>
                 </a:ext>
               </a:extLst>
             </p:cNvPr>
@@ -20204,60 +20416,8 @@
           </p:nvSpPr>
           <p:spPr>
             <a:xfrm>
-              <a:off x="2783091" y="3307785"/>
-              <a:ext cx="331303" cy="331304"/>
-            </a:xfrm>
-            <a:prstGeom prst="ellipse">
-              <a:avLst/>
-            </a:prstGeom>
-            <a:noFill/>
-            <a:ln w="38100">
-              <a:solidFill>
-                <a:schemeClr val="accent6"/>
-              </a:solidFill>
-            </a:ln>
-          </p:spPr>
-          <p:style>
-            <a:lnRef idx="2">
-              <a:schemeClr val="accent1">
-                <a:shade val="50000"/>
-              </a:schemeClr>
-            </a:lnRef>
-            <a:fillRef idx="1">
-              <a:schemeClr val="accent1"/>
-            </a:fillRef>
-            <a:effectRef idx="0">
-              <a:schemeClr val="accent1"/>
-            </a:effectRef>
-            <a:fontRef idx="minor">
-              <a:schemeClr val="lt1"/>
-            </a:fontRef>
-          </p:style>
-          <p:txBody>
-            <a:bodyPr rtlCol="0" anchor="ctr"/>
-            <a:lstStyle/>
-            <a:p>
-              <a:pPr algn="ctr"/>
-              <a:endParaRPr lang="en-US"/>
-            </a:p>
-          </p:txBody>
-        </p:sp>
-        <p:sp>
-          <p:nvSpPr>
-            <p:cNvPr id="10" name="Oval 9">
-              <a:extLst>
-                <a:ext uri="{FF2B5EF4-FFF2-40B4-BE49-F238E27FC236}">
-                  <a16:creationId xmlns:a16="http://schemas.microsoft.com/office/drawing/2014/main" id="{0C9CD638-7E1D-4E67-97B6-1D9AA681E1C2}"/>
-                </a:ext>
-              </a:extLst>
-            </p:cNvPr>
-            <p:cNvSpPr/>
-            <p:nvPr/>
-          </p:nvSpPr>
-          <p:spPr>
-            <a:xfrm>
-              <a:off x="4109958" y="4118315"/>
-              <a:ext cx="331303" cy="331304"/>
+              <a:off x="11047157" y="6096637"/>
+              <a:ext cx="248777" cy="247880"/>
             </a:xfrm>
             <a:prstGeom prst="ellipse">
               <a:avLst/>
@@ -20290,649 +20450,1980 @@
             <a:lstStyle/>
             <a:p>
               <a:pPr algn="ctr"/>
-              <a:endParaRPr lang="en-US"/>
+              <a:r>
+                <a:rPr lang="en-US" dirty="0">
+                  <a:solidFill>
+                    <a:srgbClr val="FF0000"/>
+                  </a:solidFill>
+                </a:rPr>
+                <a:t>x</a:t>
+              </a:r>
             </a:p>
           </p:txBody>
         </p:sp>
-        <p:sp>
-          <p:nvSpPr>
-            <p:cNvPr id="11" name="Oval 10">
-              <a:extLst>
-                <a:ext uri="{FF2B5EF4-FFF2-40B4-BE49-F238E27FC236}">
-                  <a16:creationId xmlns:a16="http://schemas.microsoft.com/office/drawing/2014/main" id="{C8AA99A2-9496-4BBC-BC5C-A0F673BF3493}"/>
-                </a:ext>
-              </a:extLst>
-            </p:cNvPr>
-            <p:cNvSpPr/>
-            <p:nvPr/>
-          </p:nvSpPr>
-          <p:spPr>
-            <a:xfrm>
-              <a:off x="3445697" y="3548547"/>
-              <a:ext cx="331303" cy="331304"/>
-            </a:xfrm>
-            <a:prstGeom prst="ellipse">
-              <a:avLst/>
-            </a:prstGeom>
-            <a:noFill/>
-            <a:ln w="38100">
-              <a:solidFill>
-                <a:schemeClr val="accent6"/>
-              </a:solidFill>
-            </a:ln>
-          </p:spPr>
-          <p:style>
-            <a:lnRef idx="2">
-              <a:schemeClr val="accent1">
-                <a:shade val="50000"/>
-              </a:schemeClr>
-            </a:lnRef>
-            <a:fillRef idx="1">
+      </p:grpSp>
+    </p:spTree>
+    <p:extLst>
+      <p:ext uri="{BB962C8B-B14F-4D97-AF65-F5344CB8AC3E}">
+        <p14:creationId xmlns:p14="http://schemas.microsoft.com/office/powerpoint/2010/main" val="1166608353"/>
+      </p:ext>
+    </p:extLst>
+  </p:cSld>
+  <p:clrMapOvr>
+    <a:masterClrMapping/>
+  </p:clrMapOvr>
+  <p:timing>
+    <p:tnLst>
+      <p:par>
+        <p:cTn id="1" dur="indefinite" restart="never" nodeType="tmRoot">
+          <p:childTnLst>
+            <p:seq concurrent="1" nextAc="seek">
+              <p:cTn id="2" dur="indefinite" nodeType="mainSeq">
+                <p:childTnLst>
+                  <p:par>
+                    <p:cTn id="3" fill="hold">
+                      <p:stCondLst>
+                        <p:cond delay="indefinite"/>
+                      </p:stCondLst>
+                      <p:childTnLst>
+                        <p:par>
+                          <p:cTn id="4" fill="hold">
+                            <p:stCondLst>
+                              <p:cond delay="0"/>
+                            </p:stCondLst>
+                            <p:childTnLst>
+                              <p:par>
+                                <p:cTn id="5" presetID="22" presetClass="entr" presetSubtype="4" fill="hold" grpId="0" nodeType="clickEffect">
+                                  <p:stCondLst>
+                                    <p:cond delay="0"/>
+                                  </p:stCondLst>
+                                  <p:childTnLst>
+                                    <p:set>
+                                      <p:cBhvr>
+                                        <p:cTn id="6" dur="1" fill="hold">
+                                          <p:stCondLst>
+                                            <p:cond delay="0"/>
+                                          </p:stCondLst>
+                                        </p:cTn>
+                                        <p:tgtEl>
+                                          <p:spTgt spid="4"/>
+                                        </p:tgtEl>
+                                        <p:attrNameLst>
+                                          <p:attrName>style.visibility</p:attrName>
+                                        </p:attrNameLst>
+                                      </p:cBhvr>
+                                      <p:to>
+                                        <p:strVal val="visible"/>
+                                      </p:to>
+                                    </p:set>
+                                    <p:animEffect transition="in" filter="wipe(down)">
+                                      <p:cBhvr>
+                                        <p:cTn id="7" dur="500"/>
+                                        <p:tgtEl>
+                                          <p:spTgt spid="4"/>
+                                        </p:tgtEl>
+                                      </p:cBhvr>
+                                    </p:animEffect>
+                                  </p:childTnLst>
+                                </p:cTn>
+                              </p:par>
+                              <p:par>
+                                <p:cTn id="8" presetID="22" presetClass="entr" presetSubtype="4" fill="hold" grpId="0" nodeType="withEffect">
+                                  <p:stCondLst>
+                                    <p:cond delay="0"/>
+                                  </p:stCondLst>
+                                  <p:childTnLst>
+                                    <p:set>
+                                      <p:cBhvr>
+                                        <p:cTn id="9" dur="1" fill="hold">
+                                          <p:stCondLst>
+                                            <p:cond delay="0"/>
+                                          </p:stCondLst>
+                                        </p:cTn>
+                                        <p:tgtEl>
+                                          <p:spTgt spid="5"/>
+                                        </p:tgtEl>
+                                        <p:attrNameLst>
+                                          <p:attrName>style.visibility</p:attrName>
+                                        </p:attrNameLst>
+                                      </p:cBhvr>
+                                      <p:to>
+                                        <p:strVal val="visible"/>
+                                      </p:to>
+                                    </p:set>
+                                    <p:animEffect transition="in" filter="wipe(down)">
+                                      <p:cBhvr>
+                                        <p:cTn id="10" dur="500"/>
+                                        <p:tgtEl>
+                                          <p:spTgt spid="5"/>
+                                        </p:tgtEl>
+                                      </p:cBhvr>
+                                    </p:animEffect>
+                                  </p:childTnLst>
+                                </p:cTn>
+                              </p:par>
+                              <p:par>
+                                <p:cTn id="11" presetID="22" presetClass="entr" presetSubtype="4" fill="hold" grpId="0" nodeType="withEffect">
+                                  <p:stCondLst>
+                                    <p:cond delay="0"/>
+                                  </p:stCondLst>
+                                  <p:childTnLst>
+                                    <p:set>
+                                      <p:cBhvr>
+                                        <p:cTn id="12" dur="1" fill="hold">
+                                          <p:stCondLst>
+                                            <p:cond delay="0"/>
+                                          </p:stCondLst>
+                                        </p:cTn>
+                                        <p:tgtEl>
+                                          <p:spTgt spid="6"/>
+                                        </p:tgtEl>
+                                        <p:attrNameLst>
+                                          <p:attrName>style.visibility</p:attrName>
+                                        </p:attrNameLst>
+                                      </p:cBhvr>
+                                      <p:to>
+                                        <p:strVal val="visible"/>
+                                      </p:to>
+                                    </p:set>
+                                    <p:animEffect transition="in" filter="wipe(down)">
+                                      <p:cBhvr>
+                                        <p:cTn id="13" dur="500"/>
+                                        <p:tgtEl>
+                                          <p:spTgt spid="6"/>
+                                        </p:tgtEl>
+                                      </p:cBhvr>
+                                    </p:animEffect>
+                                  </p:childTnLst>
+                                </p:cTn>
+                              </p:par>
+                              <p:par>
+                                <p:cTn id="14" presetID="22" presetClass="entr" presetSubtype="4" fill="hold" grpId="0" nodeType="withEffect">
+                                  <p:stCondLst>
+                                    <p:cond delay="0"/>
+                                  </p:stCondLst>
+                                  <p:childTnLst>
+                                    <p:set>
+                                      <p:cBhvr>
+                                        <p:cTn id="15" dur="1" fill="hold">
+                                          <p:stCondLst>
+                                            <p:cond delay="0"/>
+                                          </p:stCondLst>
+                                        </p:cTn>
+                                        <p:tgtEl>
+                                          <p:spTgt spid="7"/>
+                                        </p:tgtEl>
+                                        <p:attrNameLst>
+                                          <p:attrName>style.visibility</p:attrName>
+                                        </p:attrNameLst>
+                                      </p:cBhvr>
+                                      <p:to>
+                                        <p:strVal val="visible"/>
+                                      </p:to>
+                                    </p:set>
+                                    <p:animEffect transition="in" filter="wipe(down)">
+                                      <p:cBhvr>
+                                        <p:cTn id="16" dur="500"/>
+                                        <p:tgtEl>
+                                          <p:spTgt spid="7"/>
+                                        </p:tgtEl>
+                                      </p:cBhvr>
+                                    </p:animEffect>
+                                  </p:childTnLst>
+                                </p:cTn>
+                              </p:par>
+                              <p:par>
+                                <p:cTn id="17" presetID="22" presetClass="entr" presetSubtype="4" fill="hold" grpId="0" nodeType="withEffect">
+                                  <p:stCondLst>
+                                    <p:cond delay="0"/>
+                                  </p:stCondLst>
+                                  <p:childTnLst>
+                                    <p:set>
+                                      <p:cBhvr>
+                                        <p:cTn id="18" dur="1" fill="hold">
+                                          <p:stCondLst>
+                                            <p:cond delay="0"/>
+                                          </p:stCondLst>
+                                        </p:cTn>
+                                        <p:tgtEl>
+                                          <p:spTgt spid="8"/>
+                                        </p:tgtEl>
+                                        <p:attrNameLst>
+                                          <p:attrName>style.visibility</p:attrName>
+                                        </p:attrNameLst>
+                                      </p:cBhvr>
+                                      <p:to>
+                                        <p:strVal val="visible"/>
+                                      </p:to>
+                                    </p:set>
+                                    <p:animEffect transition="in" filter="wipe(down)">
+                                      <p:cBhvr>
+                                        <p:cTn id="19" dur="500"/>
+                                        <p:tgtEl>
+                                          <p:spTgt spid="8"/>
+                                        </p:tgtEl>
+                                      </p:cBhvr>
+                                    </p:animEffect>
+                                  </p:childTnLst>
+                                </p:cTn>
+                              </p:par>
+                            </p:childTnLst>
+                          </p:cTn>
+                        </p:par>
+                      </p:childTnLst>
+                    </p:cTn>
+                  </p:par>
+                  <p:par>
+                    <p:cTn id="20" fill="hold">
+                      <p:stCondLst>
+                        <p:cond delay="indefinite"/>
+                      </p:stCondLst>
+                      <p:childTnLst>
+                        <p:par>
+                          <p:cTn id="21" fill="hold">
+                            <p:stCondLst>
+                              <p:cond delay="0"/>
+                            </p:stCondLst>
+                            <p:childTnLst>
+                              <p:par>
+                                <p:cTn id="22" presetID="22" presetClass="entr" presetSubtype="4" fill="hold" grpId="0" nodeType="clickEffect">
+                                  <p:stCondLst>
+                                    <p:cond delay="0"/>
+                                  </p:stCondLst>
+                                  <p:childTnLst>
+                                    <p:set>
+                                      <p:cBhvr>
+                                        <p:cTn id="23" dur="1" fill="hold">
+                                          <p:stCondLst>
+                                            <p:cond delay="0"/>
+                                          </p:stCondLst>
+                                        </p:cTn>
+                                        <p:tgtEl>
+                                          <p:spTgt spid="9"/>
+                                        </p:tgtEl>
+                                        <p:attrNameLst>
+                                          <p:attrName>style.visibility</p:attrName>
+                                        </p:attrNameLst>
+                                      </p:cBhvr>
+                                      <p:to>
+                                        <p:strVal val="visible"/>
+                                      </p:to>
+                                    </p:set>
+                                    <p:animEffect transition="in" filter="wipe(down)">
+                                      <p:cBhvr>
+                                        <p:cTn id="24" dur="500"/>
+                                        <p:tgtEl>
+                                          <p:spTgt spid="9"/>
+                                        </p:tgtEl>
+                                      </p:cBhvr>
+                                    </p:animEffect>
+                                  </p:childTnLst>
+                                </p:cTn>
+                              </p:par>
+                              <p:par>
+                                <p:cTn id="25" presetID="22" presetClass="entr" presetSubtype="4" fill="hold" grpId="0" nodeType="withEffect">
+                                  <p:stCondLst>
+                                    <p:cond delay="0"/>
+                                  </p:stCondLst>
+                                  <p:childTnLst>
+                                    <p:set>
+                                      <p:cBhvr>
+                                        <p:cTn id="26" dur="1" fill="hold">
+                                          <p:stCondLst>
+                                            <p:cond delay="0"/>
+                                          </p:stCondLst>
+                                        </p:cTn>
+                                        <p:tgtEl>
+                                          <p:spTgt spid="10"/>
+                                        </p:tgtEl>
+                                        <p:attrNameLst>
+                                          <p:attrName>style.visibility</p:attrName>
+                                        </p:attrNameLst>
+                                      </p:cBhvr>
+                                      <p:to>
+                                        <p:strVal val="visible"/>
+                                      </p:to>
+                                    </p:set>
+                                    <p:animEffect transition="in" filter="wipe(down)">
+                                      <p:cBhvr>
+                                        <p:cTn id="27" dur="500"/>
+                                        <p:tgtEl>
+                                          <p:spTgt spid="10"/>
+                                        </p:tgtEl>
+                                      </p:cBhvr>
+                                    </p:animEffect>
+                                  </p:childTnLst>
+                                </p:cTn>
+                              </p:par>
+                              <p:par>
+                                <p:cTn id="28" presetID="22" presetClass="entr" presetSubtype="4" fill="hold" grpId="0" nodeType="withEffect">
+                                  <p:stCondLst>
+                                    <p:cond delay="0"/>
+                                  </p:stCondLst>
+                                  <p:childTnLst>
+                                    <p:set>
+                                      <p:cBhvr>
+                                        <p:cTn id="29" dur="1" fill="hold">
+                                          <p:stCondLst>
+                                            <p:cond delay="0"/>
+                                          </p:stCondLst>
+                                        </p:cTn>
+                                        <p:tgtEl>
+                                          <p:spTgt spid="11"/>
+                                        </p:tgtEl>
+                                        <p:attrNameLst>
+                                          <p:attrName>style.visibility</p:attrName>
+                                        </p:attrNameLst>
+                                      </p:cBhvr>
+                                      <p:to>
+                                        <p:strVal val="visible"/>
+                                      </p:to>
+                                    </p:set>
+                                    <p:animEffect transition="in" filter="wipe(down)">
+                                      <p:cBhvr>
+                                        <p:cTn id="30" dur="500"/>
+                                        <p:tgtEl>
+                                          <p:spTgt spid="11"/>
+                                        </p:tgtEl>
+                                      </p:cBhvr>
+                                    </p:animEffect>
+                                  </p:childTnLst>
+                                </p:cTn>
+                              </p:par>
+                              <p:par>
+                                <p:cTn id="31" presetID="22" presetClass="entr" presetSubtype="4" fill="hold" grpId="0" nodeType="withEffect">
+                                  <p:stCondLst>
+                                    <p:cond delay="0"/>
+                                  </p:stCondLst>
+                                  <p:childTnLst>
+                                    <p:set>
+                                      <p:cBhvr>
+                                        <p:cTn id="32" dur="1" fill="hold">
+                                          <p:stCondLst>
+                                            <p:cond delay="0"/>
+                                          </p:stCondLst>
+                                        </p:cTn>
+                                        <p:tgtEl>
+                                          <p:spTgt spid="12"/>
+                                        </p:tgtEl>
+                                        <p:attrNameLst>
+                                          <p:attrName>style.visibility</p:attrName>
+                                        </p:attrNameLst>
+                                      </p:cBhvr>
+                                      <p:to>
+                                        <p:strVal val="visible"/>
+                                      </p:to>
+                                    </p:set>
+                                    <p:animEffect transition="in" filter="wipe(down)">
+                                      <p:cBhvr>
+                                        <p:cTn id="33" dur="500"/>
+                                        <p:tgtEl>
+                                          <p:spTgt spid="12"/>
+                                        </p:tgtEl>
+                                      </p:cBhvr>
+                                    </p:animEffect>
+                                  </p:childTnLst>
+                                </p:cTn>
+                              </p:par>
+                              <p:par>
+                                <p:cTn id="34" presetID="22" presetClass="entr" presetSubtype="4" fill="hold" grpId="0" nodeType="withEffect">
+                                  <p:stCondLst>
+                                    <p:cond delay="0"/>
+                                  </p:stCondLst>
+                                  <p:childTnLst>
+                                    <p:set>
+                                      <p:cBhvr>
+                                        <p:cTn id="35" dur="1" fill="hold">
+                                          <p:stCondLst>
+                                            <p:cond delay="0"/>
+                                          </p:stCondLst>
+                                        </p:cTn>
+                                        <p:tgtEl>
+                                          <p:spTgt spid="13"/>
+                                        </p:tgtEl>
+                                        <p:attrNameLst>
+                                          <p:attrName>style.visibility</p:attrName>
+                                        </p:attrNameLst>
+                                      </p:cBhvr>
+                                      <p:to>
+                                        <p:strVal val="visible"/>
+                                      </p:to>
+                                    </p:set>
+                                    <p:animEffect transition="in" filter="wipe(down)">
+                                      <p:cBhvr>
+                                        <p:cTn id="36" dur="500"/>
+                                        <p:tgtEl>
+                                          <p:spTgt spid="13"/>
+                                        </p:tgtEl>
+                                      </p:cBhvr>
+                                    </p:animEffect>
+                                  </p:childTnLst>
+                                </p:cTn>
+                              </p:par>
+                            </p:childTnLst>
+                          </p:cTn>
+                        </p:par>
+                      </p:childTnLst>
+                    </p:cTn>
+                  </p:par>
+                  <p:par>
+                    <p:cTn id="37" fill="hold">
+                      <p:stCondLst>
+                        <p:cond delay="indefinite"/>
+                      </p:stCondLst>
+                      <p:childTnLst>
+                        <p:par>
+                          <p:cTn id="38" fill="hold">
+                            <p:stCondLst>
+                              <p:cond delay="0"/>
+                            </p:stCondLst>
+                            <p:childTnLst>
+                              <p:par>
+                                <p:cTn id="39" presetID="42" presetClass="entr" presetSubtype="0" fill="hold" grpId="0" nodeType="clickEffect">
+                                  <p:stCondLst>
+                                    <p:cond delay="0"/>
+                                  </p:stCondLst>
+                                  <p:childTnLst>
+                                    <p:set>
+                                      <p:cBhvr>
+                                        <p:cTn id="40" dur="1" fill="hold">
+                                          <p:stCondLst>
+                                            <p:cond delay="0"/>
+                                          </p:stCondLst>
+                                        </p:cTn>
+                                        <p:tgtEl>
+                                          <p:spTgt spid="22"/>
+                                        </p:tgtEl>
+                                        <p:attrNameLst>
+                                          <p:attrName>style.visibility</p:attrName>
+                                        </p:attrNameLst>
+                                      </p:cBhvr>
+                                      <p:to>
+                                        <p:strVal val="visible"/>
+                                      </p:to>
+                                    </p:set>
+                                    <p:animEffect transition="in" filter="fade">
+                                      <p:cBhvr>
+                                        <p:cTn id="41" dur="1000"/>
+                                        <p:tgtEl>
+                                          <p:spTgt spid="22"/>
+                                        </p:tgtEl>
+                                      </p:cBhvr>
+                                    </p:animEffect>
+                                    <p:anim calcmode="lin" valueType="num">
+                                      <p:cBhvr>
+                                        <p:cTn id="42" dur="1000" fill="hold"/>
+                                        <p:tgtEl>
+                                          <p:spTgt spid="22"/>
+                                        </p:tgtEl>
+                                        <p:attrNameLst>
+                                          <p:attrName>ppt_x</p:attrName>
+                                        </p:attrNameLst>
+                                      </p:cBhvr>
+                                      <p:tavLst>
+                                        <p:tav tm="0">
+                                          <p:val>
+                                            <p:strVal val="#ppt_x"/>
+                                          </p:val>
+                                        </p:tav>
+                                        <p:tav tm="100000">
+                                          <p:val>
+                                            <p:strVal val="#ppt_x"/>
+                                          </p:val>
+                                        </p:tav>
+                                      </p:tavLst>
+                                    </p:anim>
+                                    <p:anim calcmode="lin" valueType="num">
+                                      <p:cBhvr>
+                                        <p:cTn id="43" dur="1000" fill="hold"/>
+                                        <p:tgtEl>
+                                          <p:spTgt spid="22"/>
+                                        </p:tgtEl>
+                                        <p:attrNameLst>
+                                          <p:attrName>ppt_y</p:attrName>
+                                        </p:attrNameLst>
+                                      </p:cBhvr>
+                                      <p:tavLst>
+                                        <p:tav tm="0">
+                                          <p:val>
+                                            <p:strVal val="#ppt_y+.1"/>
+                                          </p:val>
+                                        </p:tav>
+                                        <p:tav tm="100000">
+                                          <p:val>
+                                            <p:strVal val="#ppt_y"/>
+                                          </p:val>
+                                        </p:tav>
+                                      </p:tavLst>
+                                    </p:anim>
+                                  </p:childTnLst>
+                                </p:cTn>
+                              </p:par>
+                              <p:par>
+                                <p:cTn id="44" presetID="42" presetClass="entr" presetSubtype="0" fill="hold" grpId="0" nodeType="withEffect">
+                                  <p:stCondLst>
+                                    <p:cond delay="0"/>
+                                  </p:stCondLst>
+                                  <p:childTnLst>
+                                    <p:set>
+                                      <p:cBhvr>
+                                        <p:cTn id="45" dur="1" fill="hold">
+                                          <p:stCondLst>
+                                            <p:cond delay="0"/>
+                                          </p:stCondLst>
+                                        </p:cTn>
+                                        <p:tgtEl>
+                                          <p:spTgt spid="23"/>
+                                        </p:tgtEl>
+                                        <p:attrNameLst>
+                                          <p:attrName>style.visibility</p:attrName>
+                                        </p:attrNameLst>
+                                      </p:cBhvr>
+                                      <p:to>
+                                        <p:strVal val="visible"/>
+                                      </p:to>
+                                    </p:set>
+                                    <p:animEffect transition="in" filter="fade">
+                                      <p:cBhvr>
+                                        <p:cTn id="46" dur="1000"/>
+                                        <p:tgtEl>
+                                          <p:spTgt spid="23"/>
+                                        </p:tgtEl>
+                                      </p:cBhvr>
+                                    </p:animEffect>
+                                    <p:anim calcmode="lin" valueType="num">
+                                      <p:cBhvr>
+                                        <p:cTn id="47" dur="1000" fill="hold"/>
+                                        <p:tgtEl>
+                                          <p:spTgt spid="23"/>
+                                        </p:tgtEl>
+                                        <p:attrNameLst>
+                                          <p:attrName>ppt_x</p:attrName>
+                                        </p:attrNameLst>
+                                      </p:cBhvr>
+                                      <p:tavLst>
+                                        <p:tav tm="0">
+                                          <p:val>
+                                            <p:strVal val="#ppt_x"/>
+                                          </p:val>
+                                        </p:tav>
+                                        <p:tav tm="100000">
+                                          <p:val>
+                                            <p:strVal val="#ppt_x"/>
+                                          </p:val>
+                                        </p:tav>
+                                      </p:tavLst>
+                                    </p:anim>
+                                    <p:anim calcmode="lin" valueType="num">
+                                      <p:cBhvr>
+                                        <p:cTn id="48" dur="1000" fill="hold"/>
+                                        <p:tgtEl>
+                                          <p:spTgt spid="23"/>
+                                        </p:tgtEl>
+                                        <p:attrNameLst>
+                                          <p:attrName>ppt_y</p:attrName>
+                                        </p:attrNameLst>
+                                      </p:cBhvr>
+                                      <p:tavLst>
+                                        <p:tav tm="0">
+                                          <p:val>
+                                            <p:strVal val="#ppt_y+.1"/>
+                                          </p:val>
+                                        </p:tav>
+                                        <p:tav tm="100000">
+                                          <p:val>
+                                            <p:strVal val="#ppt_y"/>
+                                          </p:val>
+                                        </p:tav>
+                                      </p:tavLst>
+                                    </p:anim>
+                                  </p:childTnLst>
+                                </p:cTn>
+                              </p:par>
+                              <p:par>
+                                <p:cTn id="49" presetID="42" presetClass="entr" presetSubtype="0" fill="hold" grpId="0" nodeType="withEffect">
+                                  <p:stCondLst>
+                                    <p:cond delay="0"/>
+                                  </p:stCondLst>
+                                  <p:childTnLst>
+                                    <p:set>
+                                      <p:cBhvr>
+                                        <p:cTn id="50" dur="1" fill="hold">
+                                          <p:stCondLst>
+                                            <p:cond delay="0"/>
+                                          </p:stCondLst>
+                                        </p:cTn>
+                                        <p:tgtEl>
+                                          <p:spTgt spid="24"/>
+                                        </p:tgtEl>
+                                        <p:attrNameLst>
+                                          <p:attrName>style.visibility</p:attrName>
+                                        </p:attrNameLst>
+                                      </p:cBhvr>
+                                      <p:to>
+                                        <p:strVal val="visible"/>
+                                      </p:to>
+                                    </p:set>
+                                    <p:animEffect transition="in" filter="fade">
+                                      <p:cBhvr>
+                                        <p:cTn id="51" dur="1000"/>
+                                        <p:tgtEl>
+                                          <p:spTgt spid="24"/>
+                                        </p:tgtEl>
+                                      </p:cBhvr>
+                                    </p:animEffect>
+                                    <p:anim calcmode="lin" valueType="num">
+                                      <p:cBhvr>
+                                        <p:cTn id="52" dur="1000" fill="hold"/>
+                                        <p:tgtEl>
+                                          <p:spTgt spid="24"/>
+                                        </p:tgtEl>
+                                        <p:attrNameLst>
+                                          <p:attrName>ppt_x</p:attrName>
+                                        </p:attrNameLst>
+                                      </p:cBhvr>
+                                      <p:tavLst>
+                                        <p:tav tm="0">
+                                          <p:val>
+                                            <p:strVal val="#ppt_x"/>
+                                          </p:val>
+                                        </p:tav>
+                                        <p:tav tm="100000">
+                                          <p:val>
+                                            <p:strVal val="#ppt_x"/>
+                                          </p:val>
+                                        </p:tav>
+                                      </p:tavLst>
+                                    </p:anim>
+                                    <p:anim calcmode="lin" valueType="num">
+                                      <p:cBhvr>
+                                        <p:cTn id="53" dur="1000" fill="hold"/>
+                                        <p:tgtEl>
+                                          <p:spTgt spid="24"/>
+                                        </p:tgtEl>
+                                        <p:attrNameLst>
+                                          <p:attrName>ppt_y</p:attrName>
+                                        </p:attrNameLst>
+                                      </p:cBhvr>
+                                      <p:tavLst>
+                                        <p:tav tm="0">
+                                          <p:val>
+                                            <p:strVal val="#ppt_y+.1"/>
+                                          </p:val>
+                                        </p:tav>
+                                        <p:tav tm="100000">
+                                          <p:val>
+                                            <p:strVal val="#ppt_y"/>
+                                          </p:val>
+                                        </p:tav>
+                                      </p:tavLst>
+                                    </p:anim>
+                                  </p:childTnLst>
+                                </p:cTn>
+                              </p:par>
+                              <p:par>
+                                <p:cTn id="54" presetID="42" presetClass="entr" presetSubtype="0" fill="hold" grpId="0" nodeType="withEffect">
+                                  <p:stCondLst>
+                                    <p:cond delay="0"/>
+                                  </p:stCondLst>
+                                  <p:childTnLst>
+                                    <p:set>
+                                      <p:cBhvr>
+                                        <p:cTn id="55" dur="1" fill="hold">
+                                          <p:stCondLst>
+                                            <p:cond delay="0"/>
+                                          </p:stCondLst>
+                                        </p:cTn>
+                                        <p:tgtEl>
+                                          <p:spTgt spid="25"/>
+                                        </p:tgtEl>
+                                        <p:attrNameLst>
+                                          <p:attrName>style.visibility</p:attrName>
+                                        </p:attrNameLst>
+                                      </p:cBhvr>
+                                      <p:to>
+                                        <p:strVal val="visible"/>
+                                      </p:to>
+                                    </p:set>
+                                    <p:animEffect transition="in" filter="fade">
+                                      <p:cBhvr>
+                                        <p:cTn id="56" dur="1000"/>
+                                        <p:tgtEl>
+                                          <p:spTgt spid="25"/>
+                                        </p:tgtEl>
+                                      </p:cBhvr>
+                                    </p:animEffect>
+                                    <p:anim calcmode="lin" valueType="num">
+                                      <p:cBhvr>
+                                        <p:cTn id="57" dur="1000" fill="hold"/>
+                                        <p:tgtEl>
+                                          <p:spTgt spid="25"/>
+                                        </p:tgtEl>
+                                        <p:attrNameLst>
+                                          <p:attrName>ppt_x</p:attrName>
+                                        </p:attrNameLst>
+                                      </p:cBhvr>
+                                      <p:tavLst>
+                                        <p:tav tm="0">
+                                          <p:val>
+                                            <p:strVal val="#ppt_x"/>
+                                          </p:val>
+                                        </p:tav>
+                                        <p:tav tm="100000">
+                                          <p:val>
+                                            <p:strVal val="#ppt_x"/>
+                                          </p:val>
+                                        </p:tav>
+                                      </p:tavLst>
+                                    </p:anim>
+                                    <p:anim calcmode="lin" valueType="num">
+                                      <p:cBhvr>
+                                        <p:cTn id="58" dur="1000" fill="hold"/>
+                                        <p:tgtEl>
+                                          <p:spTgt spid="25"/>
+                                        </p:tgtEl>
+                                        <p:attrNameLst>
+                                          <p:attrName>ppt_y</p:attrName>
+                                        </p:attrNameLst>
+                                      </p:cBhvr>
+                                      <p:tavLst>
+                                        <p:tav tm="0">
+                                          <p:val>
+                                            <p:strVal val="#ppt_y+.1"/>
+                                          </p:val>
+                                        </p:tav>
+                                        <p:tav tm="100000">
+                                          <p:val>
+                                            <p:strVal val="#ppt_y"/>
+                                          </p:val>
+                                        </p:tav>
+                                      </p:tavLst>
+                                    </p:anim>
+                                  </p:childTnLst>
+                                </p:cTn>
+                              </p:par>
+                              <p:par>
+                                <p:cTn id="59" presetID="42" presetClass="entr" presetSubtype="0" fill="hold" nodeType="withEffect">
+                                  <p:stCondLst>
+                                    <p:cond delay="0"/>
+                                  </p:stCondLst>
+                                  <p:childTnLst>
+                                    <p:set>
+                                      <p:cBhvr>
+                                        <p:cTn id="60" dur="1" fill="hold">
+                                          <p:stCondLst>
+                                            <p:cond delay="0"/>
+                                          </p:stCondLst>
+                                        </p:cTn>
+                                        <p:tgtEl>
+                                          <p:spTgt spid="28"/>
+                                        </p:tgtEl>
+                                        <p:attrNameLst>
+                                          <p:attrName>style.visibility</p:attrName>
+                                        </p:attrNameLst>
+                                      </p:cBhvr>
+                                      <p:to>
+                                        <p:strVal val="visible"/>
+                                      </p:to>
+                                    </p:set>
+                                    <p:animEffect transition="in" filter="fade">
+                                      <p:cBhvr>
+                                        <p:cTn id="61" dur="1000"/>
+                                        <p:tgtEl>
+                                          <p:spTgt spid="28"/>
+                                        </p:tgtEl>
+                                      </p:cBhvr>
+                                    </p:animEffect>
+                                    <p:anim calcmode="lin" valueType="num">
+                                      <p:cBhvr>
+                                        <p:cTn id="62" dur="1000" fill="hold"/>
+                                        <p:tgtEl>
+                                          <p:spTgt spid="28"/>
+                                        </p:tgtEl>
+                                        <p:attrNameLst>
+                                          <p:attrName>ppt_x</p:attrName>
+                                        </p:attrNameLst>
+                                      </p:cBhvr>
+                                      <p:tavLst>
+                                        <p:tav tm="0">
+                                          <p:val>
+                                            <p:strVal val="#ppt_x"/>
+                                          </p:val>
+                                        </p:tav>
+                                        <p:tav tm="100000">
+                                          <p:val>
+                                            <p:strVal val="#ppt_x"/>
+                                          </p:val>
+                                        </p:tav>
+                                      </p:tavLst>
+                                    </p:anim>
+                                    <p:anim calcmode="lin" valueType="num">
+                                      <p:cBhvr>
+                                        <p:cTn id="63" dur="1000" fill="hold"/>
+                                        <p:tgtEl>
+                                          <p:spTgt spid="28"/>
+                                        </p:tgtEl>
+                                        <p:attrNameLst>
+                                          <p:attrName>ppt_y</p:attrName>
+                                        </p:attrNameLst>
+                                      </p:cBhvr>
+                                      <p:tavLst>
+                                        <p:tav tm="0">
+                                          <p:val>
+                                            <p:strVal val="#ppt_y+.1"/>
+                                          </p:val>
+                                        </p:tav>
+                                        <p:tav tm="100000">
+                                          <p:val>
+                                            <p:strVal val="#ppt_y"/>
+                                          </p:val>
+                                        </p:tav>
+                                      </p:tavLst>
+                                    </p:anim>
+                                  </p:childTnLst>
+                                </p:cTn>
+                              </p:par>
+                              <p:par>
+                                <p:cTn id="64" presetID="42" presetClass="entr" presetSubtype="0" fill="hold" nodeType="withEffect">
+                                  <p:stCondLst>
+                                    <p:cond delay="0"/>
+                                  </p:stCondLst>
+                                  <p:childTnLst>
+                                    <p:set>
+                                      <p:cBhvr>
+                                        <p:cTn id="65" dur="1" fill="hold">
+                                          <p:stCondLst>
+                                            <p:cond delay="0"/>
+                                          </p:stCondLst>
+                                        </p:cTn>
+                                        <p:tgtEl>
+                                          <p:spTgt spid="29"/>
+                                        </p:tgtEl>
+                                        <p:attrNameLst>
+                                          <p:attrName>style.visibility</p:attrName>
+                                        </p:attrNameLst>
+                                      </p:cBhvr>
+                                      <p:to>
+                                        <p:strVal val="visible"/>
+                                      </p:to>
+                                    </p:set>
+                                    <p:animEffect transition="in" filter="fade">
+                                      <p:cBhvr>
+                                        <p:cTn id="66" dur="1000"/>
+                                        <p:tgtEl>
+                                          <p:spTgt spid="29"/>
+                                        </p:tgtEl>
+                                      </p:cBhvr>
+                                    </p:animEffect>
+                                    <p:anim calcmode="lin" valueType="num">
+                                      <p:cBhvr>
+                                        <p:cTn id="67" dur="1000" fill="hold"/>
+                                        <p:tgtEl>
+                                          <p:spTgt spid="29"/>
+                                        </p:tgtEl>
+                                        <p:attrNameLst>
+                                          <p:attrName>ppt_x</p:attrName>
+                                        </p:attrNameLst>
+                                      </p:cBhvr>
+                                      <p:tavLst>
+                                        <p:tav tm="0">
+                                          <p:val>
+                                            <p:strVal val="#ppt_x"/>
+                                          </p:val>
+                                        </p:tav>
+                                        <p:tav tm="100000">
+                                          <p:val>
+                                            <p:strVal val="#ppt_x"/>
+                                          </p:val>
+                                        </p:tav>
+                                      </p:tavLst>
+                                    </p:anim>
+                                    <p:anim calcmode="lin" valueType="num">
+                                      <p:cBhvr>
+                                        <p:cTn id="68" dur="1000" fill="hold"/>
+                                        <p:tgtEl>
+                                          <p:spTgt spid="29"/>
+                                        </p:tgtEl>
+                                        <p:attrNameLst>
+                                          <p:attrName>ppt_y</p:attrName>
+                                        </p:attrNameLst>
+                                      </p:cBhvr>
+                                      <p:tavLst>
+                                        <p:tav tm="0">
+                                          <p:val>
+                                            <p:strVal val="#ppt_y+.1"/>
+                                          </p:val>
+                                        </p:tav>
+                                        <p:tav tm="100000">
+                                          <p:val>
+                                            <p:strVal val="#ppt_y"/>
+                                          </p:val>
+                                        </p:tav>
+                                      </p:tavLst>
+                                    </p:anim>
+                                  </p:childTnLst>
+                                </p:cTn>
+                              </p:par>
+                            </p:childTnLst>
+                          </p:cTn>
+                        </p:par>
+                      </p:childTnLst>
+                    </p:cTn>
+                  </p:par>
+                </p:childTnLst>
+              </p:cTn>
+              <p:prevCondLst>
+                <p:cond evt="onPrev" delay="0">
+                  <p:tgtEl>
+                    <p:sldTgt/>
+                  </p:tgtEl>
+                </p:cond>
+              </p:prevCondLst>
+              <p:nextCondLst>
+                <p:cond evt="onNext" delay="0">
+                  <p:tgtEl>
+                    <p:sldTgt/>
+                  </p:tgtEl>
+                </p:cond>
+              </p:nextCondLst>
+            </p:seq>
+          </p:childTnLst>
+        </p:cTn>
+      </p:par>
+    </p:tnLst>
+    <p:bldLst>
+      <p:bldP spid="4" grpId="0" animBg="1"/>
+      <p:bldP spid="5" grpId="0" animBg="1"/>
+      <p:bldP spid="6" grpId="0" animBg="1"/>
+      <p:bldP spid="7" grpId="0" animBg="1"/>
+      <p:bldP spid="8" grpId="0"/>
+      <p:bldP spid="9" grpId="0" animBg="1"/>
+      <p:bldP spid="10" grpId="0" animBg="1"/>
+      <p:bldP spid="11" grpId="0" animBg="1"/>
+      <p:bldP spid="12" grpId="0" animBg="1"/>
+      <p:bldP spid="13" grpId="0"/>
+      <p:bldP spid="22" grpId="0" animBg="1"/>
+      <p:bldP spid="23" grpId="0" animBg="1"/>
+      <p:bldP spid="24" grpId="0" animBg="1"/>
+      <p:bldP spid="25" grpId="0" animBg="1"/>
+    </p:bldLst>
+  </p:timing>
+</p:sld>
+</file>
+
+<file path=ppt/slides/slide16.xml><?xml version="1.0" encoding="utf-8"?>
+<p:sld xmlns:a="http://schemas.openxmlformats.org/drawingml/2006/main" xmlns:r="http://schemas.openxmlformats.org/officeDocument/2006/relationships" xmlns:p="http://schemas.openxmlformats.org/presentationml/2006/main">
+  <p:cSld>
+    <p:spTree>
+      <p:nvGrpSpPr>
+        <p:cNvPr id="1" name=""/>
+        <p:cNvGrpSpPr/>
+        <p:nvPr/>
+      </p:nvGrpSpPr>
+      <p:grpSpPr>
+        <a:xfrm>
+          <a:off x="0" y="0"/>
+          <a:ext cx="0" cy="0"/>
+          <a:chOff x="0" y="0"/>
+          <a:chExt cx="0" cy="0"/>
+        </a:xfrm>
+      </p:grpSpPr>
+      <p:sp>
+        <p:nvSpPr>
+          <p:cNvPr id="2" name="Title 1">
+            <a:extLst>
+              <a:ext uri="{FF2B5EF4-FFF2-40B4-BE49-F238E27FC236}">
+                <a16:creationId xmlns:a16="http://schemas.microsoft.com/office/drawing/2014/main" id="{8EF7C616-F6E6-4590-B270-0D991D7030D3}"/>
+              </a:ext>
+            </a:extLst>
+          </p:cNvPr>
+          <p:cNvSpPr>
+            <a:spLocks noGrp="1"/>
+          </p:cNvSpPr>
+          <p:nvPr>
+            <p:ph type="title"/>
+          </p:nvPr>
+        </p:nvSpPr>
+        <p:spPr>
+          <a:xfrm>
+            <a:off x="838200" y="21074"/>
+            <a:ext cx="10515600" cy="1325563"/>
+          </a:xfrm>
+        </p:spPr>
+        <p:txBody>
+          <a:bodyPr/>
+          <a:lstStyle/>
+          <a:p>
+            <a:pPr algn="ctr"/>
+            <a:r>
+              <a:rPr lang="en-US" dirty="0"/>
+              <a:t>Some details in implementation</a:t>
+            </a:r>
+          </a:p>
+        </p:txBody>
+      </p:sp>
+      <p:sp>
+        <p:nvSpPr>
+          <p:cNvPr id="4" name="Rectangle 3">
+            <a:extLst>
+              <a:ext uri="{FF2B5EF4-FFF2-40B4-BE49-F238E27FC236}">
+                <a16:creationId xmlns:a16="http://schemas.microsoft.com/office/drawing/2014/main" id="{2E28203A-52CE-4CCA-BC6A-F562038C5B70}"/>
+              </a:ext>
+            </a:extLst>
+          </p:cNvPr>
+          <p:cNvSpPr/>
+          <p:nvPr/>
+        </p:nvSpPr>
+        <p:spPr>
+          <a:xfrm>
+            <a:off x="2713518" y="1452883"/>
+            <a:ext cx="1362959" cy="658222"/>
+          </a:xfrm>
+          <a:prstGeom prst="rect">
+            <a:avLst/>
+          </a:prstGeom>
+          <a:solidFill>
+            <a:schemeClr val="bg1"/>
+          </a:solidFill>
+          <a:ln w="28575">
+            <a:solidFill>
               <a:schemeClr val="accent1"/>
-            </a:fillRef>
-            <a:effectRef idx="0">
+            </a:solidFill>
+          </a:ln>
+        </p:spPr>
+        <p:style>
+          <a:lnRef idx="2">
+            <a:schemeClr val="accent1">
+              <a:shade val="50000"/>
+            </a:schemeClr>
+          </a:lnRef>
+          <a:fillRef idx="1">
+            <a:schemeClr val="accent1"/>
+          </a:fillRef>
+          <a:effectRef idx="0">
+            <a:schemeClr val="accent1"/>
+          </a:effectRef>
+          <a:fontRef idx="minor">
+            <a:schemeClr val="lt1"/>
+          </a:fontRef>
+        </p:style>
+        <p:txBody>
+          <a:bodyPr rtlCol="0" anchor="ctr"/>
+          <a:lstStyle/>
+          <a:p>
+            <a:pPr algn="ctr"/>
+            <a:r>
+              <a:rPr lang="en-US" sz="2400" b="1" dirty="0">
+                <a:solidFill>
+                  <a:schemeClr val="tx1"/>
+                </a:solidFill>
+              </a:rPr>
+              <a:t>K-hop</a:t>
+            </a:r>
+          </a:p>
+        </p:txBody>
+      </p:sp>
+      <p:sp>
+        <p:nvSpPr>
+          <p:cNvPr id="5" name="Rectangle 4">
+            <a:extLst>
+              <a:ext uri="{FF2B5EF4-FFF2-40B4-BE49-F238E27FC236}">
+                <a16:creationId xmlns:a16="http://schemas.microsoft.com/office/drawing/2014/main" id="{B4CE2FB0-947F-45CA-9947-946675B6168F}"/>
+              </a:ext>
+            </a:extLst>
+          </p:cNvPr>
+          <p:cNvSpPr/>
+          <p:nvPr/>
+        </p:nvSpPr>
+        <p:spPr>
+          <a:xfrm>
+            <a:off x="8138462" y="1193113"/>
+            <a:ext cx="2264661" cy="872599"/>
+          </a:xfrm>
+          <a:prstGeom prst="rect">
+            <a:avLst/>
+          </a:prstGeom>
+          <a:solidFill>
+            <a:schemeClr val="bg1"/>
+          </a:solidFill>
+          <a:ln w="28575">
+            <a:solidFill>
               <a:schemeClr val="accent1"/>
-            </a:effectRef>
-            <a:fontRef idx="minor">
-              <a:schemeClr val="lt1"/>
-            </a:fontRef>
-          </p:style>
-          <p:txBody>
-            <a:bodyPr rtlCol="0" anchor="ctr"/>
-            <a:lstStyle/>
-            <a:p>
-              <a:pPr algn="ctr"/>
-              <a:endParaRPr lang="en-US"/>
-            </a:p>
-          </p:txBody>
-        </p:sp>
-        <p:sp>
-          <p:nvSpPr>
-            <p:cNvPr id="12" name="Oval 11">
-              <a:extLst>
-                <a:ext uri="{FF2B5EF4-FFF2-40B4-BE49-F238E27FC236}">
-                  <a16:creationId xmlns:a16="http://schemas.microsoft.com/office/drawing/2014/main" id="{8CAF6010-F839-4134-92DA-1C5691B5C6E9}"/>
-                </a:ext>
-              </a:extLst>
-            </p:cNvPr>
-            <p:cNvSpPr/>
-            <p:nvPr/>
-          </p:nvSpPr>
-          <p:spPr>
-            <a:xfrm>
-              <a:off x="1346200" y="3453810"/>
-              <a:ext cx="331303" cy="331304"/>
-            </a:xfrm>
-            <a:prstGeom prst="ellipse">
-              <a:avLst/>
-            </a:prstGeom>
-            <a:noFill/>
-            <a:ln w="38100">
-              <a:solidFill>
-                <a:srgbClr val="FF0000"/>
-              </a:solidFill>
-            </a:ln>
-          </p:spPr>
-          <p:style>
-            <a:lnRef idx="2">
-              <a:schemeClr val="accent1">
-                <a:shade val="50000"/>
-              </a:schemeClr>
-            </a:lnRef>
-            <a:fillRef idx="1">
-              <a:schemeClr val="accent1"/>
-            </a:fillRef>
-            <a:effectRef idx="0">
-              <a:schemeClr val="accent1"/>
-            </a:effectRef>
-            <a:fontRef idx="minor">
-              <a:schemeClr val="lt1"/>
-            </a:fontRef>
-          </p:style>
-          <p:txBody>
-            <a:bodyPr rtlCol="0" anchor="ctr"/>
-            <a:lstStyle/>
-            <a:p>
-              <a:pPr algn="ctr"/>
-              <a:endParaRPr lang="en-US"/>
-            </a:p>
-          </p:txBody>
-        </p:sp>
-        <p:sp>
-          <p:nvSpPr>
-            <p:cNvPr id="13" name="Oval 12">
-              <a:extLst>
-                <a:ext uri="{FF2B5EF4-FFF2-40B4-BE49-F238E27FC236}">
-                  <a16:creationId xmlns:a16="http://schemas.microsoft.com/office/drawing/2014/main" id="{7876F8D3-0991-4305-AE63-D40F13DF59E0}"/>
-                </a:ext>
-              </a:extLst>
-            </p:cNvPr>
-            <p:cNvSpPr/>
-            <p:nvPr/>
-          </p:nvSpPr>
-          <p:spPr>
-            <a:xfrm>
-              <a:off x="2867275" y="4265331"/>
-              <a:ext cx="331303" cy="331304"/>
-            </a:xfrm>
-            <a:prstGeom prst="ellipse">
-              <a:avLst/>
-            </a:prstGeom>
-            <a:noFill/>
-            <a:ln w="38100">
-              <a:solidFill>
-                <a:schemeClr val="accent6"/>
-              </a:solidFill>
-            </a:ln>
-          </p:spPr>
-          <p:style>
-            <a:lnRef idx="2">
-              <a:schemeClr val="accent1">
-                <a:shade val="50000"/>
-              </a:schemeClr>
-            </a:lnRef>
-            <a:fillRef idx="1">
-              <a:schemeClr val="accent1"/>
-            </a:fillRef>
-            <a:effectRef idx="0">
-              <a:schemeClr val="accent1"/>
-            </a:effectRef>
-            <a:fontRef idx="minor">
-              <a:schemeClr val="lt1"/>
-            </a:fontRef>
-          </p:style>
-          <p:txBody>
-            <a:bodyPr rtlCol="0" anchor="ctr"/>
-            <a:lstStyle/>
-            <a:p>
-              <a:pPr algn="ctr"/>
-              <a:endParaRPr lang="en-US"/>
-            </a:p>
-          </p:txBody>
-        </p:sp>
-        <p:sp>
-          <p:nvSpPr>
-            <p:cNvPr id="14" name="Oval 13">
-              <a:extLst>
-                <a:ext uri="{FF2B5EF4-FFF2-40B4-BE49-F238E27FC236}">
-                  <a16:creationId xmlns:a16="http://schemas.microsoft.com/office/drawing/2014/main" id="{C5D88C81-F6BA-4EB3-BAE7-A0062830BA0D}"/>
-                </a:ext>
-              </a:extLst>
-            </p:cNvPr>
-            <p:cNvSpPr/>
-            <p:nvPr/>
-          </p:nvSpPr>
-          <p:spPr>
-            <a:xfrm>
-              <a:off x="3635160" y="2573125"/>
-              <a:ext cx="331303" cy="331304"/>
-            </a:xfrm>
-            <a:prstGeom prst="ellipse">
-              <a:avLst/>
-            </a:prstGeom>
-            <a:noFill/>
-            <a:ln w="38100">
-              <a:solidFill>
-                <a:srgbClr val="FF0000"/>
-              </a:solidFill>
-            </a:ln>
-          </p:spPr>
-          <p:style>
-            <a:lnRef idx="2">
-              <a:schemeClr val="accent1">
-                <a:shade val="50000"/>
-              </a:schemeClr>
-            </a:lnRef>
-            <a:fillRef idx="1">
-              <a:schemeClr val="accent1"/>
-            </a:fillRef>
-            <a:effectRef idx="0">
-              <a:schemeClr val="accent1"/>
-            </a:effectRef>
-            <a:fontRef idx="minor">
-              <a:schemeClr val="lt1"/>
-            </a:fontRef>
-          </p:style>
-          <p:txBody>
-            <a:bodyPr rtlCol="0" anchor="ctr"/>
-            <a:lstStyle/>
-            <a:p>
-              <a:pPr algn="ctr"/>
-              <a:endParaRPr lang="en-US"/>
-            </a:p>
-          </p:txBody>
-        </p:sp>
-        <p:sp>
-          <p:nvSpPr>
-            <p:cNvPr id="15" name="Oval 14">
-              <a:extLst>
-                <a:ext uri="{FF2B5EF4-FFF2-40B4-BE49-F238E27FC236}">
-                  <a16:creationId xmlns:a16="http://schemas.microsoft.com/office/drawing/2014/main" id="{818B2134-E47E-4B61-BC98-69109AA23AA9}"/>
-                </a:ext>
-              </a:extLst>
-            </p:cNvPr>
-            <p:cNvSpPr/>
-            <p:nvPr/>
-          </p:nvSpPr>
-          <p:spPr>
-            <a:xfrm>
-              <a:off x="1955896" y="3958252"/>
-              <a:ext cx="331303" cy="331304"/>
-            </a:xfrm>
-            <a:prstGeom prst="ellipse">
-              <a:avLst/>
-            </a:prstGeom>
-            <a:noFill/>
-            <a:ln w="38100">
-              <a:solidFill>
-                <a:schemeClr val="accent6"/>
-              </a:solidFill>
-            </a:ln>
-          </p:spPr>
-          <p:style>
-            <a:lnRef idx="2">
-              <a:schemeClr val="accent1">
-                <a:shade val="50000"/>
-              </a:schemeClr>
-            </a:lnRef>
-            <a:fillRef idx="1">
-              <a:schemeClr val="accent1"/>
-            </a:fillRef>
-            <a:effectRef idx="0">
-              <a:schemeClr val="accent1"/>
-            </a:effectRef>
-            <a:fontRef idx="minor">
-              <a:schemeClr val="lt1"/>
-            </a:fontRef>
-          </p:style>
-          <p:txBody>
-            <a:bodyPr rtlCol="0" anchor="ctr"/>
-            <a:lstStyle/>
-            <a:p>
-              <a:pPr algn="ctr"/>
-              <a:endParaRPr lang="en-US"/>
-            </a:p>
-          </p:txBody>
-        </p:sp>
-        <p:cxnSp>
-          <p:nvCxnSpPr>
-            <p:cNvPr id="16" name="Straight Connector 15">
-              <a:extLst>
-                <a:ext uri="{FF2B5EF4-FFF2-40B4-BE49-F238E27FC236}">
-                  <a16:creationId xmlns:a16="http://schemas.microsoft.com/office/drawing/2014/main" id="{737C1A6B-118E-4D60-B95B-CDB7B16A53B2}"/>
-                </a:ext>
-              </a:extLst>
-            </p:cNvPr>
-            <p:cNvCxnSpPr>
-              <a:cxnSpLocks/>
-              <a:stCxn id="9" idx="4"/>
-              <a:endCxn id="13" idx="0"/>
-            </p:cNvCxnSpPr>
-            <p:nvPr/>
-          </p:nvCxnSpPr>
-          <p:spPr>
-            <a:xfrm>
-              <a:off x="2948743" y="3639089"/>
-              <a:ext cx="84184" cy="626242"/>
-            </a:xfrm>
-            <a:prstGeom prst="line">
-              <a:avLst/>
-            </a:prstGeom>
-          </p:spPr>
-          <p:style>
-            <a:lnRef idx="1">
-              <a:schemeClr val="accent1"/>
-            </a:lnRef>
-            <a:fillRef idx="0">
-              <a:schemeClr val="accent1"/>
-            </a:fillRef>
-            <a:effectRef idx="0">
-              <a:schemeClr val="accent1"/>
-            </a:effectRef>
-            <a:fontRef idx="minor">
-              <a:schemeClr val="tx1"/>
-            </a:fontRef>
-          </p:style>
-        </p:cxnSp>
-        <p:cxnSp>
-          <p:nvCxnSpPr>
-            <p:cNvPr id="17" name="Straight Connector 16">
-              <a:extLst>
-                <a:ext uri="{FF2B5EF4-FFF2-40B4-BE49-F238E27FC236}">
-                  <a16:creationId xmlns:a16="http://schemas.microsoft.com/office/drawing/2014/main" id="{7EB43209-99D4-455B-9D8E-5FDCF54B2DB8}"/>
-                </a:ext>
-              </a:extLst>
-            </p:cNvPr>
-            <p:cNvCxnSpPr>
-              <a:stCxn id="8" idx="5"/>
-              <a:endCxn id="14" idx="3"/>
-            </p:cNvCxnSpPr>
-            <p:nvPr/>
-          </p:nvCxnSpPr>
-          <p:spPr>
-            <a:xfrm flipV="1">
-              <a:off x="2320714" y="2855911"/>
-              <a:ext cx="1362964" cy="454173"/>
-            </a:xfrm>
-            <a:prstGeom prst="line">
-              <a:avLst/>
-            </a:prstGeom>
-            <a:ln>
-              <a:solidFill>
-                <a:srgbClr val="FF0000"/>
-              </a:solidFill>
-            </a:ln>
-          </p:spPr>
-          <p:style>
-            <a:lnRef idx="1">
-              <a:schemeClr val="accent1"/>
-            </a:lnRef>
-            <a:fillRef idx="0">
-              <a:schemeClr val="accent1"/>
-            </a:fillRef>
-            <a:effectRef idx="0">
-              <a:schemeClr val="accent1"/>
-            </a:effectRef>
-            <a:fontRef idx="minor">
-              <a:schemeClr val="tx1"/>
-            </a:fontRef>
-          </p:style>
-        </p:cxnSp>
-        <p:cxnSp>
-          <p:nvCxnSpPr>
-            <p:cNvPr id="18" name="Straight Connector 17">
-              <a:extLst>
-                <a:ext uri="{FF2B5EF4-FFF2-40B4-BE49-F238E27FC236}">
-                  <a16:creationId xmlns:a16="http://schemas.microsoft.com/office/drawing/2014/main" id="{8F95654A-0066-4CC9-93D2-3147B153B520}"/>
-                </a:ext>
-              </a:extLst>
-            </p:cNvPr>
-            <p:cNvCxnSpPr>
-              <a:stCxn id="14" idx="5"/>
-              <a:endCxn id="10" idx="0"/>
-            </p:cNvCxnSpPr>
-            <p:nvPr/>
-          </p:nvCxnSpPr>
-          <p:spPr>
-            <a:xfrm>
-              <a:off x="3917945" y="2855911"/>
-              <a:ext cx="357665" cy="1262404"/>
-            </a:xfrm>
-            <a:prstGeom prst="line">
-              <a:avLst/>
-            </a:prstGeom>
-            <a:ln>
-              <a:solidFill>
-                <a:srgbClr val="FF0000"/>
-              </a:solidFill>
-            </a:ln>
-          </p:spPr>
-          <p:style>
-            <a:lnRef idx="1">
-              <a:schemeClr val="accent1"/>
-            </a:lnRef>
-            <a:fillRef idx="0">
-              <a:schemeClr val="accent1"/>
-            </a:fillRef>
-            <a:effectRef idx="0">
-              <a:schemeClr val="accent1"/>
-            </a:effectRef>
-            <a:fontRef idx="minor">
-              <a:schemeClr val="tx1"/>
-            </a:fontRef>
-          </p:style>
-        </p:cxnSp>
-        <p:cxnSp>
-          <p:nvCxnSpPr>
-            <p:cNvPr id="19" name="Straight Connector 18">
-              <a:extLst>
-                <a:ext uri="{FF2B5EF4-FFF2-40B4-BE49-F238E27FC236}">
-                  <a16:creationId xmlns:a16="http://schemas.microsoft.com/office/drawing/2014/main" id="{01D5E5CE-3E02-4895-8F8C-85C4B77DEED0}"/>
-                </a:ext>
-              </a:extLst>
-            </p:cNvPr>
-            <p:cNvCxnSpPr>
-              <a:stCxn id="12" idx="7"/>
-              <a:endCxn id="8" idx="4"/>
-            </p:cNvCxnSpPr>
-            <p:nvPr/>
-          </p:nvCxnSpPr>
-          <p:spPr>
-            <a:xfrm flipV="1">
-              <a:off x="1628985" y="3358602"/>
-              <a:ext cx="574596" cy="143726"/>
-            </a:xfrm>
-            <a:prstGeom prst="line">
-              <a:avLst/>
-            </a:prstGeom>
-            <a:ln>
-              <a:solidFill>
-                <a:srgbClr val="FF0000"/>
-              </a:solidFill>
-            </a:ln>
-          </p:spPr>
-          <p:style>
-            <a:lnRef idx="1">
-              <a:schemeClr val="accent1"/>
-            </a:lnRef>
-            <a:fillRef idx="0">
-              <a:schemeClr val="accent1"/>
-            </a:fillRef>
-            <a:effectRef idx="0">
-              <a:schemeClr val="accent1"/>
-            </a:effectRef>
-            <a:fontRef idx="minor">
-              <a:schemeClr val="tx1"/>
-            </a:fontRef>
-          </p:style>
-        </p:cxnSp>
-        <p:cxnSp>
-          <p:nvCxnSpPr>
-            <p:cNvPr id="20" name="Straight Connector 19">
-              <a:extLst>
-                <a:ext uri="{FF2B5EF4-FFF2-40B4-BE49-F238E27FC236}">
-                  <a16:creationId xmlns:a16="http://schemas.microsoft.com/office/drawing/2014/main" id="{BE504B03-3B7D-4EEF-BFDC-EBF95E3E0A8D}"/>
-                </a:ext>
-              </a:extLst>
-            </p:cNvPr>
-            <p:cNvCxnSpPr>
-              <a:cxnSpLocks/>
-              <a:stCxn id="12" idx="5"/>
-              <a:endCxn id="15" idx="2"/>
-            </p:cNvCxnSpPr>
-            <p:nvPr/>
-          </p:nvCxnSpPr>
-          <p:spPr>
-            <a:xfrm>
-              <a:off x="1628985" y="3736596"/>
-              <a:ext cx="326911" cy="387308"/>
-            </a:xfrm>
-            <a:prstGeom prst="line">
-              <a:avLst/>
-            </a:prstGeom>
-            <a:ln>
-              <a:solidFill>
-                <a:srgbClr val="FF0000"/>
-              </a:solidFill>
-            </a:ln>
-          </p:spPr>
-          <p:style>
-            <a:lnRef idx="1">
-              <a:schemeClr val="accent1"/>
-            </a:lnRef>
-            <a:fillRef idx="0">
-              <a:schemeClr val="accent1"/>
-            </a:fillRef>
-            <a:effectRef idx="0">
-              <a:schemeClr val="accent1"/>
-            </a:effectRef>
-            <a:fontRef idx="minor">
-              <a:schemeClr val="tx1"/>
-            </a:fontRef>
-          </p:style>
-        </p:cxnSp>
-        <p:cxnSp>
-          <p:nvCxnSpPr>
-            <p:cNvPr id="21" name="Straight Connector 20">
-              <a:extLst>
-                <a:ext uri="{FF2B5EF4-FFF2-40B4-BE49-F238E27FC236}">
-                  <a16:creationId xmlns:a16="http://schemas.microsoft.com/office/drawing/2014/main" id="{EF565A21-1DF1-4CD6-B6A6-37294521602D}"/>
-                </a:ext>
-              </a:extLst>
-            </p:cNvPr>
-            <p:cNvCxnSpPr>
-              <a:stCxn id="13" idx="6"/>
-              <a:endCxn id="10" idx="2"/>
-            </p:cNvCxnSpPr>
-            <p:nvPr/>
-          </p:nvCxnSpPr>
-          <p:spPr>
-            <a:xfrm flipV="1">
-              <a:off x="3198578" y="4283967"/>
-              <a:ext cx="911380" cy="147016"/>
-            </a:xfrm>
-            <a:prstGeom prst="line">
-              <a:avLst/>
-            </a:prstGeom>
-          </p:spPr>
-          <p:style>
-            <a:lnRef idx="1">
-              <a:schemeClr val="accent1"/>
-            </a:lnRef>
-            <a:fillRef idx="0">
-              <a:schemeClr val="accent1"/>
-            </a:fillRef>
-            <a:effectRef idx="0">
-              <a:schemeClr val="accent1"/>
-            </a:effectRef>
-            <a:fontRef idx="minor">
-              <a:schemeClr val="tx1"/>
-            </a:fontRef>
-          </p:style>
-        </p:cxnSp>
-        <p:cxnSp>
-          <p:nvCxnSpPr>
-            <p:cNvPr id="22" name="Straight Connector 21">
-              <a:extLst>
-                <a:ext uri="{FF2B5EF4-FFF2-40B4-BE49-F238E27FC236}">
-                  <a16:creationId xmlns:a16="http://schemas.microsoft.com/office/drawing/2014/main" id="{8978D44E-37F2-45A8-8975-2D704F674DA7}"/>
-                </a:ext>
-              </a:extLst>
-            </p:cNvPr>
-            <p:cNvCxnSpPr>
-              <a:stCxn id="11" idx="6"/>
-              <a:endCxn id="14" idx="2"/>
-            </p:cNvCxnSpPr>
-            <p:nvPr/>
-          </p:nvCxnSpPr>
-          <p:spPr>
-            <a:xfrm flipH="1" flipV="1">
-              <a:off x="3635160" y="2738777"/>
-              <a:ext cx="141840" cy="975422"/>
-            </a:xfrm>
-            <a:prstGeom prst="line">
-              <a:avLst/>
-            </a:prstGeom>
-            <a:ln>
-              <a:solidFill>
-                <a:srgbClr val="FF0000"/>
-              </a:solidFill>
-            </a:ln>
-          </p:spPr>
-          <p:style>
-            <a:lnRef idx="1">
-              <a:schemeClr val="accent1"/>
-            </a:lnRef>
-            <a:fillRef idx="0">
-              <a:schemeClr val="accent1"/>
-            </a:fillRef>
-            <a:effectRef idx="0">
-              <a:schemeClr val="accent1"/>
-            </a:effectRef>
-            <a:fontRef idx="minor">
-              <a:schemeClr val="tx1"/>
-            </a:fontRef>
-          </p:style>
-        </p:cxnSp>
-        <p:cxnSp>
-          <p:nvCxnSpPr>
-            <p:cNvPr id="23" name="Straight Connector 22">
-              <a:extLst>
-                <a:ext uri="{FF2B5EF4-FFF2-40B4-BE49-F238E27FC236}">
-                  <a16:creationId xmlns:a16="http://schemas.microsoft.com/office/drawing/2014/main" id="{9BA7FDB7-884F-4CAC-8F6A-2E02EA2D9C8C}"/>
-                </a:ext>
-              </a:extLst>
-            </p:cNvPr>
-            <p:cNvCxnSpPr>
-              <a:stCxn id="11" idx="1"/>
-              <a:endCxn id="9" idx="5"/>
-            </p:cNvCxnSpPr>
-            <p:nvPr/>
-          </p:nvCxnSpPr>
-          <p:spPr>
-            <a:xfrm flipH="1" flipV="1">
-              <a:off x="3065876" y="3590571"/>
-              <a:ext cx="428339" cy="6494"/>
-            </a:xfrm>
-            <a:prstGeom prst="line">
-              <a:avLst/>
-            </a:prstGeom>
-          </p:spPr>
-          <p:style>
-            <a:lnRef idx="1">
-              <a:schemeClr val="accent1"/>
-            </a:lnRef>
-            <a:fillRef idx="0">
-              <a:schemeClr val="accent1"/>
-            </a:fillRef>
-            <a:effectRef idx="0">
-              <a:schemeClr val="accent1"/>
-            </a:effectRef>
-            <a:fontRef idx="minor">
-              <a:schemeClr val="tx1"/>
-            </a:fontRef>
-          </p:style>
-        </p:cxnSp>
-        <p:cxnSp>
-          <p:nvCxnSpPr>
-            <p:cNvPr id="24" name="Straight Connector 23">
-              <a:extLst>
-                <a:ext uri="{FF2B5EF4-FFF2-40B4-BE49-F238E27FC236}">
-                  <a16:creationId xmlns:a16="http://schemas.microsoft.com/office/drawing/2014/main" id="{5C81A2D6-ED41-40EA-B0EC-A7ED601EF1D0}"/>
-                </a:ext>
-              </a:extLst>
-            </p:cNvPr>
-            <p:cNvCxnSpPr>
-              <a:stCxn id="11" idx="3"/>
-              <a:endCxn id="15" idx="0"/>
-            </p:cNvCxnSpPr>
-            <p:nvPr/>
-          </p:nvCxnSpPr>
-          <p:spPr>
-            <a:xfrm flipH="1">
-              <a:off x="2121548" y="3831333"/>
-              <a:ext cx="1372667" cy="126919"/>
-            </a:xfrm>
-            <a:prstGeom prst="line">
-              <a:avLst/>
-            </a:prstGeom>
-          </p:spPr>
-          <p:style>
-            <a:lnRef idx="1">
-              <a:schemeClr val="accent1"/>
-            </a:lnRef>
-            <a:fillRef idx="0">
-              <a:schemeClr val="accent1"/>
-            </a:fillRef>
-            <a:effectRef idx="0">
-              <a:schemeClr val="accent1"/>
-            </a:effectRef>
-            <a:fontRef idx="minor">
-              <a:schemeClr val="tx1"/>
-            </a:fontRef>
-          </p:style>
-        </p:cxnSp>
-      </p:grpSp>
+            </a:solidFill>
+          </a:ln>
+        </p:spPr>
+        <p:style>
+          <a:lnRef idx="2">
+            <a:schemeClr val="accent1">
+              <a:shade val="50000"/>
+            </a:schemeClr>
+          </a:lnRef>
+          <a:fillRef idx="1">
+            <a:schemeClr val="accent1"/>
+          </a:fillRef>
+          <a:effectRef idx="0">
+            <a:schemeClr val="accent1"/>
+          </a:effectRef>
+          <a:fontRef idx="minor">
+            <a:schemeClr val="lt1"/>
+          </a:fontRef>
+        </p:style>
+        <p:txBody>
+          <a:bodyPr rtlCol="0" anchor="ctr"/>
+          <a:lstStyle/>
+          <a:p>
+            <a:pPr algn="ctr"/>
+            <a:r>
+              <a:rPr lang="en-US" sz="2400" b="1" dirty="0">
+                <a:solidFill>
+                  <a:schemeClr val="tx1"/>
+                </a:solidFill>
+              </a:rPr>
+              <a:t>Presenting graph</a:t>
+            </a:r>
+          </a:p>
+        </p:txBody>
+      </p:sp>
+      <p:cxnSp>
+        <p:nvCxnSpPr>
+          <p:cNvPr id="7" name="Straight Connector 6">
+            <a:extLst>
+              <a:ext uri="{FF2B5EF4-FFF2-40B4-BE49-F238E27FC236}">
+                <a16:creationId xmlns:a16="http://schemas.microsoft.com/office/drawing/2014/main" id="{6EBB269F-A676-4794-BDDA-4EFEF85496E9}"/>
+              </a:ext>
+            </a:extLst>
+          </p:cNvPr>
+          <p:cNvCxnSpPr>
+            <a:cxnSpLocks/>
+            <a:stCxn id="2" idx="2"/>
+          </p:cNvCxnSpPr>
+          <p:nvPr/>
+        </p:nvCxnSpPr>
+        <p:spPr>
+          <a:xfrm>
+            <a:off x="6096000" y="1346637"/>
+            <a:ext cx="0" cy="4860143"/>
+          </a:xfrm>
+          <a:prstGeom prst="line">
+            <a:avLst/>
+          </a:prstGeom>
+        </p:spPr>
+        <p:style>
+          <a:lnRef idx="1">
+            <a:schemeClr val="accent1"/>
+          </a:lnRef>
+          <a:fillRef idx="0">
+            <a:schemeClr val="accent1"/>
+          </a:fillRef>
+          <a:effectRef idx="0">
+            <a:schemeClr val="accent1"/>
+          </a:effectRef>
+          <a:fontRef idx="minor">
+            <a:schemeClr val="tx1"/>
+          </a:fontRef>
+        </p:style>
+      </p:cxnSp>
+      <p:sp>
+        <p:nvSpPr>
+          <p:cNvPr id="8" name="Oval 7">
+            <a:extLst>
+              <a:ext uri="{FF2B5EF4-FFF2-40B4-BE49-F238E27FC236}">
+                <a16:creationId xmlns:a16="http://schemas.microsoft.com/office/drawing/2014/main" id="{7C96E3CB-B98F-4B6C-BDD1-3D9B7FC65D5D}"/>
+              </a:ext>
+            </a:extLst>
+          </p:cNvPr>
+          <p:cNvSpPr/>
+          <p:nvPr/>
+        </p:nvSpPr>
+        <p:spPr>
+          <a:xfrm>
+            <a:off x="2501832" y="2623321"/>
+            <a:ext cx="248777" cy="247880"/>
+          </a:xfrm>
+          <a:prstGeom prst="ellipse">
+            <a:avLst/>
+          </a:prstGeom>
+          <a:noFill/>
+          <a:ln w="38100">
+            <a:solidFill>
+              <a:srgbClr val="FF0000"/>
+            </a:solidFill>
+          </a:ln>
+        </p:spPr>
+        <p:style>
+          <a:lnRef idx="2">
+            <a:schemeClr val="accent1">
+              <a:shade val="50000"/>
+            </a:schemeClr>
+          </a:lnRef>
+          <a:fillRef idx="1">
+            <a:schemeClr val="accent1"/>
+          </a:fillRef>
+          <a:effectRef idx="0">
+            <a:schemeClr val="accent1"/>
+          </a:effectRef>
+          <a:fontRef idx="minor">
+            <a:schemeClr val="lt1"/>
+          </a:fontRef>
+        </p:style>
+        <p:txBody>
+          <a:bodyPr rtlCol="0" anchor="ctr"/>
+          <a:lstStyle/>
+          <a:p>
+            <a:pPr algn="ctr"/>
+            <a:r>
+              <a:rPr lang="en-US" dirty="0">
+                <a:solidFill>
+                  <a:srgbClr val="FF0000"/>
+                </a:solidFill>
+              </a:rPr>
+              <a:t>x</a:t>
+            </a:r>
+          </a:p>
+        </p:txBody>
+      </p:sp>
+      <p:sp>
+        <p:nvSpPr>
+          <p:cNvPr id="9" name="Oval 8">
+            <a:extLst>
+              <a:ext uri="{FF2B5EF4-FFF2-40B4-BE49-F238E27FC236}">
+                <a16:creationId xmlns:a16="http://schemas.microsoft.com/office/drawing/2014/main" id="{15756BF4-8F3D-4A7C-91E9-B4AA0356B016}"/>
+              </a:ext>
+            </a:extLst>
+          </p:cNvPr>
+          <p:cNvSpPr/>
+          <p:nvPr/>
+        </p:nvSpPr>
+        <p:spPr>
+          <a:xfrm>
+            <a:off x="3061379" y="2833180"/>
+            <a:ext cx="248777" cy="247880"/>
+          </a:xfrm>
+          <a:prstGeom prst="ellipse">
+            <a:avLst/>
+          </a:prstGeom>
+          <a:noFill/>
+          <a:ln w="38100">
+            <a:solidFill>
+              <a:schemeClr val="accent6"/>
+            </a:solidFill>
+          </a:ln>
+        </p:spPr>
+        <p:style>
+          <a:lnRef idx="2">
+            <a:schemeClr val="accent1">
+              <a:shade val="50000"/>
+            </a:schemeClr>
+          </a:lnRef>
+          <a:fillRef idx="1">
+            <a:schemeClr val="accent1"/>
+          </a:fillRef>
+          <a:effectRef idx="0">
+            <a:schemeClr val="accent1"/>
+          </a:effectRef>
+          <a:fontRef idx="minor">
+            <a:schemeClr val="lt1"/>
+          </a:fontRef>
+        </p:style>
+        <p:txBody>
+          <a:bodyPr rtlCol="0" anchor="ctr"/>
+          <a:lstStyle/>
+          <a:p>
+            <a:pPr algn="ctr"/>
+            <a:endParaRPr lang="en-US"/>
+          </a:p>
+        </p:txBody>
+      </p:sp>
+      <p:sp>
+        <p:nvSpPr>
+          <p:cNvPr id="10" name="Oval 9">
+            <a:extLst>
+              <a:ext uri="{FF2B5EF4-FFF2-40B4-BE49-F238E27FC236}">
+                <a16:creationId xmlns:a16="http://schemas.microsoft.com/office/drawing/2014/main" id="{0C9CD638-7E1D-4E67-97B6-1D9AA681E1C2}"/>
+              </a:ext>
+            </a:extLst>
+          </p:cNvPr>
+          <p:cNvSpPr/>
+          <p:nvPr/>
+        </p:nvSpPr>
+        <p:spPr>
+          <a:xfrm>
+            <a:off x="4057732" y="3439615"/>
+            <a:ext cx="248777" cy="247880"/>
+          </a:xfrm>
+          <a:prstGeom prst="ellipse">
+            <a:avLst/>
+          </a:prstGeom>
+          <a:noFill/>
+          <a:ln w="38100">
+            <a:solidFill>
+              <a:srgbClr val="FF0000"/>
+            </a:solidFill>
+          </a:ln>
+        </p:spPr>
+        <p:style>
+          <a:lnRef idx="2">
+            <a:schemeClr val="accent1">
+              <a:shade val="50000"/>
+            </a:schemeClr>
+          </a:lnRef>
+          <a:fillRef idx="1">
+            <a:schemeClr val="accent1"/>
+          </a:fillRef>
+          <a:effectRef idx="0">
+            <a:schemeClr val="accent1"/>
+          </a:effectRef>
+          <a:fontRef idx="minor">
+            <a:schemeClr val="lt1"/>
+          </a:fontRef>
+        </p:style>
+        <p:txBody>
+          <a:bodyPr rtlCol="0" anchor="ctr"/>
+          <a:lstStyle/>
+          <a:p>
+            <a:pPr algn="ctr"/>
+            <a:endParaRPr lang="en-US"/>
+          </a:p>
+        </p:txBody>
+      </p:sp>
+      <p:sp>
+        <p:nvSpPr>
+          <p:cNvPr id="11" name="Oval 10">
+            <a:extLst>
+              <a:ext uri="{FF2B5EF4-FFF2-40B4-BE49-F238E27FC236}">
+                <a16:creationId xmlns:a16="http://schemas.microsoft.com/office/drawing/2014/main" id="{C8AA99A2-9496-4BBC-BC5C-A0F673BF3493}"/>
+              </a:ext>
+            </a:extLst>
+          </p:cNvPr>
+          <p:cNvSpPr/>
+          <p:nvPr/>
+        </p:nvSpPr>
+        <p:spPr>
+          <a:xfrm>
+            <a:off x="3558934" y="3013317"/>
+            <a:ext cx="248777" cy="247880"/>
+          </a:xfrm>
+          <a:prstGeom prst="ellipse">
+            <a:avLst/>
+          </a:prstGeom>
+          <a:noFill/>
+          <a:ln w="38100">
+            <a:solidFill>
+              <a:srgbClr val="FF0000"/>
+            </a:solidFill>
+          </a:ln>
+        </p:spPr>
+        <p:style>
+          <a:lnRef idx="2">
+            <a:schemeClr val="accent1">
+              <a:shade val="50000"/>
+            </a:schemeClr>
+          </a:lnRef>
+          <a:fillRef idx="1">
+            <a:schemeClr val="accent1"/>
+          </a:fillRef>
+          <a:effectRef idx="0">
+            <a:schemeClr val="accent1"/>
+          </a:effectRef>
+          <a:fontRef idx="minor">
+            <a:schemeClr val="lt1"/>
+          </a:fontRef>
+        </p:style>
+        <p:txBody>
+          <a:bodyPr rtlCol="0" anchor="ctr"/>
+          <a:lstStyle/>
+          <a:p>
+            <a:pPr algn="ctr"/>
+            <a:endParaRPr lang="en-US"/>
+          </a:p>
+        </p:txBody>
+      </p:sp>
+      <p:sp>
+        <p:nvSpPr>
+          <p:cNvPr id="12" name="Oval 11">
+            <a:extLst>
+              <a:ext uri="{FF2B5EF4-FFF2-40B4-BE49-F238E27FC236}">
+                <a16:creationId xmlns:a16="http://schemas.microsoft.com/office/drawing/2014/main" id="{8CAF6010-F839-4134-92DA-1C5691B5C6E9}"/>
+              </a:ext>
+            </a:extLst>
+          </p:cNvPr>
+          <p:cNvSpPr/>
+          <p:nvPr/>
+        </p:nvSpPr>
+        <p:spPr>
+          <a:xfrm>
+            <a:off x="1982409" y="2942436"/>
+            <a:ext cx="248777" cy="247880"/>
+          </a:xfrm>
+          <a:prstGeom prst="ellipse">
+            <a:avLst/>
+          </a:prstGeom>
+          <a:noFill/>
+          <a:ln w="38100">
+            <a:solidFill>
+              <a:srgbClr val="FF0000"/>
+            </a:solidFill>
+          </a:ln>
+        </p:spPr>
+        <p:style>
+          <a:lnRef idx="2">
+            <a:schemeClr val="accent1">
+              <a:shade val="50000"/>
+            </a:schemeClr>
+          </a:lnRef>
+          <a:fillRef idx="1">
+            <a:schemeClr val="accent1"/>
+          </a:fillRef>
+          <a:effectRef idx="0">
+            <a:schemeClr val="accent1"/>
+          </a:effectRef>
+          <a:fontRef idx="minor">
+            <a:schemeClr val="lt1"/>
+          </a:fontRef>
+        </p:style>
+        <p:txBody>
+          <a:bodyPr rtlCol="0" anchor="ctr"/>
+          <a:lstStyle/>
+          <a:p>
+            <a:pPr algn="ctr"/>
+            <a:endParaRPr lang="en-US"/>
+          </a:p>
+        </p:txBody>
+      </p:sp>
+      <p:sp>
+        <p:nvSpPr>
+          <p:cNvPr id="13" name="Oval 12">
+            <a:extLst>
+              <a:ext uri="{FF2B5EF4-FFF2-40B4-BE49-F238E27FC236}">
+                <a16:creationId xmlns:a16="http://schemas.microsoft.com/office/drawing/2014/main" id="{7876F8D3-0991-4305-AE63-D40F13DF59E0}"/>
+              </a:ext>
+            </a:extLst>
+          </p:cNvPr>
+          <p:cNvSpPr/>
+          <p:nvPr/>
+        </p:nvSpPr>
+        <p:spPr>
+          <a:xfrm>
+            <a:off x="3124593" y="3549612"/>
+            <a:ext cx="248777" cy="247880"/>
+          </a:xfrm>
+          <a:prstGeom prst="ellipse">
+            <a:avLst/>
+          </a:prstGeom>
+          <a:noFill/>
+          <a:ln w="38100">
+            <a:solidFill>
+              <a:schemeClr val="accent6"/>
+            </a:solidFill>
+          </a:ln>
+        </p:spPr>
+        <p:style>
+          <a:lnRef idx="2">
+            <a:schemeClr val="accent1">
+              <a:shade val="50000"/>
+            </a:schemeClr>
+          </a:lnRef>
+          <a:fillRef idx="1">
+            <a:schemeClr val="accent1"/>
+          </a:fillRef>
+          <a:effectRef idx="0">
+            <a:schemeClr val="accent1"/>
+          </a:effectRef>
+          <a:fontRef idx="minor">
+            <a:schemeClr val="lt1"/>
+          </a:fontRef>
+        </p:style>
+        <p:txBody>
+          <a:bodyPr rtlCol="0" anchor="ctr"/>
+          <a:lstStyle/>
+          <a:p>
+            <a:pPr algn="ctr"/>
+            <a:endParaRPr lang="en-US"/>
+          </a:p>
+        </p:txBody>
+      </p:sp>
+      <p:sp>
+        <p:nvSpPr>
+          <p:cNvPr id="14" name="Oval 13">
+            <a:extLst>
+              <a:ext uri="{FF2B5EF4-FFF2-40B4-BE49-F238E27FC236}">
+                <a16:creationId xmlns:a16="http://schemas.microsoft.com/office/drawing/2014/main" id="{C5D88C81-F6BA-4EB3-BAE7-A0062830BA0D}"/>
+              </a:ext>
+            </a:extLst>
+          </p:cNvPr>
+          <p:cNvSpPr/>
+          <p:nvPr/>
+        </p:nvSpPr>
+        <p:spPr>
+          <a:xfrm>
+            <a:off x="3701203" y="2283511"/>
+            <a:ext cx="248777" cy="247880"/>
+          </a:xfrm>
+          <a:prstGeom prst="ellipse">
+            <a:avLst/>
+          </a:prstGeom>
+          <a:noFill/>
+          <a:ln w="38100">
+            <a:solidFill>
+              <a:srgbClr val="FF0000"/>
+            </a:solidFill>
+          </a:ln>
+        </p:spPr>
+        <p:style>
+          <a:lnRef idx="2">
+            <a:schemeClr val="accent1">
+              <a:shade val="50000"/>
+            </a:schemeClr>
+          </a:lnRef>
+          <a:fillRef idx="1">
+            <a:schemeClr val="accent1"/>
+          </a:fillRef>
+          <a:effectRef idx="0">
+            <a:schemeClr val="accent1"/>
+          </a:effectRef>
+          <a:fontRef idx="minor">
+            <a:schemeClr val="lt1"/>
+          </a:fontRef>
+        </p:style>
+        <p:txBody>
+          <a:bodyPr rtlCol="0" anchor="ctr"/>
+          <a:lstStyle/>
+          <a:p>
+            <a:pPr algn="ctr"/>
+            <a:endParaRPr lang="en-US"/>
+          </a:p>
+        </p:txBody>
+      </p:sp>
+      <p:sp>
+        <p:nvSpPr>
+          <p:cNvPr id="15" name="Oval 14">
+            <a:extLst>
+              <a:ext uri="{FF2B5EF4-FFF2-40B4-BE49-F238E27FC236}">
+                <a16:creationId xmlns:a16="http://schemas.microsoft.com/office/drawing/2014/main" id="{818B2134-E47E-4B61-BC98-69109AA23AA9}"/>
+              </a:ext>
+            </a:extLst>
+          </p:cNvPr>
+          <p:cNvSpPr/>
+          <p:nvPr/>
+        </p:nvSpPr>
+        <p:spPr>
+          <a:xfrm>
+            <a:off x="2440233" y="3319857"/>
+            <a:ext cx="248777" cy="247880"/>
+          </a:xfrm>
+          <a:prstGeom prst="ellipse">
+            <a:avLst/>
+          </a:prstGeom>
+          <a:noFill/>
+          <a:ln w="38100">
+            <a:solidFill>
+              <a:srgbClr val="FF0000"/>
+            </a:solidFill>
+          </a:ln>
+        </p:spPr>
+        <p:style>
+          <a:lnRef idx="2">
+            <a:schemeClr val="accent1">
+              <a:shade val="50000"/>
+            </a:schemeClr>
+          </a:lnRef>
+          <a:fillRef idx="1">
+            <a:schemeClr val="accent1"/>
+          </a:fillRef>
+          <a:effectRef idx="0">
+            <a:schemeClr val="accent1"/>
+          </a:effectRef>
+          <a:fontRef idx="minor">
+            <a:schemeClr val="lt1"/>
+          </a:fontRef>
+        </p:style>
+        <p:txBody>
+          <a:bodyPr rtlCol="0" anchor="ctr"/>
+          <a:lstStyle/>
+          <a:p>
+            <a:pPr algn="ctr"/>
+            <a:endParaRPr lang="en-US"/>
+          </a:p>
+        </p:txBody>
+      </p:sp>
+      <p:cxnSp>
+        <p:nvCxnSpPr>
+          <p:cNvPr id="16" name="Straight Connector 15">
+            <a:extLst>
+              <a:ext uri="{FF2B5EF4-FFF2-40B4-BE49-F238E27FC236}">
+                <a16:creationId xmlns:a16="http://schemas.microsoft.com/office/drawing/2014/main" id="{737C1A6B-118E-4D60-B95B-CDB7B16A53B2}"/>
+              </a:ext>
+            </a:extLst>
+          </p:cNvPr>
+          <p:cNvCxnSpPr>
+            <a:cxnSpLocks/>
+            <a:stCxn id="9" idx="4"/>
+            <a:endCxn id="13" idx="0"/>
+          </p:cNvCxnSpPr>
+          <p:nvPr/>
+        </p:nvCxnSpPr>
+        <p:spPr>
+          <a:xfrm>
+            <a:off x="3185768" y="3081060"/>
+            <a:ext cx="63214" cy="468551"/>
+          </a:xfrm>
+          <a:prstGeom prst="line">
+            <a:avLst/>
+          </a:prstGeom>
+        </p:spPr>
+        <p:style>
+          <a:lnRef idx="1">
+            <a:schemeClr val="accent1"/>
+          </a:lnRef>
+          <a:fillRef idx="0">
+            <a:schemeClr val="accent1"/>
+          </a:fillRef>
+          <a:effectRef idx="0">
+            <a:schemeClr val="accent1"/>
+          </a:effectRef>
+          <a:fontRef idx="minor">
+            <a:schemeClr val="tx1"/>
+          </a:fontRef>
+        </p:style>
+      </p:cxnSp>
+      <p:cxnSp>
+        <p:nvCxnSpPr>
+          <p:cNvPr id="17" name="Straight Connector 16">
+            <a:extLst>
+              <a:ext uri="{FF2B5EF4-FFF2-40B4-BE49-F238E27FC236}">
+                <a16:creationId xmlns:a16="http://schemas.microsoft.com/office/drawing/2014/main" id="{7EB43209-99D4-455B-9D8E-5FDCF54B2DB8}"/>
+              </a:ext>
+            </a:extLst>
+          </p:cNvPr>
+          <p:cNvCxnSpPr>
+            <a:stCxn id="8" idx="5"/>
+            <a:endCxn id="14" idx="3"/>
+          </p:cNvCxnSpPr>
+          <p:nvPr/>
+        </p:nvCxnSpPr>
+        <p:spPr>
+          <a:xfrm flipV="1">
+            <a:off x="2714177" y="2495090"/>
+            <a:ext cx="1023458" cy="339810"/>
+          </a:xfrm>
+          <a:prstGeom prst="line">
+            <a:avLst/>
+          </a:prstGeom>
+          <a:ln>
+            <a:solidFill>
+              <a:srgbClr val="FF0000"/>
+            </a:solidFill>
+          </a:ln>
+        </p:spPr>
+        <p:style>
+          <a:lnRef idx="1">
+            <a:schemeClr val="accent1"/>
+          </a:lnRef>
+          <a:fillRef idx="0">
+            <a:schemeClr val="accent1"/>
+          </a:fillRef>
+          <a:effectRef idx="0">
+            <a:schemeClr val="accent1"/>
+          </a:effectRef>
+          <a:fontRef idx="minor">
+            <a:schemeClr val="tx1"/>
+          </a:fontRef>
+        </p:style>
+      </p:cxnSp>
+      <p:cxnSp>
+        <p:nvCxnSpPr>
+          <p:cNvPr id="18" name="Straight Connector 17">
+            <a:extLst>
+              <a:ext uri="{FF2B5EF4-FFF2-40B4-BE49-F238E27FC236}">
+                <a16:creationId xmlns:a16="http://schemas.microsoft.com/office/drawing/2014/main" id="{8F95654A-0066-4CC9-93D2-3147B153B520}"/>
+              </a:ext>
+            </a:extLst>
+          </p:cNvPr>
+          <p:cNvCxnSpPr>
+            <a:stCxn id="14" idx="5"/>
+            <a:endCxn id="10" idx="0"/>
+          </p:cNvCxnSpPr>
+          <p:nvPr/>
+        </p:nvCxnSpPr>
+        <p:spPr>
+          <a:xfrm>
+            <a:off x="3913548" y="2495090"/>
+            <a:ext cx="268573" cy="944525"/>
+          </a:xfrm>
+          <a:prstGeom prst="line">
+            <a:avLst/>
+          </a:prstGeom>
+          <a:ln>
+            <a:solidFill>
+              <a:srgbClr val="FF0000"/>
+            </a:solidFill>
+          </a:ln>
+        </p:spPr>
+        <p:style>
+          <a:lnRef idx="1">
+            <a:schemeClr val="accent1"/>
+          </a:lnRef>
+          <a:fillRef idx="0">
+            <a:schemeClr val="accent1"/>
+          </a:fillRef>
+          <a:effectRef idx="0">
+            <a:schemeClr val="accent1"/>
+          </a:effectRef>
+          <a:fontRef idx="minor">
+            <a:schemeClr val="tx1"/>
+          </a:fontRef>
+        </p:style>
+      </p:cxnSp>
+      <p:cxnSp>
+        <p:nvCxnSpPr>
+          <p:cNvPr id="19" name="Straight Connector 18">
+            <a:extLst>
+              <a:ext uri="{FF2B5EF4-FFF2-40B4-BE49-F238E27FC236}">
+                <a16:creationId xmlns:a16="http://schemas.microsoft.com/office/drawing/2014/main" id="{01D5E5CE-3E02-4895-8F8C-85C4B77DEED0}"/>
+              </a:ext>
+            </a:extLst>
+          </p:cNvPr>
+          <p:cNvCxnSpPr>
+            <a:stCxn id="12" idx="7"/>
+            <a:endCxn id="8" idx="4"/>
+          </p:cNvCxnSpPr>
+          <p:nvPr/>
+        </p:nvCxnSpPr>
+        <p:spPr>
+          <a:xfrm flipV="1">
+            <a:off x="2194754" y="2871201"/>
+            <a:ext cx="431468" cy="107535"/>
+          </a:xfrm>
+          <a:prstGeom prst="line">
+            <a:avLst/>
+          </a:prstGeom>
+          <a:ln>
+            <a:solidFill>
+              <a:srgbClr val="FF0000"/>
+            </a:solidFill>
+          </a:ln>
+        </p:spPr>
+        <p:style>
+          <a:lnRef idx="1">
+            <a:schemeClr val="accent1"/>
+          </a:lnRef>
+          <a:fillRef idx="0">
+            <a:schemeClr val="accent1"/>
+          </a:fillRef>
+          <a:effectRef idx="0">
+            <a:schemeClr val="accent1"/>
+          </a:effectRef>
+          <a:fontRef idx="minor">
+            <a:schemeClr val="tx1"/>
+          </a:fontRef>
+        </p:style>
+      </p:cxnSp>
+      <p:cxnSp>
+        <p:nvCxnSpPr>
+          <p:cNvPr id="20" name="Straight Connector 19">
+            <a:extLst>
+              <a:ext uri="{FF2B5EF4-FFF2-40B4-BE49-F238E27FC236}">
+                <a16:creationId xmlns:a16="http://schemas.microsoft.com/office/drawing/2014/main" id="{BE504B03-3B7D-4EEF-BFDC-EBF95E3E0A8D}"/>
+              </a:ext>
+            </a:extLst>
+          </p:cNvPr>
+          <p:cNvCxnSpPr>
+            <a:cxnSpLocks/>
+            <a:stCxn id="12" idx="5"/>
+            <a:endCxn id="15" idx="2"/>
+          </p:cNvCxnSpPr>
+          <p:nvPr/>
+        </p:nvCxnSpPr>
+        <p:spPr>
+          <a:xfrm>
+            <a:off x="2194754" y="3154015"/>
+            <a:ext cx="245479" cy="289782"/>
+          </a:xfrm>
+          <a:prstGeom prst="line">
+            <a:avLst/>
+          </a:prstGeom>
+          <a:ln>
+            <a:solidFill>
+              <a:srgbClr val="FF0000"/>
+            </a:solidFill>
+          </a:ln>
+        </p:spPr>
+        <p:style>
+          <a:lnRef idx="1">
+            <a:schemeClr val="accent1"/>
+          </a:lnRef>
+          <a:fillRef idx="0">
+            <a:schemeClr val="accent1"/>
+          </a:fillRef>
+          <a:effectRef idx="0">
+            <a:schemeClr val="accent1"/>
+          </a:effectRef>
+          <a:fontRef idx="minor">
+            <a:schemeClr val="tx1"/>
+          </a:fontRef>
+        </p:style>
+      </p:cxnSp>
+      <p:cxnSp>
+        <p:nvCxnSpPr>
+          <p:cNvPr id="21" name="Straight Connector 20">
+            <a:extLst>
+              <a:ext uri="{FF2B5EF4-FFF2-40B4-BE49-F238E27FC236}">
+                <a16:creationId xmlns:a16="http://schemas.microsoft.com/office/drawing/2014/main" id="{EF565A21-1DF1-4CD6-B6A6-37294521602D}"/>
+              </a:ext>
+            </a:extLst>
+          </p:cNvPr>
+          <p:cNvCxnSpPr>
+            <a:stCxn id="13" idx="6"/>
+            <a:endCxn id="10" idx="2"/>
+          </p:cNvCxnSpPr>
+          <p:nvPr/>
+        </p:nvCxnSpPr>
+        <p:spPr>
+          <a:xfrm flipV="1">
+            <a:off x="3373371" y="3563555"/>
+            <a:ext cx="684361" cy="109997"/>
+          </a:xfrm>
+          <a:prstGeom prst="line">
+            <a:avLst/>
+          </a:prstGeom>
+        </p:spPr>
+        <p:style>
+          <a:lnRef idx="1">
+            <a:schemeClr val="accent1"/>
+          </a:lnRef>
+          <a:fillRef idx="0">
+            <a:schemeClr val="accent1"/>
+          </a:fillRef>
+          <a:effectRef idx="0">
+            <a:schemeClr val="accent1"/>
+          </a:effectRef>
+          <a:fontRef idx="minor">
+            <a:schemeClr val="tx1"/>
+          </a:fontRef>
+        </p:style>
+      </p:cxnSp>
+      <p:cxnSp>
+        <p:nvCxnSpPr>
+          <p:cNvPr id="22" name="Straight Connector 21">
+            <a:extLst>
+              <a:ext uri="{FF2B5EF4-FFF2-40B4-BE49-F238E27FC236}">
+                <a16:creationId xmlns:a16="http://schemas.microsoft.com/office/drawing/2014/main" id="{8978D44E-37F2-45A8-8975-2D704F674DA7}"/>
+              </a:ext>
+            </a:extLst>
+          </p:cNvPr>
+          <p:cNvCxnSpPr>
+            <a:stCxn id="11" idx="6"/>
+            <a:endCxn id="14" idx="2"/>
+          </p:cNvCxnSpPr>
+          <p:nvPr/>
+        </p:nvCxnSpPr>
+        <p:spPr>
+          <a:xfrm flipH="1" flipV="1">
+            <a:off x="3701203" y="2407451"/>
+            <a:ext cx="106509" cy="729806"/>
+          </a:xfrm>
+          <a:prstGeom prst="line">
+            <a:avLst/>
+          </a:prstGeom>
+          <a:ln>
+            <a:solidFill>
+              <a:srgbClr val="FF0000"/>
+            </a:solidFill>
+          </a:ln>
+        </p:spPr>
+        <p:style>
+          <a:lnRef idx="1">
+            <a:schemeClr val="accent1"/>
+          </a:lnRef>
+          <a:fillRef idx="0">
+            <a:schemeClr val="accent1"/>
+          </a:fillRef>
+          <a:effectRef idx="0">
+            <a:schemeClr val="accent1"/>
+          </a:effectRef>
+          <a:fontRef idx="minor">
+            <a:schemeClr val="tx1"/>
+          </a:fontRef>
+        </p:style>
+      </p:cxnSp>
+      <p:cxnSp>
+        <p:nvCxnSpPr>
+          <p:cNvPr id="23" name="Straight Connector 22">
+            <a:extLst>
+              <a:ext uri="{FF2B5EF4-FFF2-40B4-BE49-F238E27FC236}">
+                <a16:creationId xmlns:a16="http://schemas.microsoft.com/office/drawing/2014/main" id="{9BA7FDB7-884F-4CAC-8F6A-2E02EA2D9C8C}"/>
+              </a:ext>
+            </a:extLst>
+          </p:cNvPr>
+          <p:cNvCxnSpPr>
+            <a:stCxn id="11" idx="1"/>
+            <a:endCxn id="9" idx="5"/>
+          </p:cNvCxnSpPr>
+          <p:nvPr/>
+        </p:nvCxnSpPr>
+        <p:spPr>
+          <a:xfrm flipH="1" flipV="1">
+            <a:off x="3273724" y="3044759"/>
+            <a:ext cx="321642" cy="4859"/>
+          </a:xfrm>
+          <a:prstGeom prst="line">
+            <a:avLst/>
+          </a:prstGeom>
+        </p:spPr>
+        <p:style>
+          <a:lnRef idx="1">
+            <a:schemeClr val="accent1"/>
+          </a:lnRef>
+          <a:fillRef idx="0">
+            <a:schemeClr val="accent1"/>
+          </a:fillRef>
+          <a:effectRef idx="0">
+            <a:schemeClr val="accent1"/>
+          </a:effectRef>
+          <a:fontRef idx="minor">
+            <a:schemeClr val="tx1"/>
+          </a:fontRef>
+        </p:style>
+      </p:cxnSp>
+      <p:cxnSp>
+        <p:nvCxnSpPr>
+          <p:cNvPr id="24" name="Straight Connector 23">
+            <a:extLst>
+              <a:ext uri="{FF2B5EF4-FFF2-40B4-BE49-F238E27FC236}">
+                <a16:creationId xmlns:a16="http://schemas.microsoft.com/office/drawing/2014/main" id="{5C81A2D6-ED41-40EA-B0EC-A7ED601EF1D0}"/>
+              </a:ext>
+            </a:extLst>
+          </p:cNvPr>
+          <p:cNvCxnSpPr>
+            <a:stCxn id="11" idx="3"/>
+            <a:endCxn id="15" idx="0"/>
+          </p:cNvCxnSpPr>
+          <p:nvPr/>
+        </p:nvCxnSpPr>
+        <p:spPr>
+          <a:xfrm flipH="1">
+            <a:off x="2564622" y="3224897"/>
+            <a:ext cx="1030744" cy="94960"/>
+          </a:xfrm>
+          <a:prstGeom prst="line">
+            <a:avLst/>
+          </a:prstGeom>
+        </p:spPr>
+        <p:style>
+          <a:lnRef idx="1">
+            <a:schemeClr val="accent1"/>
+          </a:lnRef>
+          <a:fillRef idx="0">
+            <a:schemeClr val="accent1"/>
+          </a:fillRef>
+          <a:effectRef idx="0">
+            <a:schemeClr val="accent1"/>
+          </a:effectRef>
+          <a:fontRef idx="minor">
+            <a:schemeClr val="tx1"/>
+          </a:fontRef>
+        </p:style>
+      </p:cxnSp>
       <p:grpSp>
         <p:nvGrpSpPr>
           <p:cNvPr id="68" name="Group 67">
@@ -20947,10 +22438,10 @@
         </p:nvGrpSpPr>
         <p:grpSpPr>
           <a:xfrm>
-            <a:off x="6326033" y="2407449"/>
-            <a:ext cx="5403933" cy="1032165"/>
-            <a:chOff x="6158967" y="2353374"/>
-            <a:chExt cx="5919621" cy="1230442"/>
+            <a:off x="6362439" y="2495090"/>
+            <a:ext cx="5367527" cy="944524"/>
+            <a:chOff x="6198847" y="2457850"/>
+            <a:chExt cx="5879741" cy="1125965"/>
           </a:xfrm>
         </p:grpSpPr>
         <p:sp>
@@ -21013,8 +22504,8 @@
           </p:nvSpPr>
           <p:spPr>
             <a:xfrm>
-              <a:off x="6158967" y="2353374"/>
-              <a:ext cx="1843483" cy="1230442"/>
+              <a:off x="6198847" y="2457850"/>
+              <a:ext cx="1706665" cy="1125965"/>
             </a:xfrm>
             <a:prstGeom prst="cube">
               <a:avLst/>
@@ -21076,14 +22567,6 @@
                 </a:rPr>
                 <a:t>(L x N x N)</a:t>
               </a:r>
-            </a:p>
-            <a:p>
-              <a:pPr algn="ctr"/>
-              <a:endParaRPr lang="en-US" sz="2000" b="1" dirty="0">
-                <a:solidFill>
-                  <a:schemeClr val="tx1"/>
-                </a:solidFill>
-              </a:endParaRPr>
             </a:p>
           </p:txBody>
         </p:sp>
@@ -21730,7 +23213,7 @@
                   <a:schemeClr val="tx1"/>
                 </a:solidFill>
               </a:rPr>
-              <a:t>Size</a:t>
+              <a:t>Size (sum)</a:t>
             </a:r>
           </a:p>
         </p:txBody>
@@ -21963,6 +23446,67 @@
             <a:r>
               <a:rPr lang="en-US" dirty="0"/>
               <a:t>(value = [0…1])</a:t>
+            </a:r>
+          </a:p>
+        </p:txBody>
+      </p:sp>
+      <p:sp>
+        <p:nvSpPr>
+          <p:cNvPr id="47" name="Rectangle: Rounded Corners 46">
+            <a:extLst>
+              <a:ext uri="{FF2B5EF4-FFF2-40B4-BE49-F238E27FC236}">
+                <a16:creationId xmlns:a16="http://schemas.microsoft.com/office/drawing/2014/main" id="{148F6C17-E814-4E0F-8C50-81C3F93A34E5}"/>
+              </a:ext>
+            </a:extLst>
+          </p:cNvPr>
+          <p:cNvSpPr/>
+          <p:nvPr/>
+        </p:nvSpPr>
+        <p:spPr>
+          <a:xfrm>
+            <a:off x="700196" y="2184502"/>
+            <a:ext cx="1070742" cy="621175"/>
+          </a:xfrm>
+          <a:prstGeom prst="roundRect">
+            <a:avLst/>
+          </a:prstGeom>
+          <a:solidFill>
+            <a:schemeClr val="bg1"/>
+          </a:solidFill>
+          <a:ln w="28575">
+            <a:solidFill>
+              <a:schemeClr val="accent1"/>
+            </a:solidFill>
+          </a:ln>
+        </p:spPr>
+        <p:style>
+          <a:lnRef idx="2">
+            <a:schemeClr val="accent1">
+              <a:shade val="50000"/>
+            </a:schemeClr>
+          </a:lnRef>
+          <a:fillRef idx="1">
+            <a:schemeClr val="accent1"/>
+          </a:fillRef>
+          <a:effectRef idx="0">
+            <a:schemeClr val="accent1"/>
+          </a:effectRef>
+          <a:fontRef idx="minor">
+            <a:schemeClr val="lt1"/>
+          </a:fontRef>
+        </p:style>
+        <p:txBody>
+          <a:bodyPr rtlCol="0" anchor="ctr"/>
+          <a:lstStyle/>
+          <a:p>
+            <a:pPr algn="ctr"/>
+            <a:r>
+              <a:rPr lang="en-US" b="1" dirty="0">
+                <a:solidFill>
+                  <a:schemeClr val="tx1"/>
+                </a:solidFill>
+              </a:rPr>
+              <a:t>BFS</a:t>
             </a:r>
           </a:p>
         </p:txBody>
@@ -22078,21 +23622,39 @@
                                   </p:childTnLst>
                                 </p:cTn>
                               </p:par>
+                            </p:childTnLst>
+                          </p:cTn>
+                        </p:par>
+                      </p:childTnLst>
+                    </p:cTn>
+                  </p:par>
+                  <p:par>
+                    <p:cTn id="10" fill="hold">
+                      <p:stCondLst>
+                        <p:cond delay="indefinite"/>
+                      </p:stCondLst>
+                      <p:childTnLst>
+                        <p:par>
+                          <p:cTn id="11" fill="hold">
+                            <p:stCondLst>
+                              <p:cond delay="0"/>
+                            </p:stCondLst>
+                            <p:childTnLst>
                               <p:par>
-                                <p:cTn id="10" presetID="42" presetClass="entr" presetSubtype="0" fill="hold" nodeType="withEffect">
+                                <p:cTn id="12" presetID="16" presetClass="entr" presetSubtype="21" fill="hold" grpId="0" nodeType="clickEffect">
                                   <p:stCondLst>
                                     <p:cond delay="0"/>
                                   </p:stCondLst>
                                   <p:childTnLst>
                                     <p:set>
                                       <p:cBhvr>
-                                        <p:cTn id="11" dur="1" fill="hold">
+                                        <p:cTn id="13" dur="1" fill="hold">
                                           <p:stCondLst>
                                             <p:cond delay="0"/>
                                           </p:stCondLst>
                                         </p:cTn>
                                         <p:tgtEl>
-                                          <p:spTgt spid="66"/>
+                                          <p:spTgt spid="47"/>
                                         </p:tgtEl>
                                         <p:attrNameLst>
                                           <p:attrName>style.visibility</p:attrName>
@@ -22102,60 +23664,14 @@
                                         <p:strVal val="visible"/>
                                       </p:to>
                                     </p:set>
-                                    <p:animEffect transition="in" filter="fade">
-                                      <p:cBhvr>
-                                        <p:cTn id="12" dur="1000"/>
-                                        <p:tgtEl>
-                                          <p:spTgt spid="66"/>
+                                    <p:animEffect transition="in" filter="barn(inVertical)">
+                                      <p:cBhvr>
+                                        <p:cTn id="14" dur="500"/>
+                                        <p:tgtEl>
+                                          <p:spTgt spid="47"/>
                                         </p:tgtEl>
                                       </p:cBhvr>
                                     </p:animEffect>
-                                    <p:anim calcmode="lin" valueType="num">
-                                      <p:cBhvr>
-                                        <p:cTn id="13" dur="1000" fill="hold"/>
-                                        <p:tgtEl>
-                                          <p:spTgt spid="66"/>
-                                        </p:tgtEl>
-                                        <p:attrNameLst>
-                                          <p:attrName>ppt_x</p:attrName>
-                                        </p:attrNameLst>
-                                      </p:cBhvr>
-                                      <p:tavLst>
-                                        <p:tav tm="0">
-                                          <p:val>
-                                            <p:strVal val="#ppt_x"/>
-                                          </p:val>
-                                        </p:tav>
-                                        <p:tav tm="100000">
-                                          <p:val>
-                                            <p:strVal val="#ppt_x"/>
-                                          </p:val>
-                                        </p:tav>
-                                      </p:tavLst>
-                                    </p:anim>
-                                    <p:anim calcmode="lin" valueType="num">
-                                      <p:cBhvr>
-                                        <p:cTn id="14" dur="1000" fill="hold"/>
-                                        <p:tgtEl>
-                                          <p:spTgt spid="66"/>
-                                        </p:tgtEl>
-                                        <p:attrNameLst>
-                                          <p:attrName>ppt_y</p:attrName>
-                                        </p:attrNameLst>
-                                      </p:cBhvr>
-                                      <p:tavLst>
-                                        <p:tav tm="0">
-                                          <p:val>
-                                            <p:strVal val="#ppt_y+.1"/>
-                                          </p:val>
-                                        </p:tav>
-                                        <p:tav tm="100000">
-                                          <p:val>
-                                            <p:strVal val="#ppt_y"/>
-                                          </p:val>
-                                        </p:tav>
-                                      </p:tavLst>
-                                    </p:anim>
                                   </p:childTnLst>
                                 </p:cTn>
                               </p:par>
@@ -23466,6 +24982,7 @@
       <p:bldP spid="74" grpId="0" animBg="1"/>
       <p:bldP spid="75" grpId="0" animBg="1"/>
       <p:bldP spid="85" grpId="0"/>
+      <p:bldP spid="47" grpId="0" animBg="1"/>
     </p:bldLst>
   </p:timing>
 </p:sld>
